--- a/pic/sum/sum.pptx
+++ b/pic/sum/sum.pptx
@@ -4,8 +4,12 @@
   <p:sldMasterIdLst>
     <p:sldMasterId id="2147483648" r:id="rId1"/>
   </p:sldMasterIdLst>
+  <p:notesMasterIdLst>
+    <p:notesMasterId r:id="rId4"/>
+  </p:notesMasterIdLst>
   <p:sldIdLst>
     <p:sldId id="256" r:id="rId2"/>
+    <p:sldId id="257" r:id="rId3"/>
   </p:sldIdLst>
   <p:sldSz cx="12192000" cy="6858000"/>
   <p:notesSz cx="6858000" cy="9144000"/>
@@ -104,19 +108,87 @@
       </a:defRPr>
     </a:lvl9pPr>
   </p:defaultTextStyle>
+  <p:extLst>
+    <p:ext uri="{EFAFB233-063F-42B5-8137-9DF3F51BA10A}">
+      <p15:sldGuideLst xmlns:p15="http://schemas.microsoft.com/office/powerpoint/2012/main"/>
+    </p:ext>
+  </p:extLst>
 </p:presentation>
 </file>
 
 <file path=ppt/revisionInfo.xml><?xml version="1.0" encoding="utf-8"?>
 <p1510:revInfo xmlns:a="http://schemas.openxmlformats.org/drawingml/2006/main" xmlns:r="http://schemas.openxmlformats.org/officeDocument/2006/relationships" xmlns:p1510="http://schemas.microsoft.com/office/powerpoint/2015/10/main">
   <p1510:revLst>
-    <p1510:client id="{E1BA6E28-7B01-497A-869B-DDC84ED95388}" v="376" dt="2020-04-06T05:02:31.894"/>
+    <p1510:client id="{4DFD21AC-78D3-43CB-8C04-3E230BF10E4A}" v="84" dt="2020-05-25T09:06:25.700"/>
   </p1510:revLst>
 </p1510:revInfo>
 </file>
 
 <file path=ppt/changesInfos/changesInfo1.xml><?xml version="1.0" encoding="utf-8"?>
 <pc:chgInfo xmlns:a="http://schemas.openxmlformats.org/drawingml/2006/main" xmlns:r="http://schemas.openxmlformats.org/officeDocument/2006/relationships" xmlns:ac="http://schemas.microsoft.com/office/drawing/2013/main/command" xmlns:pc="http://schemas.microsoft.com/office/powerpoint/2013/main/command">
+  <pc:docChgLst>
+    <pc:chgData name="Andy Shiang" userId="80fa400d-f861-43d4-af19-39343cd31f21" providerId="ADAL" clId="{4DFD21AC-78D3-43CB-8C04-3E230BF10E4A}"/>
+    <pc:docChg chg="addSld modSld">
+      <pc:chgData name="Andy Shiang" userId="80fa400d-f861-43d4-af19-39343cd31f21" providerId="ADAL" clId="{4DFD21AC-78D3-43CB-8C04-3E230BF10E4A}" dt="2020-05-25T09:06:26.615" v="84" actId="2085"/>
+      <pc:docMkLst>
+        <pc:docMk/>
+      </pc:docMkLst>
+      <pc:sldChg chg="modSp">
+        <pc:chgData name="Andy Shiang" userId="80fa400d-f861-43d4-af19-39343cd31f21" providerId="ADAL" clId="{4DFD21AC-78D3-43CB-8C04-3E230BF10E4A}" dt="2020-05-25T08:52:59.339" v="1" actId="20577"/>
+        <pc:sldMkLst>
+          <pc:docMk/>
+          <pc:sldMk cId="2190832688" sldId="256"/>
+        </pc:sldMkLst>
+        <pc:graphicFrameChg chg="mod">
+          <ac:chgData name="Andy Shiang" userId="80fa400d-f861-43d4-af19-39343cd31f21" providerId="ADAL" clId="{4DFD21AC-78D3-43CB-8C04-3E230BF10E4A}" dt="2020-05-25T08:52:59.339" v="1" actId="20577"/>
+          <ac:graphicFrameMkLst>
+            <pc:docMk/>
+            <pc:sldMk cId="2190832688" sldId="256"/>
+            <ac:graphicFrameMk id="5" creationId="{9DC423A0-F3ED-419F-8062-67443657B3AE}"/>
+          </ac:graphicFrameMkLst>
+        </pc:graphicFrameChg>
+      </pc:sldChg>
+      <pc:sldChg chg="modSp add">
+        <pc:chgData name="Andy Shiang" userId="80fa400d-f861-43d4-af19-39343cd31f21" providerId="ADAL" clId="{4DFD21AC-78D3-43CB-8C04-3E230BF10E4A}" dt="2020-05-25T09:06:26.615" v="84" actId="2085"/>
+        <pc:sldMkLst>
+          <pc:docMk/>
+          <pc:sldMk cId="4060321494" sldId="257"/>
+        </pc:sldMkLst>
+        <pc:spChg chg="mod">
+          <ac:chgData name="Andy Shiang" userId="80fa400d-f861-43d4-af19-39343cd31f21" providerId="ADAL" clId="{4DFD21AC-78D3-43CB-8C04-3E230BF10E4A}" dt="2020-05-25T09:06:21.838" v="82" actId="2085"/>
+          <ac:spMkLst>
+            <pc:docMk/>
+            <pc:sldMk cId="4060321494" sldId="257"/>
+            <ac:spMk id="9" creationId="{56FDB9A0-073D-485D-9B38-057A3E799806}"/>
+          </ac:spMkLst>
+        </pc:spChg>
+        <pc:spChg chg="mod">
+          <ac:chgData name="Andy Shiang" userId="80fa400d-f861-43d4-af19-39343cd31f21" providerId="ADAL" clId="{4DFD21AC-78D3-43CB-8C04-3E230BF10E4A}" dt="2020-05-25T09:06:26.615" v="84" actId="2085"/>
+          <ac:spMkLst>
+            <pc:docMk/>
+            <pc:sldMk cId="4060321494" sldId="257"/>
+            <ac:spMk id="10" creationId="{C6DE5F33-B339-4F7A-B1BE-B534E5FF640D}"/>
+          </ac:spMkLst>
+        </pc:spChg>
+        <pc:spChg chg="mod">
+          <ac:chgData name="Andy Shiang" userId="80fa400d-f861-43d4-af19-39343cd31f21" providerId="ADAL" clId="{4DFD21AC-78D3-43CB-8C04-3E230BF10E4A}" dt="2020-05-25T09:05:04.529" v="65" actId="207"/>
+          <ac:spMkLst>
+            <pc:docMk/>
+            <pc:sldMk cId="4060321494" sldId="257"/>
+            <ac:spMk id="11" creationId="{BD9049C1-834A-4909-BF2B-60C93223ABBC}"/>
+          </ac:spMkLst>
+        </pc:spChg>
+        <pc:graphicFrameChg chg="mod">
+          <ac:chgData name="Andy Shiang" userId="80fa400d-f861-43d4-af19-39343cd31f21" providerId="ADAL" clId="{4DFD21AC-78D3-43CB-8C04-3E230BF10E4A}" dt="2020-05-25T09:06:14.933" v="80" actId="207"/>
+          <ac:graphicFrameMkLst>
+            <pc:docMk/>
+            <pc:sldMk cId="4060321494" sldId="257"/>
+            <ac:graphicFrameMk id="5" creationId="{9DC423A0-F3ED-419F-8062-67443657B3AE}"/>
+          </ac:graphicFrameMkLst>
+        </pc:graphicFrameChg>
+      </pc:sldChg>
+    </pc:docChg>
+  </pc:docChgLst>
   <pc:docChgLst>
     <pc:chgData name="Andy Shiang Hu" userId="80fa400d-f861-43d4-af19-39343cd31f21" providerId="ADAL" clId="{E1BA6E28-7B01-497A-869B-DDC84ED95388}"/>
     <pc:docChg chg="undo custSel addSld modSld">
@@ -995,6 +1067,753 @@
 </dgm:colorsDef>
 </file>
 
+<file path=ppt/diagrams/colors2.xml><?xml version="1.0" encoding="utf-8"?>
+<dgm:colorsDef xmlns:dgm="http://schemas.openxmlformats.org/drawingml/2006/diagram" xmlns:a="http://schemas.openxmlformats.org/drawingml/2006/main" uniqueId="urn:microsoft.com/office/officeart/2005/8/colors/accent1_2">
+  <dgm:title val=""/>
+  <dgm:desc val=""/>
+  <dgm:catLst>
+    <dgm:cat type="accent1" pri="11200"/>
+  </dgm:catLst>
+  <dgm:styleLbl name="node0">
+    <dgm:fillClrLst meth="repeat">
+      <a:schemeClr val="accent1"/>
+    </dgm:fillClrLst>
+    <dgm:linClrLst meth="repeat">
+      <a:schemeClr val="lt1"/>
+    </dgm:linClrLst>
+    <dgm:effectClrLst/>
+    <dgm:txLinClrLst/>
+    <dgm:txFillClrLst/>
+    <dgm:txEffectClrLst/>
+  </dgm:styleLbl>
+  <dgm:styleLbl name="alignNode1">
+    <dgm:fillClrLst meth="repeat">
+      <a:schemeClr val="accent1"/>
+    </dgm:fillClrLst>
+    <dgm:linClrLst meth="repeat">
+      <a:schemeClr val="accent1"/>
+    </dgm:linClrLst>
+    <dgm:effectClrLst/>
+    <dgm:txLinClrLst/>
+    <dgm:txFillClrLst/>
+    <dgm:txEffectClrLst/>
+  </dgm:styleLbl>
+  <dgm:styleLbl name="node1">
+    <dgm:fillClrLst meth="repeat">
+      <a:schemeClr val="accent1"/>
+    </dgm:fillClrLst>
+    <dgm:linClrLst meth="repeat">
+      <a:schemeClr val="lt1"/>
+    </dgm:linClrLst>
+    <dgm:effectClrLst/>
+    <dgm:txLinClrLst/>
+    <dgm:txFillClrLst/>
+    <dgm:txEffectClrLst/>
+  </dgm:styleLbl>
+  <dgm:styleLbl name="lnNode1">
+    <dgm:fillClrLst meth="repeat">
+      <a:schemeClr val="accent1"/>
+    </dgm:fillClrLst>
+    <dgm:linClrLst meth="repeat">
+      <a:schemeClr val="lt1"/>
+    </dgm:linClrLst>
+    <dgm:effectClrLst/>
+    <dgm:txLinClrLst/>
+    <dgm:txFillClrLst/>
+    <dgm:txEffectClrLst/>
+  </dgm:styleLbl>
+  <dgm:styleLbl name="vennNode1">
+    <dgm:fillClrLst meth="repeat">
+      <a:schemeClr val="accent1">
+        <a:alpha val="50000"/>
+      </a:schemeClr>
+    </dgm:fillClrLst>
+    <dgm:linClrLst meth="repeat">
+      <a:schemeClr val="lt1"/>
+    </dgm:linClrLst>
+    <dgm:effectClrLst/>
+    <dgm:txLinClrLst/>
+    <dgm:txFillClrLst/>
+    <dgm:txEffectClrLst/>
+  </dgm:styleLbl>
+  <dgm:styleLbl name="node2">
+    <dgm:fillClrLst meth="repeat">
+      <a:schemeClr val="accent1"/>
+    </dgm:fillClrLst>
+    <dgm:linClrLst meth="repeat">
+      <a:schemeClr val="lt1"/>
+    </dgm:linClrLst>
+    <dgm:effectClrLst/>
+    <dgm:txLinClrLst/>
+    <dgm:txFillClrLst/>
+    <dgm:txEffectClrLst/>
+  </dgm:styleLbl>
+  <dgm:styleLbl name="node3">
+    <dgm:fillClrLst meth="repeat">
+      <a:schemeClr val="accent1"/>
+    </dgm:fillClrLst>
+    <dgm:linClrLst meth="repeat">
+      <a:schemeClr val="lt1"/>
+    </dgm:linClrLst>
+    <dgm:effectClrLst/>
+    <dgm:txLinClrLst/>
+    <dgm:txFillClrLst/>
+    <dgm:txEffectClrLst/>
+  </dgm:styleLbl>
+  <dgm:styleLbl name="node4">
+    <dgm:fillClrLst meth="repeat">
+      <a:schemeClr val="accent1"/>
+    </dgm:fillClrLst>
+    <dgm:linClrLst meth="repeat">
+      <a:schemeClr val="lt1"/>
+    </dgm:linClrLst>
+    <dgm:effectClrLst/>
+    <dgm:txLinClrLst/>
+    <dgm:txFillClrLst/>
+    <dgm:txEffectClrLst/>
+  </dgm:styleLbl>
+  <dgm:styleLbl name="fgImgPlace1">
+    <dgm:fillClrLst meth="repeat">
+      <a:schemeClr val="accent1">
+        <a:tint val="50000"/>
+      </a:schemeClr>
+    </dgm:fillClrLst>
+    <dgm:linClrLst meth="repeat">
+      <a:schemeClr val="lt1"/>
+    </dgm:linClrLst>
+    <dgm:effectClrLst/>
+    <dgm:txLinClrLst/>
+    <dgm:txFillClrLst meth="repeat">
+      <a:schemeClr val="lt1"/>
+    </dgm:txFillClrLst>
+    <dgm:txEffectClrLst/>
+  </dgm:styleLbl>
+  <dgm:styleLbl name="alignImgPlace1">
+    <dgm:fillClrLst meth="repeat">
+      <a:schemeClr val="accent1">
+        <a:tint val="50000"/>
+      </a:schemeClr>
+    </dgm:fillClrLst>
+    <dgm:linClrLst meth="repeat">
+      <a:schemeClr val="lt1"/>
+    </dgm:linClrLst>
+    <dgm:effectClrLst/>
+    <dgm:txLinClrLst/>
+    <dgm:txFillClrLst meth="repeat">
+      <a:schemeClr val="lt1"/>
+    </dgm:txFillClrLst>
+    <dgm:txEffectClrLst/>
+  </dgm:styleLbl>
+  <dgm:styleLbl name="bgImgPlace1">
+    <dgm:fillClrLst meth="repeat">
+      <a:schemeClr val="accent1">
+        <a:tint val="50000"/>
+      </a:schemeClr>
+    </dgm:fillClrLst>
+    <dgm:linClrLst meth="repeat">
+      <a:schemeClr val="lt1"/>
+    </dgm:linClrLst>
+    <dgm:effectClrLst/>
+    <dgm:txLinClrLst/>
+    <dgm:txFillClrLst meth="repeat">
+      <a:schemeClr val="lt1"/>
+    </dgm:txFillClrLst>
+    <dgm:txEffectClrLst/>
+  </dgm:styleLbl>
+  <dgm:styleLbl name="sibTrans2D1">
+    <dgm:fillClrLst meth="repeat">
+      <a:schemeClr val="accent1">
+        <a:tint val="60000"/>
+      </a:schemeClr>
+    </dgm:fillClrLst>
+    <dgm:linClrLst meth="repeat">
+      <a:schemeClr val="accent1">
+        <a:tint val="60000"/>
+      </a:schemeClr>
+    </dgm:linClrLst>
+    <dgm:effectClrLst/>
+    <dgm:txLinClrLst/>
+    <dgm:txFillClrLst/>
+    <dgm:txEffectClrLst/>
+  </dgm:styleLbl>
+  <dgm:styleLbl name="fgSibTrans2D1">
+    <dgm:fillClrLst meth="repeat">
+      <a:schemeClr val="accent1">
+        <a:tint val="60000"/>
+      </a:schemeClr>
+    </dgm:fillClrLst>
+    <dgm:linClrLst meth="repeat">
+      <a:schemeClr val="accent1">
+        <a:tint val="60000"/>
+      </a:schemeClr>
+    </dgm:linClrLst>
+    <dgm:effectClrLst/>
+    <dgm:txLinClrLst/>
+    <dgm:txFillClrLst/>
+    <dgm:txEffectClrLst/>
+  </dgm:styleLbl>
+  <dgm:styleLbl name="bgSibTrans2D1">
+    <dgm:fillClrLst meth="repeat">
+      <a:schemeClr val="accent1">
+        <a:tint val="60000"/>
+      </a:schemeClr>
+    </dgm:fillClrLst>
+    <dgm:linClrLst meth="repeat">
+      <a:schemeClr val="accent1">
+        <a:tint val="60000"/>
+      </a:schemeClr>
+    </dgm:linClrLst>
+    <dgm:effectClrLst/>
+    <dgm:txLinClrLst/>
+    <dgm:txFillClrLst/>
+    <dgm:txEffectClrLst/>
+  </dgm:styleLbl>
+  <dgm:styleLbl name="sibTrans1D1">
+    <dgm:fillClrLst meth="repeat">
+      <a:schemeClr val="accent1"/>
+    </dgm:fillClrLst>
+    <dgm:linClrLst meth="repeat">
+      <a:schemeClr val="accent1"/>
+    </dgm:linClrLst>
+    <dgm:effectClrLst/>
+    <dgm:txLinClrLst/>
+    <dgm:txFillClrLst meth="repeat">
+      <a:schemeClr val="tx1"/>
+    </dgm:txFillClrLst>
+    <dgm:txEffectClrLst/>
+  </dgm:styleLbl>
+  <dgm:styleLbl name="callout">
+    <dgm:fillClrLst meth="repeat">
+      <a:schemeClr val="accent1"/>
+    </dgm:fillClrLst>
+    <dgm:linClrLst meth="repeat">
+      <a:schemeClr val="accent1">
+        <a:tint val="50000"/>
+      </a:schemeClr>
+    </dgm:linClrLst>
+    <dgm:effectClrLst/>
+    <dgm:txLinClrLst/>
+    <dgm:txFillClrLst meth="repeat">
+      <a:schemeClr val="tx1"/>
+    </dgm:txFillClrLst>
+    <dgm:txEffectClrLst/>
+  </dgm:styleLbl>
+  <dgm:styleLbl name="asst0">
+    <dgm:fillClrLst meth="repeat">
+      <a:schemeClr val="accent1"/>
+    </dgm:fillClrLst>
+    <dgm:linClrLst meth="repeat">
+      <a:schemeClr val="lt1"/>
+    </dgm:linClrLst>
+    <dgm:effectClrLst/>
+    <dgm:txLinClrLst/>
+    <dgm:txFillClrLst/>
+    <dgm:txEffectClrLst/>
+  </dgm:styleLbl>
+  <dgm:styleLbl name="asst1">
+    <dgm:fillClrLst meth="repeat">
+      <a:schemeClr val="accent1"/>
+    </dgm:fillClrLst>
+    <dgm:linClrLst meth="repeat">
+      <a:schemeClr val="lt1"/>
+    </dgm:linClrLst>
+    <dgm:effectClrLst/>
+    <dgm:txLinClrLst/>
+    <dgm:txFillClrLst/>
+    <dgm:txEffectClrLst/>
+  </dgm:styleLbl>
+  <dgm:styleLbl name="asst2">
+    <dgm:fillClrLst meth="repeat">
+      <a:schemeClr val="accent1"/>
+    </dgm:fillClrLst>
+    <dgm:linClrLst meth="repeat">
+      <a:schemeClr val="lt1"/>
+    </dgm:linClrLst>
+    <dgm:effectClrLst/>
+    <dgm:txLinClrLst/>
+    <dgm:txFillClrLst/>
+    <dgm:txEffectClrLst/>
+  </dgm:styleLbl>
+  <dgm:styleLbl name="asst3">
+    <dgm:fillClrLst meth="repeat">
+      <a:schemeClr val="accent1"/>
+    </dgm:fillClrLst>
+    <dgm:linClrLst meth="repeat">
+      <a:schemeClr val="lt1"/>
+    </dgm:linClrLst>
+    <dgm:effectClrLst/>
+    <dgm:txLinClrLst/>
+    <dgm:txFillClrLst/>
+    <dgm:txEffectClrLst/>
+  </dgm:styleLbl>
+  <dgm:styleLbl name="asst4">
+    <dgm:fillClrLst meth="repeat">
+      <a:schemeClr val="accent1"/>
+    </dgm:fillClrLst>
+    <dgm:linClrLst meth="repeat">
+      <a:schemeClr val="lt1"/>
+    </dgm:linClrLst>
+    <dgm:effectClrLst/>
+    <dgm:txLinClrLst/>
+    <dgm:txFillClrLst/>
+    <dgm:txEffectClrLst/>
+  </dgm:styleLbl>
+  <dgm:styleLbl name="parChTrans2D1">
+    <dgm:fillClrLst meth="repeat">
+      <a:schemeClr val="accent1">
+        <a:tint val="60000"/>
+      </a:schemeClr>
+    </dgm:fillClrLst>
+    <dgm:linClrLst meth="repeat">
+      <a:schemeClr val="accent1">
+        <a:tint val="60000"/>
+      </a:schemeClr>
+    </dgm:linClrLst>
+    <dgm:effectClrLst/>
+    <dgm:txLinClrLst/>
+    <dgm:txFillClrLst meth="repeat">
+      <a:schemeClr val="lt1"/>
+    </dgm:txFillClrLst>
+    <dgm:txEffectClrLst/>
+  </dgm:styleLbl>
+  <dgm:styleLbl name="parChTrans2D2">
+    <dgm:fillClrLst meth="repeat">
+      <a:schemeClr val="accent1"/>
+    </dgm:fillClrLst>
+    <dgm:linClrLst meth="repeat">
+      <a:schemeClr val="accent1"/>
+    </dgm:linClrLst>
+    <dgm:effectClrLst/>
+    <dgm:txLinClrLst/>
+    <dgm:txFillClrLst meth="repeat">
+      <a:schemeClr val="lt1"/>
+    </dgm:txFillClrLst>
+    <dgm:txEffectClrLst/>
+  </dgm:styleLbl>
+  <dgm:styleLbl name="parChTrans2D3">
+    <dgm:fillClrLst meth="repeat">
+      <a:schemeClr val="accent1"/>
+    </dgm:fillClrLst>
+    <dgm:linClrLst meth="repeat">
+      <a:schemeClr val="accent1"/>
+    </dgm:linClrLst>
+    <dgm:effectClrLst/>
+    <dgm:txLinClrLst/>
+    <dgm:txFillClrLst meth="repeat">
+      <a:schemeClr val="lt1"/>
+    </dgm:txFillClrLst>
+    <dgm:txEffectClrLst/>
+  </dgm:styleLbl>
+  <dgm:styleLbl name="parChTrans2D4">
+    <dgm:fillClrLst meth="repeat">
+      <a:schemeClr val="accent1"/>
+    </dgm:fillClrLst>
+    <dgm:linClrLst meth="repeat">
+      <a:schemeClr val="accent1"/>
+    </dgm:linClrLst>
+    <dgm:effectClrLst/>
+    <dgm:txLinClrLst/>
+    <dgm:txFillClrLst meth="repeat">
+      <a:schemeClr val="lt1"/>
+    </dgm:txFillClrLst>
+    <dgm:txEffectClrLst/>
+  </dgm:styleLbl>
+  <dgm:styleLbl name="parChTrans1D1">
+    <dgm:fillClrLst meth="repeat">
+      <a:schemeClr val="accent1"/>
+    </dgm:fillClrLst>
+    <dgm:linClrLst meth="repeat">
+      <a:schemeClr val="accent1">
+        <a:shade val="60000"/>
+      </a:schemeClr>
+    </dgm:linClrLst>
+    <dgm:effectClrLst/>
+    <dgm:txLinClrLst/>
+    <dgm:txFillClrLst meth="repeat">
+      <a:schemeClr val="tx1"/>
+    </dgm:txFillClrLst>
+    <dgm:txEffectClrLst/>
+  </dgm:styleLbl>
+  <dgm:styleLbl name="parChTrans1D2">
+    <dgm:fillClrLst meth="repeat">
+      <a:schemeClr val="accent1"/>
+    </dgm:fillClrLst>
+    <dgm:linClrLst meth="repeat">
+      <a:schemeClr val="accent1">
+        <a:shade val="60000"/>
+      </a:schemeClr>
+    </dgm:linClrLst>
+    <dgm:effectClrLst/>
+    <dgm:txLinClrLst/>
+    <dgm:txFillClrLst meth="repeat">
+      <a:schemeClr val="tx1"/>
+    </dgm:txFillClrLst>
+    <dgm:txEffectClrLst/>
+  </dgm:styleLbl>
+  <dgm:styleLbl name="parChTrans1D3">
+    <dgm:fillClrLst meth="repeat">
+      <a:schemeClr val="accent1"/>
+    </dgm:fillClrLst>
+    <dgm:linClrLst meth="repeat">
+      <a:schemeClr val="accent1">
+        <a:shade val="80000"/>
+      </a:schemeClr>
+    </dgm:linClrLst>
+    <dgm:effectClrLst/>
+    <dgm:txLinClrLst/>
+    <dgm:txFillClrLst meth="repeat">
+      <a:schemeClr val="tx1"/>
+    </dgm:txFillClrLst>
+    <dgm:txEffectClrLst/>
+  </dgm:styleLbl>
+  <dgm:styleLbl name="parChTrans1D4">
+    <dgm:fillClrLst meth="repeat">
+      <a:schemeClr val="accent1"/>
+    </dgm:fillClrLst>
+    <dgm:linClrLst meth="repeat">
+      <a:schemeClr val="accent1">
+        <a:shade val="80000"/>
+      </a:schemeClr>
+    </dgm:linClrLst>
+    <dgm:effectClrLst/>
+    <dgm:txLinClrLst/>
+    <dgm:txFillClrLst meth="repeat">
+      <a:schemeClr val="tx1"/>
+    </dgm:txFillClrLst>
+    <dgm:txEffectClrLst/>
+  </dgm:styleLbl>
+  <dgm:styleLbl name="fgAcc1">
+    <dgm:fillClrLst meth="repeat">
+      <a:schemeClr val="lt1">
+        <a:alpha val="90000"/>
+      </a:schemeClr>
+    </dgm:fillClrLst>
+    <dgm:linClrLst meth="repeat">
+      <a:schemeClr val="accent1"/>
+    </dgm:linClrLst>
+    <dgm:effectClrLst/>
+    <dgm:txLinClrLst/>
+    <dgm:txFillClrLst meth="repeat">
+      <a:schemeClr val="dk1"/>
+    </dgm:txFillClrLst>
+    <dgm:txEffectClrLst/>
+  </dgm:styleLbl>
+  <dgm:styleLbl name="conFgAcc1">
+    <dgm:fillClrLst meth="repeat">
+      <a:schemeClr val="lt1">
+        <a:alpha val="90000"/>
+      </a:schemeClr>
+    </dgm:fillClrLst>
+    <dgm:linClrLst meth="repeat">
+      <a:schemeClr val="accent1"/>
+    </dgm:linClrLst>
+    <dgm:effectClrLst/>
+    <dgm:txLinClrLst/>
+    <dgm:txFillClrLst meth="repeat">
+      <a:schemeClr val="dk1"/>
+    </dgm:txFillClrLst>
+    <dgm:txEffectClrLst/>
+  </dgm:styleLbl>
+  <dgm:styleLbl name="alignAcc1">
+    <dgm:fillClrLst meth="repeat">
+      <a:schemeClr val="lt1">
+        <a:alpha val="90000"/>
+      </a:schemeClr>
+    </dgm:fillClrLst>
+    <dgm:linClrLst meth="repeat">
+      <a:schemeClr val="accent1"/>
+    </dgm:linClrLst>
+    <dgm:effectClrLst/>
+    <dgm:txLinClrLst/>
+    <dgm:txFillClrLst meth="repeat">
+      <a:schemeClr val="dk1"/>
+    </dgm:txFillClrLst>
+    <dgm:txEffectClrLst/>
+  </dgm:styleLbl>
+  <dgm:styleLbl name="trAlignAcc1">
+    <dgm:fillClrLst meth="repeat">
+      <a:schemeClr val="lt1">
+        <a:alpha val="40000"/>
+      </a:schemeClr>
+    </dgm:fillClrLst>
+    <dgm:linClrLst meth="repeat">
+      <a:schemeClr val="accent1"/>
+    </dgm:linClrLst>
+    <dgm:effectClrLst/>
+    <dgm:txLinClrLst/>
+    <dgm:txFillClrLst meth="repeat">
+      <a:schemeClr val="dk1"/>
+    </dgm:txFillClrLst>
+    <dgm:txEffectClrLst/>
+  </dgm:styleLbl>
+  <dgm:styleLbl name="bgAcc1">
+    <dgm:fillClrLst meth="repeat">
+      <a:schemeClr val="lt1">
+        <a:alpha val="90000"/>
+      </a:schemeClr>
+    </dgm:fillClrLst>
+    <dgm:linClrLst meth="repeat">
+      <a:schemeClr val="accent1"/>
+    </dgm:linClrLst>
+    <dgm:effectClrLst/>
+    <dgm:txLinClrLst/>
+    <dgm:txFillClrLst meth="repeat">
+      <a:schemeClr val="dk1"/>
+    </dgm:txFillClrLst>
+    <dgm:txEffectClrLst/>
+  </dgm:styleLbl>
+  <dgm:styleLbl name="solidFgAcc1">
+    <dgm:fillClrLst meth="repeat">
+      <a:schemeClr val="lt1"/>
+    </dgm:fillClrLst>
+    <dgm:linClrLst meth="repeat">
+      <a:schemeClr val="accent1"/>
+    </dgm:linClrLst>
+    <dgm:effectClrLst/>
+    <dgm:txLinClrLst/>
+    <dgm:txFillClrLst meth="repeat">
+      <a:schemeClr val="dk1"/>
+    </dgm:txFillClrLst>
+    <dgm:txEffectClrLst/>
+  </dgm:styleLbl>
+  <dgm:styleLbl name="solidAlignAcc1">
+    <dgm:fillClrLst meth="repeat">
+      <a:schemeClr val="lt1"/>
+    </dgm:fillClrLst>
+    <dgm:linClrLst meth="repeat">
+      <a:schemeClr val="accent1"/>
+    </dgm:linClrLst>
+    <dgm:effectClrLst/>
+    <dgm:txLinClrLst/>
+    <dgm:txFillClrLst meth="repeat">
+      <a:schemeClr val="dk1"/>
+    </dgm:txFillClrLst>
+    <dgm:txEffectClrLst/>
+  </dgm:styleLbl>
+  <dgm:styleLbl name="solidBgAcc1">
+    <dgm:fillClrLst meth="repeat">
+      <a:schemeClr val="lt1"/>
+    </dgm:fillClrLst>
+    <dgm:linClrLst meth="repeat">
+      <a:schemeClr val="accent1"/>
+    </dgm:linClrLst>
+    <dgm:effectClrLst/>
+    <dgm:txLinClrLst/>
+    <dgm:txFillClrLst meth="repeat">
+      <a:schemeClr val="dk1"/>
+    </dgm:txFillClrLst>
+    <dgm:txEffectClrLst/>
+  </dgm:styleLbl>
+  <dgm:styleLbl name="fgAccFollowNode1">
+    <dgm:fillClrLst meth="repeat">
+      <a:schemeClr val="accent1">
+        <a:alpha val="90000"/>
+        <a:tint val="40000"/>
+      </a:schemeClr>
+    </dgm:fillClrLst>
+    <dgm:linClrLst meth="repeat">
+      <a:schemeClr val="accent1">
+        <a:alpha val="90000"/>
+        <a:tint val="40000"/>
+      </a:schemeClr>
+    </dgm:linClrLst>
+    <dgm:effectClrLst/>
+    <dgm:txLinClrLst/>
+    <dgm:txFillClrLst meth="repeat">
+      <a:schemeClr val="dk1"/>
+    </dgm:txFillClrLst>
+    <dgm:txEffectClrLst/>
+  </dgm:styleLbl>
+  <dgm:styleLbl name="alignAccFollowNode1">
+    <dgm:fillClrLst meth="repeat">
+      <a:schemeClr val="accent1">
+        <a:alpha val="90000"/>
+        <a:tint val="40000"/>
+      </a:schemeClr>
+    </dgm:fillClrLst>
+    <dgm:linClrLst meth="repeat">
+      <a:schemeClr val="accent1">
+        <a:alpha val="90000"/>
+        <a:tint val="40000"/>
+      </a:schemeClr>
+    </dgm:linClrLst>
+    <dgm:effectClrLst/>
+    <dgm:txLinClrLst/>
+    <dgm:txFillClrLst meth="repeat">
+      <a:schemeClr val="dk1"/>
+    </dgm:txFillClrLst>
+    <dgm:txEffectClrLst/>
+  </dgm:styleLbl>
+  <dgm:styleLbl name="bgAccFollowNode1">
+    <dgm:fillClrLst meth="repeat">
+      <a:schemeClr val="accent1">
+        <a:alpha val="90000"/>
+        <a:tint val="40000"/>
+      </a:schemeClr>
+    </dgm:fillClrLst>
+    <dgm:linClrLst meth="repeat">
+      <a:schemeClr val="accent1">
+        <a:alpha val="90000"/>
+        <a:tint val="40000"/>
+      </a:schemeClr>
+    </dgm:linClrLst>
+    <dgm:effectClrLst/>
+    <dgm:txLinClrLst/>
+    <dgm:txFillClrLst meth="repeat">
+      <a:schemeClr val="dk1"/>
+    </dgm:txFillClrLst>
+    <dgm:txEffectClrLst/>
+  </dgm:styleLbl>
+  <dgm:styleLbl name="fgAcc0">
+    <dgm:fillClrLst meth="repeat">
+      <a:schemeClr val="lt1">
+        <a:alpha val="90000"/>
+      </a:schemeClr>
+    </dgm:fillClrLst>
+    <dgm:linClrLst meth="repeat">
+      <a:schemeClr val="accent1"/>
+    </dgm:linClrLst>
+    <dgm:effectClrLst/>
+    <dgm:txLinClrLst/>
+    <dgm:txFillClrLst meth="repeat">
+      <a:schemeClr val="dk1"/>
+    </dgm:txFillClrLst>
+    <dgm:txEffectClrLst/>
+  </dgm:styleLbl>
+  <dgm:styleLbl name="fgAcc2">
+    <dgm:fillClrLst meth="repeat">
+      <a:schemeClr val="lt1">
+        <a:alpha val="90000"/>
+      </a:schemeClr>
+    </dgm:fillClrLst>
+    <dgm:linClrLst meth="repeat">
+      <a:schemeClr val="accent1"/>
+    </dgm:linClrLst>
+    <dgm:effectClrLst/>
+    <dgm:txLinClrLst/>
+    <dgm:txFillClrLst meth="repeat">
+      <a:schemeClr val="dk1"/>
+    </dgm:txFillClrLst>
+    <dgm:txEffectClrLst/>
+  </dgm:styleLbl>
+  <dgm:styleLbl name="fgAcc3">
+    <dgm:fillClrLst meth="repeat">
+      <a:schemeClr val="lt1">
+        <a:alpha val="90000"/>
+      </a:schemeClr>
+    </dgm:fillClrLst>
+    <dgm:linClrLst meth="repeat">
+      <a:schemeClr val="accent1"/>
+    </dgm:linClrLst>
+    <dgm:effectClrLst/>
+    <dgm:txLinClrLst/>
+    <dgm:txFillClrLst meth="repeat">
+      <a:schemeClr val="dk1"/>
+    </dgm:txFillClrLst>
+    <dgm:txEffectClrLst/>
+  </dgm:styleLbl>
+  <dgm:styleLbl name="fgAcc4">
+    <dgm:fillClrLst meth="repeat">
+      <a:schemeClr val="lt1">
+        <a:alpha val="90000"/>
+      </a:schemeClr>
+    </dgm:fillClrLst>
+    <dgm:linClrLst meth="repeat">
+      <a:schemeClr val="accent1"/>
+    </dgm:linClrLst>
+    <dgm:effectClrLst/>
+    <dgm:txLinClrLst/>
+    <dgm:txFillClrLst meth="repeat">
+      <a:schemeClr val="dk1"/>
+    </dgm:txFillClrLst>
+    <dgm:txEffectClrLst/>
+  </dgm:styleLbl>
+  <dgm:styleLbl name="bgShp">
+    <dgm:fillClrLst meth="repeat">
+      <a:schemeClr val="accent1">
+        <a:tint val="40000"/>
+      </a:schemeClr>
+    </dgm:fillClrLst>
+    <dgm:linClrLst meth="repeat">
+      <a:schemeClr val="accent1"/>
+    </dgm:linClrLst>
+    <dgm:effectClrLst/>
+    <dgm:txLinClrLst/>
+    <dgm:txFillClrLst meth="repeat">
+      <a:schemeClr val="dk1"/>
+    </dgm:txFillClrLst>
+    <dgm:txEffectClrLst/>
+  </dgm:styleLbl>
+  <dgm:styleLbl name="dkBgShp">
+    <dgm:fillClrLst meth="repeat">
+      <a:schemeClr val="accent1">
+        <a:shade val="80000"/>
+      </a:schemeClr>
+    </dgm:fillClrLst>
+    <dgm:linClrLst meth="repeat">
+      <a:schemeClr val="accent1"/>
+    </dgm:linClrLst>
+    <dgm:effectClrLst/>
+    <dgm:txLinClrLst/>
+    <dgm:txFillClrLst meth="repeat">
+      <a:schemeClr val="lt1"/>
+    </dgm:txFillClrLst>
+    <dgm:txEffectClrLst/>
+  </dgm:styleLbl>
+  <dgm:styleLbl name="trBgShp">
+    <dgm:fillClrLst meth="repeat">
+      <a:schemeClr val="accent1">
+        <a:tint val="50000"/>
+        <a:alpha val="40000"/>
+      </a:schemeClr>
+    </dgm:fillClrLst>
+    <dgm:linClrLst meth="repeat">
+      <a:schemeClr val="accent1"/>
+    </dgm:linClrLst>
+    <dgm:effectClrLst/>
+    <dgm:txLinClrLst/>
+    <dgm:txFillClrLst meth="repeat">
+      <a:schemeClr val="lt1"/>
+    </dgm:txFillClrLst>
+    <dgm:txEffectClrLst/>
+  </dgm:styleLbl>
+  <dgm:styleLbl name="fgShp">
+    <dgm:fillClrLst meth="repeat">
+      <a:schemeClr val="accent1">
+        <a:tint val="60000"/>
+      </a:schemeClr>
+    </dgm:fillClrLst>
+    <dgm:linClrLst meth="repeat">
+      <a:schemeClr val="lt1"/>
+    </dgm:linClrLst>
+    <dgm:effectClrLst/>
+    <dgm:txLinClrLst/>
+    <dgm:txFillClrLst meth="repeat">
+      <a:schemeClr val="dk1"/>
+    </dgm:txFillClrLst>
+    <dgm:txEffectClrLst/>
+  </dgm:styleLbl>
+  <dgm:styleLbl name="revTx">
+    <dgm:fillClrLst meth="repeat">
+      <a:schemeClr val="lt1">
+        <a:alpha val="0"/>
+      </a:schemeClr>
+    </dgm:fillClrLst>
+    <dgm:linClrLst meth="repeat">
+      <a:schemeClr val="dk1">
+        <a:alpha val="0"/>
+      </a:schemeClr>
+    </dgm:linClrLst>
+    <dgm:effectClrLst/>
+    <dgm:txLinClrLst/>
+    <dgm:txFillClrLst meth="repeat">
+      <a:schemeClr val="tx1"/>
+    </dgm:txFillClrLst>
+    <dgm:txEffectClrLst/>
+  </dgm:styleLbl>
+</dgm:colorsDef>
+</file>
+
 <file path=ppt/diagrams/data1.xml><?xml version="1.0" encoding="utf-8"?>
 <dgm:dataModel xmlns:dgm="http://schemas.openxmlformats.org/drawingml/2006/diagram" xmlns:a="http://schemas.openxmlformats.org/drawingml/2006/main">
   <dgm:ptLst>
@@ -1475,7 +2294,7 @@
               <a:latin typeface="SimSun-ExtB" panose="02010609060101010101" pitchFamily="49" charset="-122"/>
               <a:ea typeface="SimSun-ExtB" panose="02010609060101010101" pitchFamily="49" charset="-122"/>
             </a:rPr>
-            <a:t>谱成分分解</a:t>
+            <a:t>谱成分</a:t>
           </a:r>
           <a:endParaRPr lang="en-US" sz="1400" dirty="0">
             <a:solidFill>
@@ -2217,6 +3036,1259 @@
   <dgm:extLst>
     <a:ext uri="http://schemas.microsoft.com/office/drawing/2008/diagram">
       <dsp:dataModelExt xmlns:dsp="http://schemas.microsoft.com/office/drawing/2008/diagram" relId="rId6" minVer="http://schemas.openxmlformats.org/drawingml/2006/diagram"/>
+    </a:ext>
+  </dgm:extLst>
+</dgm:dataModel>
+</file>
+
+<file path=ppt/diagrams/data2.xml><?xml version="1.0" encoding="utf-8"?>
+<dgm:dataModel xmlns:dgm="http://schemas.openxmlformats.org/drawingml/2006/diagram" xmlns:a="http://schemas.openxmlformats.org/drawingml/2006/main">
+  <dgm:ptLst>
+    <dgm:pt modelId="{2788AB89-C2C8-4117-B0D6-99E4B66B2007}" type="doc">
+      <dgm:prSet loTypeId="urn:microsoft.com/office/officeart/2008/layout/NameandTitleOrganizationalChart" loCatId="hierarchy" qsTypeId="urn:microsoft.com/office/officeart/2005/8/quickstyle/simple1" qsCatId="simple" csTypeId="urn:microsoft.com/office/officeart/2005/8/colors/accent1_2" csCatId="accent1" phldr="1"/>
+      <dgm:spPr/>
+      <dgm:t>
+        <a:bodyPr/>
+        <a:lstStyle/>
+        <a:p>
+          <a:endParaRPr lang="en-US"/>
+        </a:p>
+      </dgm:t>
+    </dgm:pt>
+    <dgm:pt modelId="{075F1923-852E-41AF-B4C9-14749AA20E80}">
+      <dgm:prSet phldrT="[Text]" custT="1"/>
+      <dgm:spPr>
+        <a:solidFill>
+          <a:schemeClr val="accent1"/>
+        </a:solidFill>
+        <a:ln>
+          <a:noFill/>
+          <a:prstDash val="dash"/>
+        </a:ln>
+      </dgm:spPr>
+      <dgm:t>
+        <a:bodyPr/>
+        <a:lstStyle/>
+        <a:p>
+          <a:r>
+            <a:rPr lang="zh-CN" altLang="en-US" sz="1800" dirty="0">
+              <a:solidFill>
+                <a:schemeClr val="bg1"/>
+              </a:solidFill>
+              <a:latin typeface="SimSun-ExtB" panose="02010609060101010101" pitchFamily="49" charset="-122"/>
+              <a:ea typeface="SimSun-ExtB" panose="02010609060101010101" pitchFamily="49" charset="-122"/>
+            </a:rPr>
+            <a:t>定量脑电</a:t>
+          </a:r>
+          <a:endParaRPr lang="en-US" sz="1800" dirty="0">
+            <a:solidFill>
+              <a:schemeClr val="bg1"/>
+            </a:solidFill>
+            <a:latin typeface="SimSun-ExtB" panose="02010609060101010101" pitchFamily="49" charset="-122"/>
+            <a:ea typeface="SimSun-ExtB" panose="02010609060101010101" pitchFamily="49" charset="-122"/>
+          </a:endParaRPr>
+        </a:p>
+      </dgm:t>
+    </dgm:pt>
+    <dgm:pt modelId="{BB0AC03C-3029-4FAD-91E1-FAE2474BB477}" type="parTrans" cxnId="{0C4E9A28-31BB-4CD7-AE74-01FA15E90B3A}">
+      <dgm:prSet/>
+      <dgm:spPr/>
+      <dgm:t>
+        <a:bodyPr/>
+        <a:lstStyle/>
+        <a:p>
+          <a:endParaRPr lang="en-US"/>
+        </a:p>
+      </dgm:t>
+    </dgm:pt>
+    <dgm:pt modelId="{AA79B2F7-4B64-41CB-A4E3-A937333B7293}" type="sibTrans" cxnId="{0C4E9A28-31BB-4CD7-AE74-01FA15E90B3A}">
+      <dgm:prSet/>
+      <dgm:spPr>
+        <a:solidFill>
+          <a:schemeClr val="accent1">
+            <a:lumMod val="20000"/>
+            <a:lumOff val="80000"/>
+          </a:schemeClr>
+        </a:solidFill>
+        <a:ln>
+          <a:solidFill>
+            <a:schemeClr val="accent1">
+              <a:lumMod val="20000"/>
+              <a:lumOff val="80000"/>
+            </a:schemeClr>
+          </a:solidFill>
+        </a:ln>
+      </dgm:spPr>
+      <dgm:t>
+        <a:bodyPr/>
+        <a:lstStyle/>
+        <a:p>
+          <a:pPr algn="ctr"/>
+          <a:r>
+            <a:rPr lang="zh-CN" altLang="en-US" dirty="0"/>
+            <a:t>主题</a:t>
+          </a:r>
+          <a:endParaRPr lang="en-US" dirty="0"/>
+        </a:p>
+      </dgm:t>
+    </dgm:pt>
+    <dgm:pt modelId="{E0B30B38-B54D-45D7-83CC-7434FA406CED}">
+      <dgm:prSet phldrT="[Text]" custT="1"/>
+      <dgm:spPr>
+        <a:solidFill>
+          <a:schemeClr val="accent1"/>
+        </a:solidFill>
+        <a:ln>
+          <a:noFill/>
+          <a:prstDash val="dash"/>
+        </a:ln>
+      </dgm:spPr>
+      <dgm:t>
+        <a:bodyPr/>
+        <a:lstStyle/>
+        <a:p>
+          <a:r>
+            <a:rPr lang="zh-CN" altLang="en-US" sz="1800" dirty="0">
+              <a:solidFill>
+                <a:schemeClr val="bg1"/>
+              </a:solidFill>
+              <a:latin typeface="SimSun-ExtB" panose="02010609060101010101" pitchFamily="49" charset="-122"/>
+              <a:ea typeface="SimSun-ExtB" panose="02010609060101010101" pitchFamily="49" charset="-122"/>
+            </a:rPr>
+            <a:t>参考选择</a:t>
+          </a:r>
+          <a:endParaRPr lang="en-US" sz="1800" dirty="0">
+            <a:solidFill>
+              <a:schemeClr val="bg1"/>
+            </a:solidFill>
+            <a:latin typeface="SimSun-ExtB" panose="02010609060101010101" pitchFamily="49" charset="-122"/>
+            <a:ea typeface="SimSun-ExtB" panose="02010609060101010101" pitchFamily="49" charset="-122"/>
+          </a:endParaRPr>
+        </a:p>
+      </dgm:t>
+    </dgm:pt>
+    <dgm:pt modelId="{C31DDA01-DB6F-4696-A1C7-3A44A0CD3A9C}" type="parTrans" cxnId="{6ADBCDBF-D8A5-4AE8-A8CE-842792F3CA5F}">
+      <dgm:prSet/>
+      <dgm:spPr>
+        <a:ln>
+          <a:solidFill>
+            <a:schemeClr val="tx1"/>
+          </a:solidFill>
+        </a:ln>
+      </dgm:spPr>
+      <dgm:t>
+        <a:bodyPr/>
+        <a:lstStyle/>
+        <a:p>
+          <a:endParaRPr lang="en-US"/>
+        </a:p>
+      </dgm:t>
+    </dgm:pt>
+    <dgm:pt modelId="{69D03E14-B154-4366-9117-7779CA02004E}" type="sibTrans" cxnId="{6ADBCDBF-D8A5-4AE8-A8CE-842792F3CA5F}">
+      <dgm:prSet/>
+      <dgm:spPr>
+        <a:solidFill>
+          <a:schemeClr val="accent1">
+            <a:lumMod val="20000"/>
+            <a:lumOff val="80000"/>
+            <a:alpha val="90000"/>
+          </a:schemeClr>
+        </a:solidFill>
+        <a:ln>
+          <a:noFill/>
+        </a:ln>
+      </dgm:spPr>
+      <dgm:t>
+        <a:bodyPr/>
+        <a:lstStyle/>
+        <a:p>
+          <a:pPr algn="ctr"/>
+          <a:r>
+            <a:rPr lang="zh-CN" altLang="en-US" dirty="0"/>
+            <a:t>第一部分</a:t>
+          </a:r>
+          <a:endParaRPr lang="en-US" dirty="0"/>
+        </a:p>
+      </dgm:t>
+    </dgm:pt>
+    <dgm:pt modelId="{CE20803D-483A-4162-BEB9-3A6F8F728ED5}">
+      <dgm:prSet phldrT="[Text]" custT="1"/>
+      <dgm:spPr>
+        <a:solidFill>
+          <a:schemeClr val="accent1"/>
+        </a:solidFill>
+      </dgm:spPr>
+      <dgm:t>
+        <a:bodyPr/>
+        <a:lstStyle/>
+        <a:p>
+          <a:r>
+            <a:rPr lang="zh-CN" altLang="en-US" sz="1400" dirty="0">
+              <a:solidFill>
+                <a:schemeClr val="bg1"/>
+              </a:solidFill>
+              <a:latin typeface="SimSun-ExtB" panose="02010609060101010101" pitchFamily="49" charset="-122"/>
+              <a:ea typeface="SimSun-ExtB" panose="02010609060101010101" pitchFamily="49" charset="-122"/>
+            </a:rPr>
+            <a:t>物理因素</a:t>
+          </a:r>
+          <a:endParaRPr lang="en-US" sz="1800" dirty="0">
+            <a:solidFill>
+              <a:schemeClr val="bg1"/>
+            </a:solidFill>
+            <a:latin typeface="SimSun-ExtB" panose="02010609060101010101" pitchFamily="49" charset="-122"/>
+            <a:ea typeface="SimSun-ExtB" panose="02010609060101010101" pitchFamily="49" charset="-122"/>
+          </a:endParaRPr>
+        </a:p>
+      </dgm:t>
+    </dgm:pt>
+    <dgm:pt modelId="{ABE394DA-AEC3-4937-A976-03A15EA28B90}" type="parTrans" cxnId="{1DDBD3DD-BBB2-49A2-AEFE-5C2249C235C7}">
+      <dgm:prSet/>
+      <dgm:spPr>
+        <a:ln>
+          <a:solidFill>
+            <a:schemeClr val="tx1"/>
+          </a:solidFill>
+        </a:ln>
+      </dgm:spPr>
+      <dgm:t>
+        <a:bodyPr/>
+        <a:lstStyle/>
+        <a:p>
+          <a:endParaRPr lang="en-US"/>
+        </a:p>
+      </dgm:t>
+    </dgm:pt>
+    <dgm:pt modelId="{0EDDCD85-9175-446B-98B5-8B7FA6CC5760}" type="sibTrans" cxnId="{1DDBD3DD-BBB2-49A2-AEFE-5C2249C235C7}">
+      <dgm:prSet/>
+      <dgm:spPr>
+        <a:solidFill>
+          <a:schemeClr val="accent1">
+            <a:lumMod val="20000"/>
+            <a:lumOff val="80000"/>
+            <a:alpha val="90000"/>
+          </a:schemeClr>
+        </a:solidFill>
+        <a:ln>
+          <a:noFill/>
+        </a:ln>
+      </dgm:spPr>
+      <dgm:t>
+        <a:bodyPr/>
+        <a:lstStyle/>
+        <a:p>
+          <a:pPr algn="ctr"/>
+          <a:r>
+            <a:rPr lang="zh-CN" altLang="en-US" dirty="0"/>
+            <a:t>第二章</a:t>
+          </a:r>
+          <a:endParaRPr lang="en-US" dirty="0"/>
+        </a:p>
+      </dgm:t>
+    </dgm:pt>
+    <dgm:pt modelId="{B0108C86-47A9-4CAD-A8EB-F7C919BF0470}">
+      <dgm:prSet phldrT="[Text]" custT="1"/>
+      <dgm:spPr>
+        <a:solidFill>
+          <a:schemeClr val="accent1"/>
+        </a:solidFill>
+      </dgm:spPr>
+      <dgm:t>
+        <a:bodyPr/>
+        <a:lstStyle/>
+        <a:p>
+          <a:pPr algn="ctr"/>
+          <a:r>
+            <a:rPr lang="zh-CN" altLang="en-US" sz="1400" dirty="0">
+              <a:solidFill>
+                <a:schemeClr val="bg1"/>
+              </a:solidFill>
+              <a:latin typeface="SimSun-ExtB" panose="02010609060101010101" pitchFamily="49" charset="-122"/>
+              <a:ea typeface="SimSun-ExtB" panose="02010609060101010101" pitchFamily="49" charset="-122"/>
+            </a:rPr>
+            <a:t>模型证据</a:t>
+          </a:r>
+          <a:endParaRPr lang="en-US" sz="1400" dirty="0">
+            <a:solidFill>
+              <a:schemeClr val="bg1"/>
+            </a:solidFill>
+            <a:latin typeface="SimSun-ExtB" panose="02010609060101010101" pitchFamily="49" charset="-122"/>
+            <a:ea typeface="SimSun-ExtB" panose="02010609060101010101" pitchFamily="49" charset="-122"/>
+          </a:endParaRPr>
+        </a:p>
+      </dgm:t>
+    </dgm:pt>
+    <dgm:pt modelId="{87016C0E-818D-450A-AD95-4565160F9943}" type="parTrans" cxnId="{12EF5D45-A576-46FB-AFE4-2F93828A3134}">
+      <dgm:prSet/>
+      <dgm:spPr>
+        <a:ln>
+          <a:solidFill>
+            <a:schemeClr val="tx1"/>
+          </a:solidFill>
+        </a:ln>
+      </dgm:spPr>
+      <dgm:t>
+        <a:bodyPr/>
+        <a:lstStyle/>
+        <a:p>
+          <a:endParaRPr lang="en-US"/>
+        </a:p>
+      </dgm:t>
+    </dgm:pt>
+    <dgm:pt modelId="{C7080914-819F-4015-A2B8-BDE5707A9578}" type="sibTrans" cxnId="{12EF5D45-A576-46FB-AFE4-2F93828A3134}">
+      <dgm:prSet/>
+      <dgm:spPr>
+        <a:solidFill>
+          <a:schemeClr val="accent1">
+            <a:lumMod val="20000"/>
+            <a:lumOff val="80000"/>
+            <a:alpha val="90000"/>
+          </a:schemeClr>
+        </a:solidFill>
+        <a:ln>
+          <a:noFill/>
+        </a:ln>
+      </dgm:spPr>
+      <dgm:t>
+        <a:bodyPr/>
+        <a:lstStyle/>
+        <a:p>
+          <a:pPr algn="ctr"/>
+          <a:r>
+            <a:rPr lang="zh-CN" altLang="en-US" dirty="0"/>
+            <a:t>第三章</a:t>
+          </a:r>
+          <a:endParaRPr lang="en-US" dirty="0"/>
+        </a:p>
+      </dgm:t>
+    </dgm:pt>
+    <dgm:pt modelId="{126D38D1-9BA1-4FCB-BFDF-766C9B8FB9A4}">
+      <dgm:prSet phldrT="[Text]" custT="1"/>
+      <dgm:spPr>
+        <a:solidFill>
+          <a:schemeClr val="accent1"/>
+        </a:solidFill>
+        <a:ln>
+          <a:noFill/>
+          <a:prstDash val="dash"/>
+        </a:ln>
+      </dgm:spPr>
+      <dgm:t>
+        <a:bodyPr/>
+        <a:lstStyle/>
+        <a:p>
+          <a:r>
+            <a:rPr lang="zh-CN" altLang="en-US" sz="1800" dirty="0">
+              <a:solidFill>
+                <a:schemeClr val="bg1"/>
+              </a:solidFill>
+              <a:latin typeface="SimSun-ExtB" panose="02010609060101010101" pitchFamily="49" charset="-122"/>
+              <a:ea typeface="SimSun-ExtB" panose="02010609060101010101" pitchFamily="49" charset="-122"/>
+            </a:rPr>
+            <a:t>谱分析</a:t>
+          </a:r>
+          <a:endParaRPr lang="en-US" sz="1800" dirty="0">
+            <a:solidFill>
+              <a:schemeClr val="bg1"/>
+            </a:solidFill>
+            <a:latin typeface="SimSun-ExtB" panose="02010609060101010101" pitchFamily="49" charset="-122"/>
+            <a:ea typeface="SimSun-ExtB" panose="02010609060101010101" pitchFamily="49" charset="-122"/>
+          </a:endParaRPr>
+        </a:p>
+      </dgm:t>
+    </dgm:pt>
+    <dgm:pt modelId="{1885BCCE-46B5-4487-B740-1246EFE9C163}" type="parTrans" cxnId="{75740037-4C23-4B1E-8118-ED88869C6CD8}">
+      <dgm:prSet/>
+      <dgm:spPr>
+        <a:ln>
+          <a:solidFill>
+            <a:schemeClr val="tx1"/>
+          </a:solidFill>
+        </a:ln>
+      </dgm:spPr>
+      <dgm:t>
+        <a:bodyPr/>
+        <a:lstStyle/>
+        <a:p>
+          <a:endParaRPr lang="en-US">
+            <a:solidFill>
+              <a:schemeClr val="bg1">
+                <a:lumMod val="85000"/>
+              </a:schemeClr>
+            </a:solidFill>
+          </a:endParaRPr>
+        </a:p>
+      </dgm:t>
+    </dgm:pt>
+    <dgm:pt modelId="{32A59951-E19E-477A-B47E-27BAE4428248}" type="sibTrans" cxnId="{75740037-4C23-4B1E-8118-ED88869C6CD8}">
+      <dgm:prSet/>
+      <dgm:spPr>
+        <a:ln>
+          <a:solidFill>
+            <a:schemeClr val="tx1"/>
+          </a:solidFill>
+        </a:ln>
+      </dgm:spPr>
+      <dgm:t>
+        <a:bodyPr/>
+        <a:lstStyle/>
+        <a:p>
+          <a:pPr algn="ctr"/>
+          <a:r>
+            <a:rPr lang="zh-CN" altLang="en-US" dirty="0"/>
+            <a:t>第二部分</a:t>
+          </a:r>
+          <a:endParaRPr lang="en-US" dirty="0"/>
+        </a:p>
+      </dgm:t>
+    </dgm:pt>
+    <dgm:pt modelId="{504850D9-E224-4CE8-BA60-DB7CBB505385}">
+      <dgm:prSet phldrT="[Text]" custT="1"/>
+      <dgm:spPr>
+        <a:solidFill>
+          <a:schemeClr val="accent1"/>
+        </a:solidFill>
+      </dgm:spPr>
+      <dgm:t>
+        <a:bodyPr/>
+        <a:lstStyle/>
+        <a:p>
+          <a:r>
+            <a:rPr lang="zh-CN" altLang="en-US" sz="1400" dirty="0">
+              <a:solidFill>
+                <a:schemeClr val="bg1"/>
+              </a:solidFill>
+              <a:latin typeface="SimSun-ExtB" panose="02010609060101010101" pitchFamily="49" charset="-122"/>
+              <a:ea typeface="SimSun-ExtB" panose="02010609060101010101" pitchFamily="49" charset="-122"/>
+            </a:rPr>
+            <a:t>谱质量</a:t>
+          </a:r>
+          <a:endParaRPr lang="en-US" sz="1400" dirty="0">
+            <a:solidFill>
+              <a:schemeClr val="bg1"/>
+            </a:solidFill>
+            <a:latin typeface="SimSun-ExtB" panose="02010609060101010101" pitchFamily="49" charset="-122"/>
+            <a:ea typeface="SimSun-ExtB" panose="02010609060101010101" pitchFamily="49" charset="-122"/>
+          </a:endParaRPr>
+        </a:p>
+      </dgm:t>
+    </dgm:pt>
+    <dgm:pt modelId="{A4C26D8A-F4FA-404C-8880-685858EE29BB}" type="parTrans" cxnId="{17B9D34D-75AF-4323-A94B-9B3DBCD6F8C4}">
+      <dgm:prSet/>
+      <dgm:spPr>
+        <a:ln>
+          <a:solidFill>
+            <a:schemeClr val="tx1"/>
+          </a:solidFill>
+        </a:ln>
+      </dgm:spPr>
+      <dgm:t>
+        <a:bodyPr/>
+        <a:lstStyle/>
+        <a:p>
+          <a:endParaRPr lang="en-US"/>
+        </a:p>
+      </dgm:t>
+    </dgm:pt>
+    <dgm:pt modelId="{98C8E532-BFEE-435E-B100-1F8A777B4589}" type="sibTrans" cxnId="{17B9D34D-75AF-4323-A94B-9B3DBCD6F8C4}">
+      <dgm:prSet/>
+      <dgm:spPr>
+        <a:solidFill>
+          <a:schemeClr val="accent1">
+            <a:lumMod val="20000"/>
+            <a:lumOff val="80000"/>
+            <a:alpha val="90000"/>
+          </a:schemeClr>
+        </a:solidFill>
+        <a:ln>
+          <a:noFill/>
+        </a:ln>
+      </dgm:spPr>
+      <dgm:t>
+        <a:bodyPr/>
+        <a:lstStyle/>
+        <a:p>
+          <a:pPr algn="ctr"/>
+          <a:r>
+            <a:rPr lang="zh-CN" altLang="en-US" dirty="0"/>
+            <a:t>第五章</a:t>
+          </a:r>
+          <a:endParaRPr lang="en-US" dirty="0"/>
+        </a:p>
+      </dgm:t>
+    </dgm:pt>
+    <dgm:pt modelId="{F96C35E2-B1DE-481A-AACD-D00400B240A0}">
+      <dgm:prSet phldrT="[Text]" custT="1"/>
+      <dgm:spPr>
+        <a:solidFill>
+          <a:schemeClr val="accent1"/>
+        </a:solidFill>
+      </dgm:spPr>
+      <dgm:t>
+        <a:bodyPr/>
+        <a:lstStyle/>
+        <a:p>
+          <a:r>
+            <a:rPr lang="zh-CN" altLang="en-US" sz="1400" dirty="0">
+              <a:solidFill>
+                <a:schemeClr val="bg1"/>
+              </a:solidFill>
+              <a:latin typeface="SimSun-ExtB" panose="02010609060101010101" pitchFamily="49" charset="-122"/>
+              <a:ea typeface="SimSun-ExtB" panose="02010609060101010101" pitchFamily="49" charset="-122"/>
+            </a:rPr>
+            <a:t>谱成分</a:t>
+          </a:r>
+          <a:endParaRPr lang="en-US" sz="1400" dirty="0">
+            <a:solidFill>
+              <a:schemeClr val="bg1"/>
+            </a:solidFill>
+            <a:latin typeface="SimSun-ExtB" panose="02010609060101010101" pitchFamily="49" charset="-122"/>
+            <a:ea typeface="SimSun-ExtB" panose="02010609060101010101" pitchFamily="49" charset="-122"/>
+          </a:endParaRPr>
+        </a:p>
+      </dgm:t>
+    </dgm:pt>
+    <dgm:pt modelId="{B70E77C2-9192-41D2-8368-657C67AF2121}" type="parTrans" cxnId="{ED37450A-4887-4678-9A66-C190ADC15CF0}">
+      <dgm:prSet/>
+      <dgm:spPr>
+        <a:ln>
+          <a:solidFill>
+            <a:schemeClr val="tx1"/>
+          </a:solidFill>
+        </a:ln>
+      </dgm:spPr>
+      <dgm:t>
+        <a:bodyPr/>
+        <a:lstStyle/>
+        <a:p>
+          <a:endParaRPr lang="en-US"/>
+        </a:p>
+      </dgm:t>
+    </dgm:pt>
+    <dgm:pt modelId="{BA53613E-AA16-4DD9-A8EF-20BBD19E8051}" type="sibTrans" cxnId="{ED37450A-4887-4678-9A66-C190ADC15CF0}">
+      <dgm:prSet/>
+      <dgm:spPr>
+        <a:solidFill>
+          <a:schemeClr val="accent1">
+            <a:lumMod val="20000"/>
+            <a:lumOff val="80000"/>
+            <a:alpha val="90000"/>
+          </a:schemeClr>
+        </a:solidFill>
+        <a:ln>
+          <a:noFill/>
+        </a:ln>
+      </dgm:spPr>
+      <dgm:t>
+        <a:bodyPr/>
+        <a:lstStyle/>
+        <a:p>
+          <a:pPr algn="ctr"/>
+          <a:r>
+            <a:rPr lang="zh-CN" altLang="en-US" dirty="0"/>
+            <a:t>第七章</a:t>
+          </a:r>
+          <a:endParaRPr lang="en-US" dirty="0"/>
+        </a:p>
+      </dgm:t>
+    </dgm:pt>
+    <dgm:pt modelId="{90AD41AC-4A99-4E97-8CD3-39BE4E0FF557}">
+      <dgm:prSet phldrT="[Text]" custT="1"/>
+      <dgm:spPr>
+        <a:solidFill>
+          <a:schemeClr val="accent1"/>
+        </a:solidFill>
+      </dgm:spPr>
+      <dgm:t>
+        <a:bodyPr/>
+        <a:lstStyle/>
+        <a:p>
+          <a:r>
+            <a:rPr lang="zh-CN" altLang="en-US" sz="1400" dirty="0">
+              <a:solidFill>
+                <a:schemeClr val="bg1"/>
+              </a:solidFill>
+              <a:latin typeface="SimSun-ExtB" panose="02010609060101010101" pitchFamily="49" charset="-122"/>
+              <a:ea typeface="SimSun-ExtB" panose="02010609060101010101" pitchFamily="49" charset="-122"/>
+            </a:rPr>
+            <a:t>谱常模</a:t>
+          </a:r>
+          <a:endParaRPr lang="en-US" sz="1400" dirty="0">
+            <a:solidFill>
+              <a:schemeClr val="bg1"/>
+            </a:solidFill>
+            <a:latin typeface="SimSun-ExtB" panose="02010609060101010101" pitchFamily="49" charset="-122"/>
+            <a:ea typeface="SimSun-ExtB" panose="02010609060101010101" pitchFamily="49" charset="-122"/>
+          </a:endParaRPr>
+        </a:p>
+      </dgm:t>
+    </dgm:pt>
+    <dgm:pt modelId="{41D1DE9D-8EF3-4664-8A10-A84346945E96}" type="parTrans" cxnId="{6E24D420-28D2-47A5-801D-D33A59563CC7}">
+      <dgm:prSet/>
+      <dgm:spPr>
+        <a:ln>
+          <a:solidFill>
+            <a:schemeClr val="tx1"/>
+          </a:solidFill>
+        </a:ln>
+      </dgm:spPr>
+      <dgm:t>
+        <a:bodyPr/>
+        <a:lstStyle/>
+        <a:p>
+          <a:endParaRPr lang="en-US"/>
+        </a:p>
+      </dgm:t>
+    </dgm:pt>
+    <dgm:pt modelId="{728DB816-94F7-4F19-820F-A47F9E55169B}" type="sibTrans" cxnId="{6E24D420-28D2-47A5-801D-D33A59563CC7}">
+      <dgm:prSet/>
+      <dgm:spPr>
+        <a:solidFill>
+          <a:schemeClr val="accent1">
+            <a:lumMod val="20000"/>
+            <a:lumOff val="80000"/>
+            <a:alpha val="90000"/>
+          </a:schemeClr>
+        </a:solidFill>
+        <a:ln>
+          <a:noFill/>
+        </a:ln>
+      </dgm:spPr>
+      <dgm:t>
+        <a:bodyPr/>
+        <a:lstStyle/>
+        <a:p>
+          <a:pPr algn="ctr"/>
+          <a:r>
+            <a:rPr lang="zh-CN" altLang="en-US" dirty="0"/>
+            <a:t>第六章</a:t>
+          </a:r>
+          <a:endParaRPr lang="en-US" dirty="0"/>
+        </a:p>
+      </dgm:t>
+    </dgm:pt>
+    <dgm:pt modelId="{EB4F46BA-5F16-4F25-BBB7-B9AC155EC88A}">
+      <dgm:prSet phldrT="[Text]" custT="1"/>
+      <dgm:spPr>
+        <a:solidFill>
+          <a:schemeClr val="accent1"/>
+        </a:solidFill>
+      </dgm:spPr>
+      <dgm:t>
+        <a:bodyPr/>
+        <a:lstStyle/>
+        <a:p>
+          <a:r>
+            <a:rPr lang="zh-CN" altLang="en-US" sz="1400" dirty="0">
+              <a:solidFill>
+                <a:schemeClr val="bg1"/>
+              </a:solidFill>
+              <a:latin typeface="SimSun-ExtB" panose="02010609060101010101" pitchFamily="49" charset="-122"/>
+              <a:ea typeface="SimSun-ExtB" panose="02010609060101010101" pitchFamily="49" charset="-122"/>
+            </a:rPr>
+            <a:t>联系属性</a:t>
+          </a:r>
+          <a:endParaRPr lang="en-US" sz="1400" dirty="0">
+            <a:solidFill>
+              <a:schemeClr val="bg1"/>
+            </a:solidFill>
+            <a:latin typeface="SimSun-ExtB" panose="02010609060101010101" pitchFamily="49" charset="-122"/>
+            <a:ea typeface="SimSun-ExtB" panose="02010609060101010101" pitchFamily="49" charset="-122"/>
+          </a:endParaRPr>
+        </a:p>
+      </dgm:t>
+    </dgm:pt>
+    <dgm:pt modelId="{7345AC91-AA2B-403F-87EC-826F9DAB112F}" type="parTrans" cxnId="{0293C9CF-1CD0-4EE2-83C8-3E293B37F93A}">
+      <dgm:prSet/>
+      <dgm:spPr>
+        <a:ln>
+          <a:solidFill>
+            <a:schemeClr val="tx1"/>
+          </a:solidFill>
+        </a:ln>
+      </dgm:spPr>
+      <dgm:t>
+        <a:bodyPr/>
+        <a:lstStyle/>
+        <a:p>
+          <a:endParaRPr lang="en-US"/>
+        </a:p>
+      </dgm:t>
+    </dgm:pt>
+    <dgm:pt modelId="{52C8B712-3295-4B35-AC8F-6ECB7D133B21}" type="sibTrans" cxnId="{0293C9CF-1CD0-4EE2-83C8-3E293B37F93A}">
+      <dgm:prSet/>
+      <dgm:spPr>
+        <a:solidFill>
+          <a:schemeClr val="accent1">
+            <a:lumMod val="20000"/>
+            <a:lumOff val="80000"/>
+            <a:alpha val="90000"/>
+          </a:schemeClr>
+        </a:solidFill>
+        <a:ln>
+          <a:noFill/>
+        </a:ln>
+      </dgm:spPr>
+      <dgm:t>
+        <a:bodyPr/>
+        <a:lstStyle/>
+        <a:p>
+          <a:pPr algn="ctr"/>
+          <a:r>
+            <a:rPr lang="zh-CN" altLang="en-US" dirty="0"/>
+            <a:t>第四章</a:t>
+          </a:r>
+          <a:endParaRPr lang="en-US" dirty="0"/>
+        </a:p>
+      </dgm:t>
+    </dgm:pt>
+    <dgm:pt modelId="{47CA3087-CE20-4352-915C-FC23BCA1EBB4}" type="pres">
+      <dgm:prSet presAssocID="{2788AB89-C2C8-4117-B0D6-99E4B66B2007}" presName="hierChild1" presStyleCnt="0">
+        <dgm:presLayoutVars>
+          <dgm:orgChart val="1"/>
+          <dgm:chPref val="1"/>
+          <dgm:dir/>
+          <dgm:animOne val="branch"/>
+          <dgm:animLvl val="lvl"/>
+          <dgm:resizeHandles/>
+        </dgm:presLayoutVars>
+      </dgm:prSet>
+      <dgm:spPr/>
+    </dgm:pt>
+    <dgm:pt modelId="{2C185D9C-DE4B-497E-9F11-C5CB1795A2EB}" type="pres">
+      <dgm:prSet presAssocID="{075F1923-852E-41AF-B4C9-14749AA20E80}" presName="hierRoot1" presStyleCnt="0">
+        <dgm:presLayoutVars>
+          <dgm:hierBranch val="init"/>
+        </dgm:presLayoutVars>
+      </dgm:prSet>
+      <dgm:spPr/>
+    </dgm:pt>
+    <dgm:pt modelId="{1E49B0E1-6DF3-4061-A5AC-AD1205CC0F71}" type="pres">
+      <dgm:prSet presAssocID="{075F1923-852E-41AF-B4C9-14749AA20E80}" presName="rootComposite1" presStyleCnt="0"/>
+      <dgm:spPr/>
+    </dgm:pt>
+    <dgm:pt modelId="{169548AE-1898-4AC2-B792-C4E42A5676EB}" type="pres">
+      <dgm:prSet presAssocID="{075F1923-852E-41AF-B4C9-14749AA20E80}" presName="rootText1" presStyleLbl="node0" presStyleIdx="0" presStyleCnt="1">
+        <dgm:presLayoutVars>
+          <dgm:chMax/>
+          <dgm:chPref val="3"/>
+        </dgm:presLayoutVars>
+      </dgm:prSet>
+      <dgm:spPr/>
+    </dgm:pt>
+    <dgm:pt modelId="{487AD69D-C21E-41DF-9879-F374E86A4B2B}" type="pres">
+      <dgm:prSet presAssocID="{075F1923-852E-41AF-B4C9-14749AA20E80}" presName="titleText1" presStyleLbl="fgAcc0" presStyleIdx="0" presStyleCnt="1">
+        <dgm:presLayoutVars>
+          <dgm:chMax val="0"/>
+          <dgm:chPref val="0"/>
+        </dgm:presLayoutVars>
+      </dgm:prSet>
+      <dgm:spPr/>
+    </dgm:pt>
+    <dgm:pt modelId="{84A30ABC-C172-4768-B401-40AC4F1B3FAA}" type="pres">
+      <dgm:prSet presAssocID="{075F1923-852E-41AF-B4C9-14749AA20E80}" presName="rootConnector1" presStyleLbl="node1" presStyleIdx="0" presStyleCnt="8"/>
+      <dgm:spPr/>
+    </dgm:pt>
+    <dgm:pt modelId="{8E430552-0089-4A13-A16A-2B8ABC60E2E8}" type="pres">
+      <dgm:prSet presAssocID="{075F1923-852E-41AF-B4C9-14749AA20E80}" presName="hierChild2" presStyleCnt="0"/>
+      <dgm:spPr/>
+    </dgm:pt>
+    <dgm:pt modelId="{5BECACDE-5BCF-4986-95B5-59365B50DA65}" type="pres">
+      <dgm:prSet presAssocID="{C31DDA01-DB6F-4696-A1C7-3A44A0CD3A9C}" presName="Name37" presStyleLbl="parChTrans1D2" presStyleIdx="0" presStyleCnt="2"/>
+      <dgm:spPr/>
+    </dgm:pt>
+    <dgm:pt modelId="{4CF1F645-6BA5-472C-99C7-C52C35122C8F}" type="pres">
+      <dgm:prSet presAssocID="{E0B30B38-B54D-45D7-83CC-7434FA406CED}" presName="hierRoot2" presStyleCnt="0">
+        <dgm:presLayoutVars>
+          <dgm:hierBranch val="init"/>
+        </dgm:presLayoutVars>
+      </dgm:prSet>
+      <dgm:spPr/>
+    </dgm:pt>
+    <dgm:pt modelId="{66492592-647B-43B5-8F18-39A1EF331C93}" type="pres">
+      <dgm:prSet presAssocID="{E0B30B38-B54D-45D7-83CC-7434FA406CED}" presName="rootComposite" presStyleCnt="0"/>
+      <dgm:spPr/>
+    </dgm:pt>
+    <dgm:pt modelId="{EB0D5483-9157-41E1-BC80-F9B0DD2A8186}" type="pres">
+      <dgm:prSet presAssocID="{E0B30B38-B54D-45D7-83CC-7434FA406CED}" presName="rootText" presStyleLbl="node1" presStyleIdx="0" presStyleCnt="8">
+        <dgm:presLayoutVars>
+          <dgm:chMax/>
+          <dgm:chPref val="3"/>
+        </dgm:presLayoutVars>
+      </dgm:prSet>
+      <dgm:spPr/>
+    </dgm:pt>
+    <dgm:pt modelId="{2872A6E3-09C6-4A56-9043-B6AC8340DB2F}" type="pres">
+      <dgm:prSet presAssocID="{E0B30B38-B54D-45D7-83CC-7434FA406CED}" presName="titleText2" presStyleLbl="fgAcc1" presStyleIdx="0" presStyleCnt="8">
+        <dgm:presLayoutVars>
+          <dgm:chMax val="0"/>
+          <dgm:chPref val="0"/>
+        </dgm:presLayoutVars>
+      </dgm:prSet>
+      <dgm:spPr/>
+    </dgm:pt>
+    <dgm:pt modelId="{6C76E7DE-C1E2-422C-BC69-0CA918D8AC2E}" type="pres">
+      <dgm:prSet presAssocID="{E0B30B38-B54D-45D7-83CC-7434FA406CED}" presName="rootConnector" presStyleLbl="node2" presStyleIdx="0" presStyleCnt="0"/>
+      <dgm:spPr/>
+    </dgm:pt>
+    <dgm:pt modelId="{D92C4996-DE5C-42E0-8A5B-0F9DAD710115}" type="pres">
+      <dgm:prSet presAssocID="{E0B30B38-B54D-45D7-83CC-7434FA406CED}" presName="hierChild4" presStyleCnt="0"/>
+      <dgm:spPr/>
+    </dgm:pt>
+    <dgm:pt modelId="{2A6DB864-A4CE-4D17-AB80-E0574DAC3F55}" type="pres">
+      <dgm:prSet presAssocID="{ABE394DA-AEC3-4937-A976-03A15EA28B90}" presName="Name37" presStyleLbl="parChTrans1D3" presStyleIdx="0" presStyleCnt="6"/>
+      <dgm:spPr/>
+    </dgm:pt>
+    <dgm:pt modelId="{A7CFC22C-4694-423C-8D24-5B95B65C1D4D}" type="pres">
+      <dgm:prSet presAssocID="{CE20803D-483A-4162-BEB9-3A6F8F728ED5}" presName="hierRoot2" presStyleCnt="0">
+        <dgm:presLayoutVars>
+          <dgm:hierBranch val="init"/>
+        </dgm:presLayoutVars>
+      </dgm:prSet>
+      <dgm:spPr/>
+    </dgm:pt>
+    <dgm:pt modelId="{6D0E6168-E491-4AED-B7D5-2ECA47D66558}" type="pres">
+      <dgm:prSet presAssocID="{CE20803D-483A-4162-BEB9-3A6F8F728ED5}" presName="rootComposite" presStyleCnt="0"/>
+      <dgm:spPr/>
+    </dgm:pt>
+    <dgm:pt modelId="{935CFC4D-FA73-4B5E-8515-C9B19A2D2E63}" type="pres">
+      <dgm:prSet presAssocID="{CE20803D-483A-4162-BEB9-3A6F8F728ED5}" presName="rootText" presStyleLbl="node1" presStyleIdx="1" presStyleCnt="8">
+        <dgm:presLayoutVars>
+          <dgm:chMax/>
+          <dgm:chPref val="3"/>
+        </dgm:presLayoutVars>
+      </dgm:prSet>
+      <dgm:spPr/>
+    </dgm:pt>
+    <dgm:pt modelId="{70B3F337-88AB-4CE7-B461-956557E8F11F}" type="pres">
+      <dgm:prSet presAssocID="{CE20803D-483A-4162-BEB9-3A6F8F728ED5}" presName="titleText2" presStyleLbl="fgAcc1" presStyleIdx="1" presStyleCnt="8">
+        <dgm:presLayoutVars>
+          <dgm:chMax val="0"/>
+          <dgm:chPref val="0"/>
+        </dgm:presLayoutVars>
+      </dgm:prSet>
+      <dgm:spPr/>
+    </dgm:pt>
+    <dgm:pt modelId="{F854ECF6-738F-43D5-9042-B3148DE1E725}" type="pres">
+      <dgm:prSet presAssocID="{CE20803D-483A-4162-BEB9-3A6F8F728ED5}" presName="rootConnector" presStyleLbl="node3" presStyleIdx="0" presStyleCnt="0"/>
+      <dgm:spPr/>
+    </dgm:pt>
+    <dgm:pt modelId="{C8CF429B-7B9A-49D9-9B87-E081C1D33F6E}" type="pres">
+      <dgm:prSet presAssocID="{CE20803D-483A-4162-BEB9-3A6F8F728ED5}" presName="hierChild4" presStyleCnt="0"/>
+      <dgm:spPr/>
+    </dgm:pt>
+    <dgm:pt modelId="{A6D69DD8-5EF6-452D-B5D5-EEB79F5BD76C}" type="pres">
+      <dgm:prSet presAssocID="{CE20803D-483A-4162-BEB9-3A6F8F728ED5}" presName="hierChild5" presStyleCnt="0"/>
+      <dgm:spPr/>
+    </dgm:pt>
+    <dgm:pt modelId="{DA48BA67-5731-4545-B3C6-25B587420278}" type="pres">
+      <dgm:prSet presAssocID="{87016C0E-818D-450A-AD95-4565160F9943}" presName="Name37" presStyleLbl="parChTrans1D3" presStyleIdx="1" presStyleCnt="6"/>
+      <dgm:spPr/>
+    </dgm:pt>
+    <dgm:pt modelId="{DC292002-902F-4B87-88E8-5E7930025D78}" type="pres">
+      <dgm:prSet presAssocID="{B0108C86-47A9-4CAD-A8EB-F7C919BF0470}" presName="hierRoot2" presStyleCnt="0">
+        <dgm:presLayoutVars>
+          <dgm:hierBranch val="init"/>
+        </dgm:presLayoutVars>
+      </dgm:prSet>
+      <dgm:spPr/>
+    </dgm:pt>
+    <dgm:pt modelId="{5A74C3F7-BA76-4468-A80F-51B5EC5A1D47}" type="pres">
+      <dgm:prSet presAssocID="{B0108C86-47A9-4CAD-A8EB-F7C919BF0470}" presName="rootComposite" presStyleCnt="0"/>
+      <dgm:spPr/>
+    </dgm:pt>
+    <dgm:pt modelId="{312973CB-BD89-43B1-8293-A259C458DF7D}" type="pres">
+      <dgm:prSet presAssocID="{B0108C86-47A9-4CAD-A8EB-F7C919BF0470}" presName="rootText" presStyleLbl="node1" presStyleIdx="2" presStyleCnt="8">
+        <dgm:presLayoutVars>
+          <dgm:chMax/>
+          <dgm:chPref val="3"/>
+        </dgm:presLayoutVars>
+      </dgm:prSet>
+      <dgm:spPr/>
+    </dgm:pt>
+    <dgm:pt modelId="{4976B9E9-800E-4134-A5D5-6CAAC9A54064}" type="pres">
+      <dgm:prSet presAssocID="{B0108C86-47A9-4CAD-A8EB-F7C919BF0470}" presName="titleText2" presStyleLbl="fgAcc1" presStyleIdx="2" presStyleCnt="8">
+        <dgm:presLayoutVars>
+          <dgm:chMax val="0"/>
+          <dgm:chPref val="0"/>
+        </dgm:presLayoutVars>
+      </dgm:prSet>
+      <dgm:spPr/>
+    </dgm:pt>
+    <dgm:pt modelId="{2FEA2C8D-BB18-4F83-8050-610EF49AEA50}" type="pres">
+      <dgm:prSet presAssocID="{B0108C86-47A9-4CAD-A8EB-F7C919BF0470}" presName="rootConnector" presStyleLbl="node3" presStyleIdx="0" presStyleCnt="0"/>
+      <dgm:spPr/>
+    </dgm:pt>
+    <dgm:pt modelId="{3C581DE0-66AC-49E8-A51D-C560DD3DF441}" type="pres">
+      <dgm:prSet presAssocID="{B0108C86-47A9-4CAD-A8EB-F7C919BF0470}" presName="hierChild4" presStyleCnt="0"/>
+      <dgm:spPr/>
+    </dgm:pt>
+    <dgm:pt modelId="{2F73759E-7F9E-418B-A943-BB3190ED279F}" type="pres">
+      <dgm:prSet presAssocID="{B0108C86-47A9-4CAD-A8EB-F7C919BF0470}" presName="hierChild5" presStyleCnt="0"/>
+      <dgm:spPr/>
+    </dgm:pt>
+    <dgm:pt modelId="{A454E921-6580-43D9-94D5-C25650947C8F}" type="pres">
+      <dgm:prSet presAssocID="{7345AC91-AA2B-403F-87EC-826F9DAB112F}" presName="Name37" presStyleLbl="parChTrans1D3" presStyleIdx="2" presStyleCnt="6"/>
+      <dgm:spPr/>
+    </dgm:pt>
+    <dgm:pt modelId="{A744524A-304E-4EA0-9DC3-EAC87D5BD49E}" type="pres">
+      <dgm:prSet presAssocID="{EB4F46BA-5F16-4F25-BBB7-B9AC155EC88A}" presName="hierRoot2" presStyleCnt="0">
+        <dgm:presLayoutVars>
+          <dgm:hierBranch val="init"/>
+        </dgm:presLayoutVars>
+      </dgm:prSet>
+      <dgm:spPr/>
+    </dgm:pt>
+    <dgm:pt modelId="{B9FF4FE6-3C30-4E05-84D8-CF3476F09A84}" type="pres">
+      <dgm:prSet presAssocID="{EB4F46BA-5F16-4F25-BBB7-B9AC155EC88A}" presName="rootComposite" presStyleCnt="0"/>
+      <dgm:spPr/>
+    </dgm:pt>
+    <dgm:pt modelId="{EE3AB86A-1397-411D-865F-211B93FB4C86}" type="pres">
+      <dgm:prSet presAssocID="{EB4F46BA-5F16-4F25-BBB7-B9AC155EC88A}" presName="rootText" presStyleLbl="node1" presStyleIdx="3" presStyleCnt="8">
+        <dgm:presLayoutVars>
+          <dgm:chMax/>
+          <dgm:chPref val="3"/>
+        </dgm:presLayoutVars>
+      </dgm:prSet>
+      <dgm:spPr/>
+    </dgm:pt>
+    <dgm:pt modelId="{969C9BCF-F73A-490F-B11E-4B3326D8750B}" type="pres">
+      <dgm:prSet presAssocID="{EB4F46BA-5F16-4F25-BBB7-B9AC155EC88A}" presName="titleText2" presStyleLbl="fgAcc1" presStyleIdx="3" presStyleCnt="8">
+        <dgm:presLayoutVars>
+          <dgm:chMax val="0"/>
+          <dgm:chPref val="0"/>
+        </dgm:presLayoutVars>
+      </dgm:prSet>
+      <dgm:spPr/>
+    </dgm:pt>
+    <dgm:pt modelId="{693C0481-BC49-46F0-8DC9-1795B40D9432}" type="pres">
+      <dgm:prSet presAssocID="{EB4F46BA-5F16-4F25-BBB7-B9AC155EC88A}" presName="rootConnector" presStyleLbl="node3" presStyleIdx="0" presStyleCnt="0"/>
+      <dgm:spPr/>
+    </dgm:pt>
+    <dgm:pt modelId="{DC91C2E4-6CE6-40FE-AC7D-E444E70D0107}" type="pres">
+      <dgm:prSet presAssocID="{EB4F46BA-5F16-4F25-BBB7-B9AC155EC88A}" presName="hierChild4" presStyleCnt="0"/>
+      <dgm:spPr/>
+    </dgm:pt>
+    <dgm:pt modelId="{82A5630A-E7A6-4FCD-8CF4-9890BAD8DA74}" type="pres">
+      <dgm:prSet presAssocID="{EB4F46BA-5F16-4F25-BBB7-B9AC155EC88A}" presName="hierChild5" presStyleCnt="0"/>
+      <dgm:spPr/>
+    </dgm:pt>
+    <dgm:pt modelId="{EE2E77E0-18D5-400B-A0A9-F0D12AD88A04}" type="pres">
+      <dgm:prSet presAssocID="{E0B30B38-B54D-45D7-83CC-7434FA406CED}" presName="hierChild5" presStyleCnt="0"/>
+      <dgm:spPr/>
+    </dgm:pt>
+    <dgm:pt modelId="{A73E227A-5FB1-440E-9B09-0B61CC54496E}" type="pres">
+      <dgm:prSet presAssocID="{1885BCCE-46B5-4487-B740-1246EFE9C163}" presName="Name37" presStyleLbl="parChTrans1D2" presStyleIdx="1" presStyleCnt="2"/>
+      <dgm:spPr/>
+    </dgm:pt>
+    <dgm:pt modelId="{08F985C6-6512-47D8-A676-66C12E22D2F1}" type="pres">
+      <dgm:prSet presAssocID="{126D38D1-9BA1-4FCB-BFDF-766C9B8FB9A4}" presName="hierRoot2" presStyleCnt="0">
+        <dgm:presLayoutVars>
+          <dgm:hierBranch val="init"/>
+        </dgm:presLayoutVars>
+      </dgm:prSet>
+      <dgm:spPr/>
+    </dgm:pt>
+    <dgm:pt modelId="{479851FD-AB8B-4B07-82B9-A7798917F580}" type="pres">
+      <dgm:prSet presAssocID="{126D38D1-9BA1-4FCB-BFDF-766C9B8FB9A4}" presName="rootComposite" presStyleCnt="0"/>
+      <dgm:spPr/>
+    </dgm:pt>
+    <dgm:pt modelId="{B739A0B9-8C96-46A3-95B4-E2406B756C57}" type="pres">
+      <dgm:prSet presAssocID="{126D38D1-9BA1-4FCB-BFDF-766C9B8FB9A4}" presName="rootText" presStyleLbl="node1" presStyleIdx="4" presStyleCnt="8">
+        <dgm:presLayoutVars>
+          <dgm:chMax/>
+          <dgm:chPref val="3"/>
+        </dgm:presLayoutVars>
+      </dgm:prSet>
+      <dgm:spPr/>
+    </dgm:pt>
+    <dgm:pt modelId="{9383FCB4-4032-4D99-92EB-69B977B2DEDB}" type="pres">
+      <dgm:prSet presAssocID="{126D38D1-9BA1-4FCB-BFDF-766C9B8FB9A4}" presName="titleText2" presStyleLbl="fgAcc1" presStyleIdx="4" presStyleCnt="8">
+        <dgm:presLayoutVars>
+          <dgm:chMax val="0"/>
+          <dgm:chPref val="0"/>
+        </dgm:presLayoutVars>
+      </dgm:prSet>
+      <dgm:spPr/>
+    </dgm:pt>
+    <dgm:pt modelId="{EB58BDC4-BF06-45C5-A67B-9F05C584ECD8}" type="pres">
+      <dgm:prSet presAssocID="{126D38D1-9BA1-4FCB-BFDF-766C9B8FB9A4}" presName="rootConnector" presStyleLbl="node2" presStyleIdx="0" presStyleCnt="0"/>
+      <dgm:spPr/>
+    </dgm:pt>
+    <dgm:pt modelId="{ADA9429D-58E7-4B55-A21B-DE0A705A4C31}" type="pres">
+      <dgm:prSet presAssocID="{126D38D1-9BA1-4FCB-BFDF-766C9B8FB9A4}" presName="hierChild4" presStyleCnt="0"/>
+      <dgm:spPr/>
+    </dgm:pt>
+    <dgm:pt modelId="{4F374728-3A3D-4F03-BA59-6E78B1A4CE02}" type="pres">
+      <dgm:prSet presAssocID="{A4C26D8A-F4FA-404C-8880-685858EE29BB}" presName="Name37" presStyleLbl="parChTrans1D3" presStyleIdx="3" presStyleCnt="6"/>
+      <dgm:spPr/>
+    </dgm:pt>
+    <dgm:pt modelId="{D434C675-AEFA-4322-AE56-318C215EA57C}" type="pres">
+      <dgm:prSet presAssocID="{504850D9-E224-4CE8-BA60-DB7CBB505385}" presName="hierRoot2" presStyleCnt="0">
+        <dgm:presLayoutVars>
+          <dgm:hierBranch val="init"/>
+        </dgm:presLayoutVars>
+      </dgm:prSet>
+      <dgm:spPr/>
+    </dgm:pt>
+    <dgm:pt modelId="{912A7EB5-620E-4A19-AD6C-0659DFBD9D47}" type="pres">
+      <dgm:prSet presAssocID="{504850D9-E224-4CE8-BA60-DB7CBB505385}" presName="rootComposite" presStyleCnt="0"/>
+      <dgm:spPr/>
+    </dgm:pt>
+    <dgm:pt modelId="{F3C2F480-A50E-4471-B518-697F72BCE6FE}" type="pres">
+      <dgm:prSet presAssocID="{504850D9-E224-4CE8-BA60-DB7CBB505385}" presName="rootText" presStyleLbl="node1" presStyleIdx="5" presStyleCnt="8">
+        <dgm:presLayoutVars>
+          <dgm:chMax/>
+          <dgm:chPref val="3"/>
+        </dgm:presLayoutVars>
+      </dgm:prSet>
+      <dgm:spPr/>
+    </dgm:pt>
+    <dgm:pt modelId="{1D1EC709-D9D6-44BC-86E1-26B52573F71C}" type="pres">
+      <dgm:prSet presAssocID="{504850D9-E224-4CE8-BA60-DB7CBB505385}" presName="titleText2" presStyleLbl="fgAcc1" presStyleIdx="5" presStyleCnt="8">
+        <dgm:presLayoutVars>
+          <dgm:chMax val="0"/>
+          <dgm:chPref val="0"/>
+        </dgm:presLayoutVars>
+      </dgm:prSet>
+      <dgm:spPr/>
+    </dgm:pt>
+    <dgm:pt modelId="{DCEA0904-73B4-443A-88C6-0BBD7B456290}" type="pres">
+      <dgm:prSet presAssocID="{504850D9-E224-4CE8-BA60-DB7CBB505385}" presName="rootConnector" presStyleLbl="node3" presStyleIdx="0" presStyleCnt="0"/>
+      <dgm:spPr/>
+    </dgm:pt>
+    <dgm:pt modelId="{9845E683-4A86-4C1F-A1A0-DB5B686059C6}" type="pres">
+      <dgm:prSet presAssocID="{504850D9-E224-4CE8-BA60-DB7CBB505385}" presName="hierChild4" presStyleCnt="0"/>
+      <dgm:spPr/>
+    </dgm:pt>
+    <dgm:pt modelId="{0AE48F6F-4658-4091-9DD6-83ECEEE3FDFE}" type="pres">
+      <dgm:prSet presAssocID="{504850D9-E224-4CE8-BA60-DB7CBB505385}" presName="hierChild5" presStyleCnt="0"/>
+      <dgm:spPr/>
+    </dgm:pt>
+    <dgm:pt modelId="{3A143933-947B-4C86-B5F5-13D5A0948300}" type="pres">
+      <dgm:prSet presAssocID="{41D1DE9D-8EF3-4664-8A10-A84346945E96}" presName="Name37" presStyleLbl="parChTrans1D3" presStyleIdx="4" presStyleCnt="6"/>
+      <dgm:spPr/>
+    </dgm:pt>
+    <dgm:pt modelId="{06675A7B-AC28-4F39-8FF2-BCBD3BF160B5}" type="pres">
+      <dgm:prSet presAssocID="{90AD41AC-4A99-4E97-8CD3-39BE4E0FF557}" presName="hierRoot2" presStyleCnt="0">
+        <dgm:presLayoutVars>
+          <dgm:hierBranch val="init"/>
+        </dgm:presLayoutVars>
+      </dgm:prSet>
+      <dgm:spPr/>
+    </dgm:pt>
+    <dgm:pt modelId="{BB4127B2-DFBC-4891-985E-4B3AACE735B8}" type="pres">
+      <dgm:prSet presAssocID="{90AD41AC-4A99-4E97-8CD3-39BE4E0FF557}" presName="rootComposite" presStyleCnt="0"/>
+      <dgm:spPr/>
+    </dgm:pt>
+    <dgm:pt modelId="{A4DF345C-7292-4706-8824-A26E9B0C13CB}" type="pres">
+      <dgm:prSet presAssocID="{90AD41AC-4A99-4E97-8CD3-39BE4E0FF557}" presName="rootText" presStyleLbl="node1" presStyleIdx="6" presStyleCnt="8">
+        <dgm:presLayoutVars>
+          <dgm:chMax/>
+          <dgm:chPref val="3"/>
+        </dgm:presLayoutVars>
+      </dgm:prSet>
+      <dgm:spPr/>
+    </dgm:pt>
+    <dgm:pt modelId="{817C978D-ECB0-4B9C-BAC3-526324566CDA}" type="pres">
+      <dgm:prSet presAssocID="{90AD41AC-4A99-4E97-8CD3-39BE4E0FF557}" presName="titleText2" presStyleLbl="fgAcc1" presStyleIdx="6" presStyleCnt="8">
+        <dgm:presLayoutVars>
+          <dgm:chMax val="0"/>
+          <dgm:chPref val="0"/>
+        </dgm:presLayoutVars>
+      </dgm:prSet>
+      <dgm:spPr/>
+    </dgm:pt>
+    <dgm:pt modelId="{D98A92A7-1F9C-44A2-B64D-4B76407309CA}" type="pres">
+      <dgm:prSet presAssocID="{90AD41AC-4A99-4E97-8CD3-39BE4E0FF557}" presName="rootConnector" presStyleLbl="node3" presStyleIdx="0" presStyleCnt="0"/>
+      <dgm:spPr/>
+    </dgm:pt>
+    <dgm:pt modelId="{8981251E-F84C-4889-8C19-F8F40AD41E4A}" type="pres">
+      <dgm:prSet presAssocID="{90AD41AC-4A99-4E97-8CD3-39BE4E0FF557}" presName="hierChild4" presStyleCnt="0"/>
+      <dgm:spPr/>
+    </dgm:pt>
+    <dgm:pt modelId="{A8D60EEA-DF59-4987-8CE8-98E6BE27A80C}" type="pres">
+      <dgm:prSet presAssocID="{90AD41AC-4A99-4E97-8CD3-39BE4E0FF557}" presName="hierChild5" presStyleCnt="0"/>
+      <dgm:spPr/>
+    </dgm:pt>
+    <dgm:pt modelId="{909CE831-3B71-4B2D-84E2-D40DF0CB96C4}" type="pres">
+      <dgm:prSet presAssocID="{B70E77C2-9192-41D2-8368-657C67AF2121}" presName="Name37" presStyleLbl="parChTrans1D3" presStyleIdx="5" presStyleCnt="6"/>
+      <dgm:spPr/>
+    </dgm:pt>
+    <dgm:pt modelId="{8FAA2899-E989-4A07-924B-1CEF8B29963B}" type="pres">
+      <dgm:prSet presAssocID="{F96C35E2-B1DE-481A-AACD-D00400B240A0}" presName="hierRoot2" presStyleCnt="0">
+        <dgm:presLayoutVars>
+          <dgm:hierBranch val="init"/>
+        </dgm:presLayoutVars>
+      </dgm:prSet>
+      <dgm:spPr/>
+    </dgm:pt>
+    <dgm:pt modelId="{25F95972-A52D-4CCC-B8A5-FD29A205A600}" type="pres">
+      <dgm:prSet presAssocID="{F96C35E2-B1DE-481A-AACD-D00400B240A0}" presName="rootComposite" presStyleCnt="0"/>
+      <dgm:spPr/>
+    </dgm:pt>
+    <dgm:pt modelId="{6EC1F397-B3F8-4C35-8DF4-B898741D95A5}" type="pres">
+      <dgm:prSet presAssocID="{F96C35E2-B1DE-481A-AACD-D00400B240A0}" presName="rootText" presStyleLbl="node1" presStyleIdx="7" presStyleCnt="8">
+        <dgm:presLayoutVars>
+          <dgm:chMax/>
+          <dgm:chPref val="3"/>
+        </dgm:presLayoutVars>
+      </dgm:prSet>
+      <dgm:spPr/>
+    </dgm:pt>
+    <dgm:pt modelId="{5DDD142B-72A3-45D5-A9B7-3585A6E905FF}" type="pres">
+      <dgm:prSet presAssocID="{F96C35E2-B1DE-481A-AACD-D00400B240A0}" presName="titleText2" presStyleLbl="fgAcc1" presStyleIdx="7" presStyleCnt="8">
+        <dgm:presLayoutVars>
+          <dgm:chMax val="0"/>
+          <dgm:chPref val="0"/>
+        </dgm:presLayoutVars>
+      </dgm:prSet>
+      <dgm:spPr/>
+    </dgm:pt>
+    <dgm:pt modelId="{060786D2-EF2E-4BE1-9B8C-CCCC9E5D7AF9}" type="pres">
+      <dgm:prSet presAssocID="{F96C35E2-B1DE-481A-AACD-D00400B240A0}" presName="rootConnector" presStyleLbl="node3" presStyleIdx="0" presStyleCnt="0"/>
+      <dgm:spPr/>
+    </dgm:pt>
+    <dgm:pt modelId="{9B9E6624-D387-48E8-8E63-9A93D95B2E4A}" type="pres">
+      <dgm:prSet presAssocID="{F96C35E2-B1DE-481A-AACD-D00400B240A0}" presName="hierChild4" presStyleCnt="0"/>
+      <dgm:spPr/>
+    </dgm:pt>
+    <dgm:pt modelId="{572CC9B5-B865-43C2-8258-BB2BB709851B}" type="pres">
+      <dgm:prSet presAssocID="{F96C35E2-B1DE-481A-AACD-D00400B240A0}" presName="hierChild5" presStyleCnt="0"/>
+      <dgm:spPr/>
+    </dgm:pt>
+    <dgm:pt modelId="{6FC06E84-367A-4634-912C-A5742E56950F}" type="pres">
+      <dgm:prSet presAssocID="{126D38D1-9BA1-4FCB-BFDF-766C9B8FB9A4}" presName="hierChild5" presStyleCnt="0"/>
+      <dgm:spPr/>
+    </dgm:pt>
+    <dgm:pt modelId="{2EC38AB8-2109-405B-8C79-C32CE1E55F3B}" type="pres">
+      <dgm:prSet presAssocID="{075F1923-852E-41AF-B4C9-14749AA20E80}" presName="hierChild3" presStyleCnt="0"/>
+      <dgm:spPr/>
+    </dgm:pt>
+  </dgm:ptLst>
+  <dgm:cxnLst>
+    <dgm:cxn modelId="{9AB30103-6DDA-4B03-9715-C772094BDF4D}" type="presOf" srcId="{A4C26D8A-F4FA-404C-8880-685858EE29BB}" destId="{4F374728-3A3D-4F03-BA59-6E78B1A4CE02}" srcOrd="0" destOrd="0" presId="urn:microsoft.com/office/officeart/2008/layout/NameandTitleOrganizationalChart"/>
+    <dgm:cxn modelId="{58A7EF07-2822-43B9-94E9-DF9CF9637EBF}" type="presOf" srcId="{504850D9-E224-4CE8-BA60-DB7CBB505385}" destId="{DCEA0904-73B4-443A-88C6-0BBD7B456290}" srcOrd="1" destOrd="0" presId="urn:microsoft.com/office/officeart/2008/layout/NameandTitleOrganizationalChart"/>
+    <dgm:cxn modelId="{2A40E209-FC83-456E-AB22-15EE8A6AA4CA}" type="presOf" srcId="{126D38D1-9BA1-4FCB-BFDF-766C9B8FB9A4}" destId="{EB58BDC4-BF06-45C5-A67B-9F05C584ECD8}" srcOrd="1" destOrd="0" presId="urn:microsoft.com/office/officeart/2008/layout/NameandTitleOrganizationalChart"/>
+    <dgm:cxn modelId="{ED37450A-4887-4678-9A66-C190ADC15CF0}" srcId="{126D38D1-9BA1-4FCB-BFDF-766C9B8FB9A4}" destId="{F96C35E2-B1DE-481A-AACD-D00400B240A0}" srcOrd="2" destOrd="0" parTransId="{B70E77C2-9192-41D2-8368-657C67AF2121}" sibTransId="{BA53613E-AA16-4DD9-A8EF-20BBD19E8051}"/>
+    <dgm:cxn modelId="{8E669613-A1C7-4F50-AF5A-9D45672D8BF6}" type="presOf" srcId="{AA79B2F7-4B64-41CB-A4E3-A937333B7293}" destId="{487AD69D-C21E-41DF-9879-F374E86A4B2B}" srcOrd="0" destOrd="0" presId="urn:microsoft.com/office/officeart/2008/layout/NameandTitleOrganizationalChart"/>
+    <dgm:cxn modelId="{4D181F1A-2A33-4382-AEBC-E0C23B9138EB}" type="presOf" srcId="{CE20803D-483A-4162-BEB9-3A6F8F728ED5}" destId="{F854ECF6-738F-43D5-9042-B3148DE1E725}" srcOrd="1" destOrd="0" presId="urn:microsoft.com/office/officeart/2008/layout/NameandTitleOrganizationalChart"/>
+    <dgm:cxn modelId="{5F41D41C-1FB1-4492-8B28-E81C058DA7D9}" type="presOf" srcId="{ABE394DA-AEC3-4937-A976-03A15EA28B90}" destId="{2A6DB864-A4CE-4D17-AB80-E0574DAC3F55}" srcOrd="0" destOrd="0" presId="urn:microsoft.com/office/officeart/2008/layout/NameandTitleOrganizationalChart"/>
+    <dgm:cxn modelId="{6E24D420-28D2-47A5-801D-D33A59563CC7}" srcId="{126D38D1-9BA1-4FCB-BFDF-766C9B8FB9A4}" destId="{90AD41AC-4A99-4E97-8CD3-39BE4E0FF557}" srcOrd="1" destOrd="0" parTransId="{41D1DE9D-8EF3-4664-8A10-A84346945E96}" sibTransId="{728DB816-94F7-4F19-820F-A47F9E55169B}"/>
+    <dgm:cxn modelId="{F4360227-32BD-486B-9E49-13B23974CF4B}" type="presOf" srcId="{E0B30B38-B54D-45D7-83CC-7434FA406CED}" destId="{6C76E7DE-C1E2-422C-BC69-0CA918D8AC2E}" srcOrd="1" destOrd="0" presId="urn:microsoft.com/office/officeart/2008/layout/NameandTitleOrganizationalChart"/>
+    <dgm:cxn modelId="{0C4E9A28-31BB-4CD7-AE74-01FA15E90B3A}" srcId="{2788AB89-C2C8-4117-B0D6-99E4B66B2007}" destId="{075F1923-852E-41AF-B4C9-14749AA20E80}" srcOrd="0" destOrd="0" parTransId="{BB0AC03C-3029-4FAD-91E1-FAE2474BB477}" sibTransId="{AA79B2F7-4B64-41CB-A4E3-A937333B7293}"/>
+    <dgm:cxn modelId="{8462AA29-CAF9-4C86-81F2-33B3EB512962}" type="presOf" srcId="{EB4F46BA-5F16-4F25-BBB7-B9AC155EC88A}" destId="{693C0481-BC49-46F0-8DC9-1795B40D9432}" srcOrd="1" destOrd="0" presId="urn:microsoft.com/office/officeart/2008/layout/NameandTitleOrganizationalChart"/>
+    <dgm:cxn modelId="{C1711634-B010-4065-BAF6-8D3DCA3C84DD}" type="presOf" srcId="{F96C35E2-B1DE-481A-AACD-D00400B240A0}" destId="{060786D2-EF2E-4BE1-9B8C-CCCC9E5D7AF9}" srcOrd="1" destOrd="0" presId="urn:microsoft.com/office/officeart/2008/layout/NameandTitleOrganizationalChart"/>
+    <dgm:cxn modelId="{75740037-4C23-4B1E-8118-ED88869C6CD8}" srcId="{075F1923-852E-41AF-B4C9-14749AA20E80}" destId="{126D38D1-9BA1-4FCB-BFDF-766C9B8FB9A4}" srcOrd="1" destOrd="0" parTransId="{1885BCCE-46B5-4487-B740-1246EFE9C163}" sibTransId="{32A59951-E19E-477A-B47E-27BAE4428248}"/>
+    <dgm:cxn modelId="{62647337-FADF-4384-879A-712D2F5BD401}" type="presOf" srcId="{90AD41AC-4A99-4E97-8CD3-39BE4E0FF557}" destId="{A4DF345C-7292-4706-8824-A26E9B0C13CB}" srcOrd="0" destOrd="0" presId="urn:microsoft.com/office/officeart/2008/layout/NameandTitleOrganizationalChart"/>
+    <dgm:cxn modelId="{6009623E-32F1-43F3-B5B3-8F5B4C0AADBB}" type="presOf" srcId="{41D1DE9D-8EF3-4664-8A10-A84346945E96}" destId="{3A143933-947B-4C86-B5F5-13D5A0948300}" srcOrd="0" destOrd="0" presId="urn:microsoft.com/office/officeart/2008/layout/NameandTitleOrganizationalChart"/>
+    <dgm:cxn modelId="{3AD8C43F-378E-4307-9708-7525DDC01C51}" type="presOf" srcId="{126D38D1-9BA1-4FCB-BFDF-766C9B8FB9A4}" destId="{B739A0B9-8C96-46A3-95B4-E2406B756C57}" srcOrd="0" destOrd="0" presId="urn:microsoft.com/office/officeart/2008/layout/NameandTitleOrganizationalChart"/>
+    <dgm:cxn modelId="{F5716261-DD19-41CC-8CC3-962057F1EBD2}" type="presOf" srcId="{BA53613E-AA16-4DD9-A8EF-20BBD19E8051}" destId="{5DDD142B-72A3-45D5-A9B7-3585A6E905FF}" srcOrd="0" destOrd="0" presId="urn:microsoft.com/office/officeart/2008/layout/NameandTitleOrganizationalChart"/>
+    <dgm:cxn modelId="{12EF5D45-A576-46FB-AFE4-2F93828A3134}" srcId="{E0B30B38-B54D-45D7-83CC-7434FA406CED}" destId="{B0108C86-47A9-4CAD-A8EB-F7C919BF0470}" srcOrd="1" destOrd="0" parTransId="{87016C0E-818D-450A-AD95-4565160F9943}" sibTransId="{C7080914-819F-4015-A2B8-BDE5707A9578}"/>
+    <dgm:cxn modelId="{A858E649-F4CD-4103-9B0C-A5DF7E79F1E4}" type="presOf" srcId="{87016C0E-818D-450A-AD95-4565160F9943}" destId="{DA48BA67-5731-4545-B3C6-25B587420278}" srcOrd="0" destOrd="0" presId="urn:microsoft.com/office/officeart/2008/layout/NameandTitleOrganizationalChart"/>
+    <dgm:cxn modelId="{A4C2B34B-37BE-4C25-A018-F4F15EF84F01}" type="presOf" srcId="{C31DDA01-DB6F-4696-A1C7-3A44A0CD3A9C}" destId="{5BECACDE-5BCF-4986-95B5-59365B50DA65}" srcOrd="0" destOrd="0" presId="urn:microsoft.com/office/officeart/2008/layout/NameandTitleOrganizationalChart"/>
+    <dgm:cxn modelId="{17B9D34D-75AF-4323-A94B-9B3DBCD6F8C4}" srcId="{126D38D1-9BA1-4FCB-BFDF-766C9B8FB9A4}" destId="{504850D9-E224-4CE8-BA60-DB7CBB505385}" srcOrd="0" destOrd="0" parTransId="{A4C26D8A-F4FA-404C-8880-685858EE29BB}" sibTransId="{98C8E532-BFEE-435E-B100-1F8A777B4589}"/>
+    <dgm:cxn modelId="{C277744E-2844-489A-9BF5-9426DC11E150}" type="presOf" srcId="{B0108C86-47A9-4CAD-A8EB-F7C919BF0470}" destId="{2FEA2C8D-BB18-4F83-8050-610EF49AEA50}" srcOrd="1" destOrd="0" presId="urn:microsoft.com/office/officeart/2008/layout/NameandTitleOrganizationalChart"/>
+    <dgm:cxn modelId="{4B1BE14F-14C5-46C9-963D-2333CA29BCBB}" type="presOf" srcId="{32A59951-E19E-477A-B47E-27BAE4428248}" destId="{9383FCB4-4032-4D99-92EB-69B977B2DEDB}" srcOrd="0" destOrd="0" presId="urn:microsoft.com/office/officeart/2008/layout/NameandTitleOrganizationalChart"/>
+    <dgm:cxn modelId="{CB2CC150-4492-407F-AECD-FC4F5D6641BF}" type="presOf" srcId="{E0B30B38-B54D-45D7-83CC-7434FA406CED}" destId="{EB0D5483-9157-41E1-BC80-F9B0DD2A8186}" srcOrd="0" destOrd="0" presId="urn:microsoft.com/office/officeart/2008/layout/NameandTitleOrganizationalChart"/>
+    <dgm:cxn modelId="{C8EDF250-9A1D-4DF2-A848-AE4E7F0FCBBA}" type="presOf" srcId="{69D03E14-B154-4366-9117-7779CA02004E}" destId="{2872A6E3-09C6-4A56-9043-B6AC8340DB2F}" srcOrd="0" destOrd="0" presId="urn:microsoft.com/office/officeart/2008/layout/NameandTitleOrganizationalChart"/>
+    <dgm:cxn modelId="{7F037073-EAFD-498E-A98F-AD96BADCD028}" type="presOf" srcId="{7345AC91-AA2B-403F-87EC-826F9DAB112F}" destId="{A454E921-6580-43D9-94D5-C25650947C8F}" srcOrd="0" destOrd="0" presId="urn:microsoft.com/office/officeart/2008/layout/NameandTitleOrganizationalChart"/>
+    <dgm:cxn modelId="{46B4C678-8AA2-412B-A3D8-C642C3960A21}" type="presOf" srcId="{EB4F46BA-5F16-4F25-BBB7-B9AC155EC88A}" destId="{EE3AB86A-1397-411D-865F-211B93FB4C86}" srcOrd="0" destOrd="0" presId="urn:microsoft.com/office/officeart/2008/layout/NameandTitleOrganizationalChart"/>
+    <dgm:cxn modelId="{4360FF79-EC22-476E-B644-583D8A069FC8}" type="presOf" srcId="{075F1923-852E-41AF-B4C9-14749AA20E80}" destId="{84A30ABC-C172-4768-B401-40AC4F1B3FAA}" srcOrd="1" destOrd="0" presId="urn:microsoft.com/office/officeart/2008/layout/NameandTitleOrganizationalChart"/>
+    <dgm:cxn modelId="{33B2EC89-A7C4-498B-BB65-BC8F10848361}" type="presOf" srcId="{728DB816-94F7-4F19-820F-A47F9E55169B}" destId="{817C978D-ECB0-4B9C-BAC3-526324566CDA}" srcOrd="0" destOrd="0" presId="urn:microsoft.com/office/officeart/2008/layout/NameandTitleOrganizationalChart"/>
+    <dgm:cxn modelId="{B03A608A-DE43-4B37-A6C1-DC4130F9638B}" type="presOf" srcId="{B70E77C2-9192-41D2-8368-657C67AF2121}" destId="{909CE831-3B71-4B2D-84E2-D40DF0CB96C4}" srcOrd="0" destOrd="0" presId="urn:microsoft.com/office/officeart/2008/layout/NameandTitleOrganizationalChart"/>
+    <dgm:cxn modelId="{9A1B7092-7CC0-43C1-8D95-72B2E21BB4D7}" type="presOf" srcId="{1885BCCE-46B5-4487-B740-1246EFE9C163}" destId="{A73E227A-5FB1-440E-9B09-0B61CC54496E}" srcOrd="0" destOrd="0" presId="urn:microsoft.com/office/officeart/2008/layout/NameandTitleOrganizationalChart"/>
+    <dgm:cxn modelId="{6CA27497-E206-45D7-9433-CAA0CD4ED60B}" type="presOf" srcId="{90AD41AC-4A99-4E97-8CD3-39BE4E0FF557}" destId="{D98A92A7-1F9C-44A2-B64D-4B76407309CA}" srcOrd="1" destOrd="0" presId="urn:microsoft.com/office/officeart/2008/layout/NameandTitleOrganizationalChart"/>
+    <dgm:cxn modelId="{D82981B4-D11D-4676-90AA-B52D10E5A5BD}" type="presOf" srcId="{504850D9-E224-4CE8-BA60-DB7CBB505385}" destId="{F3C2F480-A50E-4471-B518-697F72BCE6FE}" srcOrd="0" destOrd="0" presId="urn:microsoft.com/office/officeart/2008/layout/NameandTitleOrganizationalChart"/>
+    <dgm:cxn modelId="{23749FB5-B4E0-4E0A-BF07-C7CD65311676}" type="presOf" srcId="{52C8B712-3295-4B35-AC8F-6ECB7D133B21}" destId="{969C9BCF-F73A-490F-B11E-4B3326D8750B}" srcOrd="0" destOrd="0" presId="urn:microsoft.com/office/officeart/2008/layout/NameandTitleOrganizationalChart"/>
+    <dgm:cxn modelId="{68DF0FBD-33B8-4172-9445-32E5FE61A65B}" type="presOf" srcId="{2788AB89-C2C8-4117-B0D6-99E4B66B2007}" destId="{47CA3087-CE20-4352-915C-FC23BCA1EBB4}" srcOrd="0" destOrd="0" presId="urn:microsoft.com/office/officeart/2008/layout/NameandTitleOrganizationalChart"/>
+    <dgm:cxn modelId="{984EF4BE-0A02-441C-A7E3-E24C4CE3D2F0}" type="presOf" srcId="{0EDDCD85-9175-446B-98B5-8B7FA6CC5760}" destId="{70B3F337-88AB-4CE7-B461-956557E8F11F}" srcOrd="0" destOrd="0" presId="urn:microsoft.com/office/officeart/2008/layout/NameandTitleOrganizationalChart"/>
+    <dgm:cxn modelId="{6ADBCDBF-D8A5-4AE8-A8CE-842792F3CA5F}" srcId="{075F1923-852E-41AF-B4C9-14749AA20E80}" destId="{E0B30B38-B54D-45D7-83CC-7434FA406CED}" srcOrd="0" destOrd="0" parTransId="{C31DDA01-DB6F-4696-A1C7-3A44A0CD3A9C}" sibTransId="{69D03E14-B154-4366-9117-7779CA02004E}"/>
+    <dgm:cxn modelId="{1DC89ACB-2B1A-4035-8C82-4578E02EFBA5}" type="presOf" srcId="{075F1923-852E-41AF-B4C9-14749AA20E80}" destId="{169548AE-1898-4AC2-B792-C4E42A5676EB}" srcOrd="0" destOrd="0" presId="urn:microsoft.com/office/officeart/2008/layout/NameandTitleOrganizationalChart"/>
+    <dgm:cxn modelId="{0293C9CF-1CD0-4EE2-83C8-3E293B37F93A}" srcId="{E0B30B38-B54D-45D7-83CC-7434FA406CED}" destId="{EB4F46BA-5F16-4F25-BBB7-B9AC155EC88A}" srcOrd="2" destOrd="0" parTransId="{7345AC91-AA2B-403F-87EC-826F9DAB112F}" sibTransId="{52C8B712-3295-4B35-AC8F-6ECB7D133B21}"/>
+    <dgm:cxn modelId="{1DDBD3DD-BBB2-49A2-AEFE-5C2249C235C7}" srcId="{E0B30B38-B54D-45D7-83CC-7434FA406CED}" destId="{CE20803D-483A-4162-BEB9-3A6F8F728ED5}" srcOrd="0" destOrd="0" parTransId="{ABE394DA-AEC3-4937-A976-03A15EA28B90}" sibTransId="{0EDDCD85-9175-446B-98B5-8B7FA6CC5760}"/>
+    <dgm:cxn modelId="{85C7EBE1-76C0-4CC9-B826-D12EB99198C0}" type="presOf" srcId="{F96C35E2-B1DE-481A-AACD-D00400B240A0}" destId="{6EC1F397-B3F8-4C35-8DF4-B898741D95A5}" srcOrd="0" destOrd="0" presId="urn:microsoft.com/office/officeart/2008/layout/NameandTitleOrganizationalChart"/>
+    <dgm:cxn modelId="{82D83FE8-2F3F-4388-9102-057077069D8A}" type="presOf" srcId="{B0108C86-47A9-4CAD-A8EB-F7C919BF0470}" destId="{312973CB-BD89-43B1-8293-A259C458DF7D}" srcOrd="0" destOrd="0" presId="urn:microsoft.com/office/officeart/2008/layout/NameandTitleOrganizationalChart"/>
+    <dgm:cxn modelId="{107EE9EB-B88A-47FD-BA0C-95E6AF5AEAC7}" type="presOf" srcId="{98C8E532-BFEE-435E-B100-1F8A777B4589}" destId="{1D1EC709-D9D6-44BC-86E1-26B52573F71C}" srcOrd="0" destOrd="0" presId="urn:microsoft.com/office/officeart/2008/layout/NameandTitleOrganizationalChart"/>
+    <dgm:cxn modelId="{A0A549EE-BFF0-4DE4-B1F8-8272A9A69CC0}" type="presOf" srcId="{C7080914-819F-4015-A2B8-BDE5707A9578}" destId="{4976B9E9-800E-4134-A5D5-6CAAC9A54064}" srcOrd="0" destOrd="0" presId="urn:microsoft.com/office/officeart/2008/layout/NameandTitleOrganizationalChart"/>
+    <dgm:cxn modelId="{0E7BE6FD-1CDB-400C-A945-4EB76B61939C}" type="presOf" srcId="{CE20803D-483A-4162-BEB9-3A6F8F728ED5}" destId="{935CFC4D-FA73-4B5E-8515-C9B19A2D2E63}" srcOrd="0" destOrd="0" presId="urn:microsoft.com/office/officeart/2008/layout/NameandTitleOrganizationalChart"/>
+    <dgm:cxn modelId="{182EAEC4-AC00-4598-BE7A-5C0E60DB0863}" type="presParOf" srcId="{47CA3087-CE20-4352-915C-FC23BCA1EBB4}" destId="{2C185D9C-DE4B-497E-9F11-C5CB1795A2EB}" srcOrd="0" destOrd="0" presId="urn:microsoft.com/office/officeart/2008/layout/NameandTitleOrganizationalChart"/>
+    <dgm:cxn modelId="{F6BD5D38-3AB8-4800-9E9B-0FF8D0192B1E}" type="presParOf" srcId="{2C185D9C-DE4B-497E-9F11-C5CB1795A2EB}" destId="{1E49B0E1-6DF3-4061-A5AC-AD1205CC0F71}" srcOrd="0" destOrd="0" presId="urn:microsoft.com/office/officeart/2008/layout/NameandTitleOrganizationalChart"/>
+    <dgm:cxn modelId="{3E4109B4-B5AF-488F-855A-6679DCD7C1D9}" type="presParOf" srcId="{1E49B0E1-6DF3-4061-A5AC-AD1205CC0F71}" destId="{169548AE-1898-4AC2-B792-C4E42A5676EB}" srcOrd="0" destOrd="0" presId="urn:microsoft.com/office/officeart/2008/layout/NameandTitleOrganizationalChart"/>
+    <dgm:cxn modelId="{7E308494-DCAF-44F5-8287-8AF42A2FED1F}" type="presParOf" srcId="{1E49B0E1-6DF3-4061-A5AC-AD1205CC0F71}" destId="{487AD69D-C21E-41DF-9879-F374E86A4B2B}" srcOrd="1" destOrd="0" presId="urn:microsoft.com/office/officeart/2008/layout/NameandTitleOrganizationalChart"/>
+    <dgm:cxn modelId="{F1B9EFD9-BAFE-4ACB-9FE9-52581DE60955}" type="presParOf" srcId="{1E49B0E1-6DF3-4061-A5AC-AD1205CC0F71}" destId="{84A30ABC-C172-4768-B401-40AC4F1B3FAA}" srcOrd="2" destOrd="0" presId="urn:microsoft.com/office/officeart/2008/layout/NameandTitleOrganizationalChart"/>
+    <dgm:cxn modelId="{32B02D0E-162A-4081-AF02-784A2769B12F}" type="presParOf" srcId="{2C185D9C-DE4B-497E-9F11-C5CB1795A2EB}" destId="{8E430552-0089-4A13-A16A-2B8ABC60E2E8}" srcOrd="1" destOrd="0" presId="urn:microsoft.com/office/officeart/2008/layout/NameandTitleOrganizationalChart"/>
+    <dgm:cxn modelId="{96AD4EC0-567F-46F0-A792-C556B78EEF7E}" type="presParOf" srcId="{8E430552-0089-4A13-A16A-2B8ABC60E2E8}" destId="{5BECACDE-5BCF-4986-95B5-59365B50DA65}" srcOrd="0" destOrd="0" presId="urn:microsoft.com/office/officeart/2008/layout/NameandTitleOrganizationalChart"/>
+    <dgm:cxn modelId="{65770827-7C69-4AD7-B2D2-1CCDABB5AA16}" type="presParOf" srcId="{8E430552-0089-4A13-A16A-2B8ABC60E2E8}" destId="{4CF1F645-6BA5-472C-99C7-C52C35122C8F}" srcOrd="1" destOrd="0" presId="urn:microsoft.com/office/officeart/2008/layout/NameandTitleOrganizationalChart"/>
+    <dgm:cxn modelId="{301A5EB0-C2F9-44B4-86D0-250958D95AA6}" type="presParOf" srcId="{4CF1F645-6BA5-472C-99C7-C52C35122C8F}" destId="{66492592-647B-43B5-8F18-39A1EF331C93}" srcOrd="0" destOrd="0" presId="urn:microsoft.com/office/officeart/2008/layout/NameandTitleOrganizationalChart"/>
+    <dgm:cxn modelId="{6B315F8E-33A9-4F8E-B2CD-19993E223196}" type="presParOf" srcId="{66492592-647B-43B5-8F18-39A1EF331C93}" destId="{EB0D5483-9157-41E1-BC80-F9B0DD2A8186}" srcOrd="0" destOrd="0" presId="urn:microsoft.com/office/officeart/2008/layout/NameandTitleOrganizationalChart"/>
+    <dgm:cxn modelId="{B52A5C14-F987-4736-9A9D-6C0CD0CC7622}" type="presParOf" srcId="{66492592-647B-43B5-8F18-39A1EF331C93}" destId="{2872A6E3-09C6-4A56-9043-B6AC8340DB2F}" srcOrd="1" destOrd="0" presId="urn:microsoft.com/office/officeart/2008/layout/NameandTitleOrganizationalChart"/>
+    <dgm:cxn modelId="{A2F41862-BC8D-4E7A-8583-AD1ADDCD2706}" type="presParOf" srcId="{66492592-647B-43B5-8F18-39A1EF331C93}" destId="{6C76E7DE-C1E2-422C-BC69-0CA918D8AC2E}" srcOrd="2" destOrd="0" presId="urn:microsoft.com/office/officeart/2008/layout/NameandTitleOrganizationalChart"/>
+    <dgm:cxn modelId="{18909B2E-B59A-4522-BBAD-76676EF37467}" type="presParOf" srcId="{4CF1F645-6BA5-472C-99C7-C52C35122C8F}" destId="{D92C4996-DE5C-42E0-8A5B-0F9DAD710115}" srcOrd="1" destOrd="0" presId="urn:microsoft.com/office/officeart/2008/layout/NameandTitleOrganizationalChart"/>
+    <dgm:cxn modelId="{5670EDC8-F26B-401B-954E-75170E89F665}" type="presParOf" srcId="{D92C4996-DE5C-42E0-8A5B-0F9DAD710115}" destId="{2A6DB864-A4CE-4D17-AB80-E0574DAC3F55}" srcOrd="0" destOrd="0" presId="urn:microsoft.com/office/officeart/2008/layout/NameandTitleOrganizationalChart"/>
+    <dgm:cxn modelId="{E076315D-08FB-4435-9FF7-457C28AD72AC}" type="presParOf" srcId="{D92C4996-DE5C-42E0-8A5B-0F9DAD710115}" destId="{A7CFC22C-4694-423C-8D24-5B95B65C1D4D}" srcOrd="1" destOrd="0" presId="urn:microsoft.com/office/officeart/2008/layout/NameandTitleOrganizationalChart"/>
+    <dgm:cxn modelId="{D834A89D-ED29-4C97-9714-6D5865D4264A}" type="presParOf" srcId="{A7CFC22C-4694-423C-8D24-5B95B65C1D4D}" destId="{6D0E6168-E491-4AED-B7D5-2ECA47D66558}" srcOrd="0" destOrd="0" presId="urn:microsoft.com/office/officeart/2008/layout/NameandTitleOrganizationalChart"/>
+    <dgm:cxn modelId="{4AEBFB06-1D6A-41E1-95E6-F8F04399A981}" type="presParOf" srcId="{6D0E6168-E491-4AED-B7D5-2ECA47D66558}" destId="{935CFC4D-FA73-4B5E-8515-C9B19A2D2E63}" srcOrd="0" destOrd="0" presId="urn:microsoft.com/office/officeart/2008/layout/NameandTitleOrganizationalChart"/>
+    <dgm:cxn modelId="{6B3E0940-5AFA-41AB-A4FF-E27427A4B51A}" type="presParOf" srcId="{6D0E6168-E491-4AED-B7D5-2ECA47D66558}" destId="{70B3F337-88AB-4CE7-B461-956557E8F11F}" srcOrd="1" destOrd="0" presId="urn:microsoft.com/office/officeart/2008/layout/NameandTitleOrganizationalChart"/>
+    <dgm:cxn modelId="{DB7B9BB3-D17B-45A6-9BD6-1FB7B7E2E4E8}" type="presParOf" srcId="{6D0E6168-E491-4AED-B7D5-2ECA47D66558}" destId="{F854ECF6-738F-43D5-9042-B3148DE1E725}" srcOrd="2" destOrd="0" presId="urn:microsoft.com/office/officeart/2008/layout/NameandTitleOrganizationalChart"/>
+    <dgm:cxn modelId="{87BE0F22-49A7-4F3C-AD8A-DF6BB4D6561A}" type="presParOf" srcId="{A7CFC22C-4694-423C-8D24-5B95B65C1D4D}" destId="{C8CF429B-7B9A-49D9-9B87-E081C1D33F6E}" srcOrd="1" destOrd="0" presId="urn:microsoft.com/office/officeart/2008/layout/NameandTitleOrganizationalChart"/>
+    <dgm:cxn modelId="{28BCE209-B5AF-4C0B-95CE-02A04B8EB8CE}" type="presParOf" srcId="{A7CFC22C-4694-423C-8D24-5B95B65C1D4D}" destId="{A6D69DD8-5EF6-452D-B5D5-EEB79F5BD76C}" srcOrd="2" destOrd="0" presId="urn:microsoft.com/office/officeart/2008/layout/NameandTitleOrganizationalChart"/>
+    <dgm:cxn modelId="{2605C122-5CF3-4AB5-B8B0-B6CE8B94D616}" type="presParOf" srcId="{D92C4996-DE5C-42E0-8A5B-0F9DAD710115}" destId="{DA48BA67-5731-4545-B3C6-25B587420278}" srcOrd="2" destOrd="0" presId="urn:microsoft.com/office/officeart/2008/layout/NameandTitleOrganizationalChart"/>
+    <dgm:cxn modelId="{DBE97B02-AC54-4EF9-A788-7C5DD40797AF}" type="presParOf" srcId="{D92C4996-DE5C-42E0-8A5B-0F9DAD710115}" destId="{DC292002-902F-4B87-88E8-5E7930025D78}" srcOrd="3" destOrd="0" presId="urn:microsoft.com/office/officeart/2008/layout/NameandTitleOrganizationalChart"/>
+    <dgm:cxn modelId="{397F59EB-209D-4D50-AA28-2F0BD88DB866}" type="presParOf" srcId="{DC292002-902F-4B87-88E8-5E7930025D78}" destId="{5A74C3F7-BA76-4468-A80F-51B5EC5A1D47}" srcOrd="0" destOrd="0" presId="urn:microsoft.com/office/officeart/2008/layout/NameandTitleOrganizationalChart"/>
+    <dgm:cxn modelId="{8C04BD28-844C-4A3C-8FA2-65F568476F32}" type="presParOf" srcId="{5A74C3F7-BA76-4468-A80F-51B5EC5A1D47}" destId="{312973CB-BD89-43B1-8293-A259C458DF7D}" srcOrd="0" destOrd="0" presId="urn:microsoft.com/office/officeart/2008/layout/NameandTitleOrganizationalChart"/>
+    <dgm:cxn modelId="{CE8E37B3-08C3-48B8-8C26-413C6CC78E5B}" type="presParOf" srcId="{5A74C3F7-BA76-4468-A80F-51B5EC5A1D47}" destId="{4976B9E9-800E-4134-A5D5-6CAAC9A54064}" srcOrd="1" destOrd="0" presId="urn:microsoft.com/office/officeart/2008/layout/NameandTitleOrganizationalChart"/>
+    <dgm:cxn modelId="{2E35715C-6A4E-4340-8291-3DDDAEA944AE}" type="presParOf" srcId="{5A74C3F7-BA76-4468-A80F-51B5EC5A1D47}" destId="{2FEA2C8D-BB18-4F83-8050-610EF49AEA50}" srcOrd="2" destOrd="0" presId="urn:microsoft.com/office/officeart/2008/layout/NameandTitleOrganizationalChart"/>
+    <dgm:cxn modelId="{660791B3-3895-4FED-BDE7-4042A2B0C528}" type="presParOf" srcId="{DC292002-902F-4B87-88E8-5E7930025D78}" destId="{3C581DE0-66AC-49E8-A51D-C560DD3DF441}" srcOrd="1" destOrd="0" presId="urn:microsoft.com/office/officeart/2008/layout/NameandTitleOrganizationalChart"/>
+    <dgm:cxn modelId="{8E27586D-1E79-4416-B952-EFF6632B8565}" type="presParOf" srcId="{DC292002-902F-4B87-88E8-5E7930025D78}" destId="{2F73759E-7F9E-418B-A943-BB3190ED279F}" srcOrd="2" destOrd="0" presId="urn:microsoft.com/office/officeart/2008/layout/NameandTitleOrganizationalChart"/>
+    <dgm:cxn modelId="{0C3CF472-A7A0-4433-AAF2-A3A6A137EF84}" type="presParOf" srcId="{D92C4996-DE5C-42E0-8A5B-0F9DAD710115}" destId="{A454E921-6580-43D9-94D5-C25650947C8F}" srcOrd="4" destOrd="0" presId="urn:microsoft.com/office/officeart/2008/layout/NameandTitleOrganizationalChart"/>
+    <dgm:cxn modelId="{E5EED2C7-5684-4AB4-AC42-8E70158371EE}" type="presParOf" srcId="{D92C4996-DE5C-42E0-8A5B-0F9DAD710115}" destId="{A744524A-304E-4EA0-9DC3-EAC87D5BD49E}" srcOrd="5" destOrd="0" presId="urn:microsoft.com/office/officeart/2008/layout/NameandTitleOrganizationalChart"/>
+    <dgm:cxn modelId="{94C03AD0-9EA4-4D2D-8BEF-61B36E97595F}" type="presParOf" srcId="{A744524A-304E-4EA0-9DC3-EAC87D5BD49E}" destId="{B9FF4FE6-3C30-4E05-84D8-CF3476F09A84}" srcOrd="0" destOrd="0" presId="urn:microsoft.com/office/officeart/2008/layout/NameandTitleOrganizationalChart"/>
+    <dgm:cxn modelId="{7B7FF0E5-26A1-47F5-9B14-25015F645B62}" type="presParOf" srcId="{B9FF4FE6-3C30-4E05-84D8-CF3476F09A84}" destId="{EE3AB86A-1397-411D-865F-211B93FB4C86}" srcOrd="0" destOrd="0" presId="urn:microsoft.com/office/officeart/2008/layout/NameandTitleOrganizationalChart"/>
+    <dgm:cxn modelId="{2B69604C-3AD3-49AA-A308-39E00306C30E}" type="presParOf" srcId="{B9FF4FE6-3C30-4E05-84D8-CF3476F09A84}" destId="{969C9BCF-F73A-490F-B11E-4B3326D8750B}" srcOrd="1" destOrd="0" presId="urn:microsoft.com/office/officeart/2008/layout/NameandTitleOrganizationalChart"/>
+    <dgm:cxn modelId="{687A789C-6ABC-4307-97BE-4A5AA740D91B}" type="presParOf" srcId="{B9FF4FE6-3C30-4E05-84D8-CF3476F09A84}" destId="{693C0481-BC49-46F0-8DC9-1795B40D9432}" srcOrd="2" destOrd="0" presId="urn:microsoft.com/office/officeart/2008/layout/NameandTitleOrganizationalChart"/>
+    <dgm:cxn modelId="{74FEC1D8-0367-42CC-B3A7-3DE140F03CA5}" type="presParOf" srcId="{A744524A-304E-4EA0-9DC3-EAC87D5BD49E}" destId="{DC91C2E4-6CE6-40FE-AC7D-E444E70D0107}" srcOrd="1" destOrd="0" presId="urn:microsoft.com/office/officeart/2008/layout/NameandTitleOrganizationalChart"/>
+    <dgm:cxn modelId="{FF8017D2-8C0D-4621-808D-FAF7439E5376}" type="presParOf" srcId="{A744524A-304E-4EA0-9DC3-EAC87D5BD49E}" destId="{82A5630A-E7A6-4FCD-8CF4-9890BAD8DA74}" srcOrd="2" destOrd="0" presId="urn:microsoft.com/office/officeart/2008/layout/NameandTitleOrganizationalChart"/>
+    <dgm:cxn modelId="{3251476B-57F7-4DA2-941F-AC55A421EFCA}" type="presParOf" srcId="{4CF1F645-6BA5-472C-99C7-C52C35122C8F}" destId="{EE2E77E0-18D5-400B-A0A9-F0D12AD88A04}" srcOrd="2" destOrd="0" presId="urn:microsoft.com/office/officeart/2008/layout/NameandTitleOrganizationalChart"/>
+    <dgm:cxn modelId="{57FFC8F8-5A39-474C-80A2-02EC2B1366ED}" type="presParOf" srcId="{8E430552-0089-4A13-A16A-2B8ABC60E2E8}" destId="{A73E227A-5FB1-440E-9B09-0B61CC54496E}" srcOrd="2" destOrd="0" presId="urn:microsoft.com/office/officeart/2008/layout/NameandTitleOrganizationalChart"/>
+    <dgm:cxn modelId="{6B98DE5E-86CF-4919-BEE8-96DB5A6FE1C5}" type="presParOf" srcId="{8E430552-0089-4A13-A16A-2B8ABC60E2E8}" destId="{08F985C6-6512-47D8-A676-66C12E22D2F1}" srcOrd="3" destOrd="0" presId="urn:microsoft.com/office/officeart/2008/layout/NameandTitleOrganizationalChart"/>
+    <dgm:cxn modelId="{5AEE5268-766D-4B51-B139-2318142A80AF}" type="presParOf" srcId="{08F985C6-6512-47D8-A676-66C12E22D2F1}" destId="{479851FD-AB8B-4B07-82B9-A7798917F580}" srcOrd="0" destOrd="0" presId="urn:microsoft.com/office/officeart/2008/layout/NameandTitleOrganizationalChart"/>
+    <dgm:cxn modelId="{D4451B6C-4D46-4766-8CA9-4F6D8CCACF5C}" type="presParOf" srcId="{479851FD-AB8B-4B07-82B9-A7798917F580}" destId="{B739A0B9-8C96-46A3-95B4-E2406B756C57}" srcOrd="0" destOrd="0" presId="urn:microsoft.com/office/officeart/2008/layout/NameandTitleOrganizationalChart"/>
+    <dgm:cxn modelId="{5134A3BC-44D7-43A5-9436-5317B46E3CBC}" type="presParOf" srcId="{479851FD-AB8B-4B07-82B9-A7798917F580}" destId="{9383FCB4-4032-4D99-92EB-69B977B2DEDB}" srcOrd="1" destOrd="0" presId="urn:microsoft.com/office/officeart/2008/layout/NameandTitleOrganizationalChart"/>
+    <dgm:cxn modelId="{AC50015E-4017-4EC7-9C6B-2DBDEC6CA222}" type="presParOf" srcId="{479851FD-AB8B-4B07-82B9-A7798917F580}" destId="{EB58BDC4-BF06-45C5-A67B-9F05C584ECD8}" srcOrd="2" destOrd="0" presId="urn:microsoft.com/office/officeart/2008/layout/NameandTitleOrganizationalChart"/>
+    <dgm:cxn modelId="{641611BB-2440-49EE-8A2E-A296D5DB9EA1}" type="presParOf" srcId="{08F985C6-6512-47D8-A676-66C12E22D2F1}" destId="{ADA9429D-58E7-4B55-A21B-DE0A705A4C31}" srcOrd="1" destOrd="0" presId="urn:microsoft.com/office/officeart/2008/layout/NameandTitleOrganizationalChart"/>
+    <dgm:cxn modelId="{0B6096DB-1AD4-4642-8202-3190F7C8AC90}" type="presParOf" srcId="{ADA9429D-58E7-4B55-A21B-DE0A705A4C31}" destId="{4F374728-3A3D-4F03-BA59-6E78B1A4CE02}" srcOrd="0" destOrd="0" presId="urn:microsoft.com/office/officeart/2008/layout/NameandTitleOrganizationalChart"/>
+    <dgm:cxn modelId="{B42B8F86-361A-4BD2-8DA6-998BD220B7FD}" type="presParOf" srcId="{ADA9429D-58E7-4B55-A21B-DE0A705A4C31}" destId="{D434C675-AEFA-4322-AE56-318C215EA57C}" srcOrd="1" destOrd="0" presId="urn:microsoft.com/office/officeart/2008/layout/NameandTitleOrganizationalChart"/>
+    <dgm:cxn modelId="{BEFD93C3-E57B-4D1C-BB12-BBB8F726D5D2}" type="presParOf" srcId="{D434C675-AEFA-4322-AE56-318C215EA57C}" destId="{912A7EB5-620E-4A19-AD6C-0659DFBD9D47}" srcOrd="0" destOrd="0" presId="urn:microsoft.com/office/officeart/2008/layout/NameandTitleOrganizationalChart"/>
+    <dgm:cxn modelId="{C70DBE43-F7C6-416C-8C1E-079B1052337C}" type="presParOf" srcId="{912A7EB5-620E-4A19-AD6C-0659DFBD9D47}" destId="{F3C2F480-A50E-4471-B518-697F72BCE6FE}" srcOrd="0" destOrd="0" presId="urn:microsoft.com/office/officeart/2008/layout/NameandTitleOrganizationalChart"/>
+    <dgm:cxn modelId="{C4C53FAC-F288-48E4-BBA8-B6D066EF43A4}" type="presParOf" srcId="{912A7EB5-620E-4A19-AD6C-0659DFBD9D47}" destId="{1D1EC709-D9D6-44BC-86E1-26B52573F71C}" srcOrd="1" destOrd="0" presId="urn:microsoft.com/office/officeart/2008/layout/NameandTitleOrganizationalChart"/>
+    <dgm:cxn modelId="{9CCC661B-626D-4F0D-B0A1-D38930C99AD9}" type="presParOf" srcId="{912A7EB5-620E-4A19-AD6C-0659DFBD9D47}" destId="{DCEA0904-73B4-443A-88C6-0BBD7B456290}" srcOrd="2" destOrd="0" presId="urn:microsoft.com/office/officeart/2008/layout/NameandTitleOrganizationalChart"/>
+    <dgm:cxn modelId="{D71E1FA8-60F0-4CFB-9366-047FC457B5E7}" type="presParOf" srcId="{D434C675-AEFA-4322-AE56-318C215EA57C}" destId="{9845E683-4A86-4C1F-A1A0-DB5B686059C6}" srcOrd="1" destOrd="0" presId="urn:microsoft.com/office/officeart/2008/layout/NameandTitleOrganizationalChart"/>
+    <dgm:cxn modelId="{33234219-10F9-4CA0-B4BB-B8A3CD882CB4}" type="presParOf" srcId="{D434C675-AEFA-4322-AE56-318C215EA57C}" destId="{0AE48F6F-4658-4091-9DD6-83ECEEE3FDFE}" srcOrd="2" destOrd="0" presId="urn:microsoft.com/office/officeart/2008/layout/NameandTitleOrganizationalChart"/>
+    <dgm:cxn modelId="{37C70DB9-16AB-49EE-98C3-2D2D323A7DDC}" type="presParOf" srcId="{ADA9429D-58E7-4B55-A21B-DE0A705A4C31}" destId="{3A143933-947B-4C86-B5F5-13D5A0948300}" srcOrd="2" destOrd="0" presId="urn:microsoft.com/office/officeart/2008/layout/NameandTitleOrganizationalChart"/>
+    <dgm:cxn modelId="{1FC166AF-79A6-4CB1-ACC8-2F154380E840}" type="presParOf" srcId="{ADA9429D-58E7-4B55-A21B-DE0A705A4C31}" destId="{06675A7B-AC28-4F39-8FF2-BCBD3BF160B5}" srcOrd="3" destOrd="0" presId="urn:microsoft.com/office/officeart/2008/layout/NameandTitleOrganizationalChart"/>
+    <dgm:cxn modelId="{32BC4E78-5CD1-4DA4-98D3-5C16A3265647}" type="presParOf" srcId="{06675A7B-AC28-4F39-8FF2-BCBD3BF160B5}" destId="{BB4127B2-DFBC-4891-985E-4B3AACE735B8}" srcOrd="0" destOrd="0" presId="urn:microsoft.com/office/officeart/2008/layout/NameandTitleOrganizationalChart"/>
+    <dgm:cxn modelId="{7D593AF2-52BF-40BF-B581-7F26B3589322}" type="presParOf" srcId="{BB4127B2-DFBC-4891-985E-4B3AACE735B8}" destId="{A4DF345C-7292-4706-8824-A26E9B0C13CB}" srcOrd="0" destOrd="0" presId="urn:microsoft.com/office/officeart/2008/layout/NameandTitleOrganizationalChart"/>
+    <dgm:cxn modelId="{AC50022B-A84B-4CB3-B27B-3168ADA8BE98}" type="presParOf" srcId="{BB4127B2-DFBC-4891-985E-4B3AACE735B8}" destId="{817C978D-ECB0-4B9C-BAC3-526324566CDA}" srcOrd="1" destOrd="0" presId="urn:microsoft.com/office/officeart/2008/layout/NameandTitleOrganizationalChart"/>
+    <dgm:cxn modelId="{D043C437-3B3A-46A7-B196-36AE9B159EF8}" type="presParOf" srcId="{BB4127B2-DFBC-4891-985E-4B3AACE735B8}" destId="{D98A92A7-1F9C-44A2-B64D-4B76407309CA}" srcOrd="2" destOrd="0" presId="urn:microsoft.com/office/officeart/2008/layout/NameandTitleOrganizationalChart"/>
+    <dgm:cxn modelId="{CECCD596-8CBC-4762-A334-1FE8A479B851}" type="presParOf" srcId="{06675A7B-AC28-4F39-8FF2-BCBD3BF160B5}" destId="{8981251E-F84C-4889-8C19-F8F40AD41E4A}" srcOrd="1" destOrd="0" presId="urn:microsoft.com/office/officeart/2008/layout/NameandTitleOrganizationalChart"/>
+    <dgm:cxn modelId="{508B5910-B77E-4FA0-B779-97677FD16E15}" type="presParOf" srcId="{06675A7B-AC28-4F39-8FF2-BCBD3BF160B5}" destId="{A8D60EEA-DF59-4987-8CE8-98E6BE27A80C}" srcOrd="2" destOrd="0" presId="urn:microsoft.com/office/officeart/2008/layout/NameandTitleOrganizationalChart"/>
+    <dgm:cxn modelId="{BC3AB9D3-127A-4C92-8BAE-9442E6FD2735}" type="presParOf" srcId="{ADA9429D-58E7-4B55-A21B-DE0A705A4C31}" destId="{909CE831-3B71-4B2D-84E2-D40DF0CB96C4}" srcOrd="4" destOrd="0" presId="urn:microsoft.com/office/officeart/2008/layout/NameandTitleOrganizationalChart"/>
+    <dgm:cxn modelId="{84E6E113-BC33-4442-B651-283783234398}" type="presParOf" srcId="{ADA9429D-58E7-4B55-A21B-DE0A705A4C31}" destId="{8FAA2899-E989-4A07-924B-1CEF8B29963B}" srcOrd="5" destOrd="0" presId="urn:microsoft.com/office/officeart/2008/layout/NameandTitleOrganizationalChart"/>
+    <dgm:cxn modelId="{A80C0C2F-111F-494E-B963-CC711FA72E92}" type="presParOf" srcId="{8FAA2899-E989-4A07-924B-1CEF8B29963B}" destId="{25F95972-A52D-4CCC-B8A5-FD29A205A600}" srcOrd="0" destOrd="0" presId="urn:microsoft.com/office/officeart/2008/layout/NameandTitleOrganizationalChart"/>
+    <dgm:cxn modelId="{35C7910B-1580-4D47-9C4A-11C89C15D98F}" type="presParOf" srcId="{25F95972-A52D-4CCC-B8A5-FD29A205A600}" destId="{6EC1F397-B3F8-4C35-8DF4-B898741D95A5}" srcOrd="0" destOrd="0" presId="urn:microsoft.com/office/officeart/2008/layout/NameandTitleOrganizationalChart"/>
+    <dgm:cxn modelId="{20694374-4686-455C-B20C-38D736273BCC}" type="presParOf" srcId="{25F95972-A52D-4CCC-B8A5-FD29A205A600}" destId="{5DDD142B-72A3-45D5-A9B7-3585A6E905FF}" srcOrd="1" destOrd="0" presId="urn:microsoft.com/office/officeart/2008/layout/NameandTitleOrganizationalChart"/>
+    <dgm:cxn modelId="{9E217648-9BAE-4A8D-A8B6-BB6A85281DCB}" type="presParOf" srcId="{25F95972-A52D-4CCC-B8A5-FD29A205A600}" destId="{060786D2-EF2E-4BE1-9B8C-CCCC9E5D7AF9}" srcOrd="2" destOrd="0" presId="urn:microsoft.com/office/officeart/2008/layout/NameandTitleOrganizationalChart"/>
+    <dgm:cxn modelId="{9A4BAE7C-609B-4F4D-A62E-27A9E79C5479}" type="presParOf" srcId="{8FAA2899-E989-4A07-924B-1CEF8B29963B}" destId="{9B9E6624-D387-48E8-8E63-9A93D95B2E4A}" srcOrd="1" destOrd="0" presId="urn:microsoft.com/office/officeart/2008/layout/NameandTitleOrganizationalChart"/>
+    <dgm:cxn modelId="{3201F098-D48F-45BD-BD5F-01788D7D5A14}" type="presParOf" srcId="{8FAA2899-E989-4A07-924B-1CEF8B29963B}" destId="{572CC9B5-B865-43C2-8258-BB2BB709851B}" srcOrd="2" destOrd="0" presId="urn:microsoft.com/office/officeart/2008/layout/NameandTitleOrganizationalChart"/>
+    <dgm:cxn modelId="{E7C74328-3F59-45CF-9316-842124E28A7A}" type="presParOf" srcId="{08F985C6-6512-47D8-A676-66C12E22D2F1}" destId="{6FC06E84-367A-4634-912C-A5742E56950F}" srcOrd="2" destOrd="0" presId="urn:microsoft.com/office/officeart/2008/layout/NameandTitleOrganizationalChart"/>
+    <dgm:cxn modelId="{5866B69C-7BAE-4A2F-924A-59A9E089AC9D}" type="presParOf" srcId="{2C185D9C-DE4B-497E-9F11-C5CB1795A2EB}" destId="{2EC38AB8-2109-405B-8C79-C32CE1E55F3B}" srcOrd="2" destOrd="0" presId="urn:microsoft.com/office/officeart/2008/layout/NameandTitleOrganizationalChart"/>
+  </dgm:cxnLst>
+  <dgm:bg/>
+  <dgm:whole/>
+  <dgm:extLst>
+    <a:ext uri="http://schemas.microsoft.com/office/drawing/2008/diagram">
+      <dsp:dataModelExt xmlns:dsp="http://schemas.microsoft.com/office/drawing/2008/diagram" relId="rId7" minVer="http://schemas.openxmlformats.org/drawingml/2006/diagram"/>
     </a:ext>
   </dgm:extLst>
 </dgm:dataModel>
@@ -4005,7 +6077,7 @@
               <a:latin typeface="SimSun-ExtB" panose="02010609060101010101" pitchFamily="49" charset="-122"/>
               <a:ea typeface="SimSun-ExtB" panose="02010609060101010101" pitchFamily="49" charset="-122"/>
             </a:rPr>
-            <a:t>谱成分分解</a:t>
+            <a:t>谱成分</a:t>
           </a:r>
           <a:endParaRPr lang="en-US" sz="1400" kern="1200" dirty="0">
             <a:solidFill>
@@ -4047,6 +6119,1836 @@
           <a:solidFill>
             <a:schemeClr val="tx1"/>
           </a:solidFill>
+          <a:prstDash val="solid"/>
+          <a:miter lim="800000"/>
+        </a:ln>
+        <a:effectLst/>
+      </dsp:spPr>
+      <dsp:style>
+        <a:lnRef idx="2">
+          <a:scrgbClr r="0" g="0" b="0"/>
+        </a:lnRef>
+        <a:fillRef idx="1">
+          <a:scrgbClr r="0" g="0" b="0"/>
+        </a:fillRef>
+        <a:effectRef idx="0">
+          <a:scrgbClr r="0" g="0" b="0"/>
+        </a:effectRef>
+        <a:fontRef idx="minor"/>
+      </dsp:style>
+      <dsp:txBody>
+        <a:bodyPr spcFirstLastPara="0" vert="horz" wrap="square" lIns="27940" tIns="6985" rIns="27940" bIns="6985" numCol="1" spcCol="1270" anchor="ctr" anchorCtr="0">
+          <a:noAutofit/>
+        </a:bodyPr>
+        <a:lstStyle/>
+        <a:p>
+          <a:pPr marL="0" lvl="0" indent="0" algn="ctr" defTabSz="488950">
+            <a:lnSpc>
+              <a:spcPct val="90000"/>
+            </a:lnSpc>
+            <a:spcBef>
+              <a:spcPct val="0"/>
+            </a:spcBef>
+            <a:spcAft>
+              <a:spcPct val="35000"/>
+            </a:spcAft>
+            <a:buNone/>
+          </a:pPr>
+          <a:r>
+            <a:rPr lang="zh-CN" altLang="en-US" sz="1100" kern="1200" dirty="0"/>
+            <a:t>第七章</a:t>
+          </a:r>
+          <a:endParaRPr lang="en-US" sz="1100" kern="1200" dirty="0"/>
+        </a:p>
+      </dsp:txBody>
+      <dsp:txXfrm>
+        <a:off x="8184640" y="3801317"/>
+        <a:ext cx="1054535" cy="202219"/>
+      </dsp:txXfrm>
+    </dsp:sp>
+  </dsp:spTree>
+</dsp:drawing>
+</file>
+
+<file path=ppt/diagrams/drawing2.xml><?xml version="1.0" encoding="utf-8"?>
+<dsp:drawing xmlns:dgm="http://schemas.openxmlformats.org/drawingml/2006/diagram" xmlns:dsp="http://schemas.microsoft.com/office/drawing/2008/diagram" xmlns:a="http://schemas.openxmlformats.org/drawingml/2006/main">
+  <dsp:spTree>
+    <dsp:nvGrpSpPr>
+      <dsp:cNvPr id="0" name=""/>
+      <dsp:cNvGrpSpPr/>
+    </dsp:nvGrpSpPr>
+    <dsp:grpSpPr/>
+    <dsp:sp modelId="{909CE831-3B71-4B2D-84E2-D40DF0CB96C4}">
+      <dsp:nvSpPr>
+        <dsp:cNvPr id="0" name=""/>
+        <dsp:cNvSpPr/>
+      </dsp:nvSpPr>
+      <dsp:spPr>
+        <a:xfrm>
+          <a:off x="6964168" y="2978959"/>
+          <a:ext cx="1571983" cy="350513"/>
+        </a:xfrm>
+        <a:custGeom>
+          <a:avLst/>
+          <a:gdLst/>
+          <a:ahLst/>
+          <a:cxnLst/>
+          <a:rect l="0" t="0" r="0" b="0"/>
+          <a:pathLst>
+            <a:path>
+              <a:moveTo>
+                <a:pt x="0" y="0"/>
+              </a:moveTo>
+              <a:lnTo>
+                <a:pt x="0" y="208959"/>
+              </a:lnTo>
+              <a:lnTo>
+                <a:pt x="1571983" y="208959"/>
+              </a:lnTo>
+              <a:lnTo>
+                <a:pt x="1571983" y="350513"/>
+              </a:lnTo>
+            </a:path>
+          </a:pathLst>
+        </a:custGeom>
+        <a:noFill/>
+        <a:ln w="12700" cap="flat" cmpd="sng" algn="ctr">
+          <a:solidFill>
+            <a:schemeClr val="tx1"/>
+          </a:solidFill>
+          <a:prstDash val="solid"/>
+          <a:miter lim="800000"/>
+        </a:ln>
+        <a:effectLst/>
+      </dsp:spPr>
+      <dsp:style>
+        <a:lnRef idx="2">
+          <a:scrgbClr r="0" g="0" b="0"/>
+        </a:lnRef>
+        <a:fillRef idx="0">
+          <a:scrgbClr r="0" g="0" b="0"/>
+        </a:fillRef>
+        <a:effectRef idx="0">
+          <a:scrgbClr r="0" g="0" b="0"/>
+        </a:effectRef>
+        <a:fontRef idx="minor"/>
+      </dsp:style>
+    </dsp:sp>
+    <dsp:sp modelId="{3A143933-947B-4C86-B5F5-13D5A0948300}">
+      <dsp:nvSpPr>
+        <dsp:cNvPr id="0" name=""/>
+        <dsp:cNvSpPr/>
+      </dsp:nvSpPr>
+      <dsp:spPr>
+        <a:xfrm>
+          <a:off x="6918448" y="2978959"/>
+          <a:ext cx="91440" cy="350513"/>
+        </a:xfrm>
+        <a:custGeom>
+          <a:avLst/>
+          <a:gdLst/>
+          <a:ahLst/>
+          <a:cxnLst/>
+          <a:rect l="0" t="0" r="0" b="0"/>
+          <a:pathLst>
+            <a:path>
+              <a:moveTo>
+                <a:pt x="45720" y="0"/>
+              </a:moveTo>
+              <a:lnTo>
+                <a:pt x="45720" y="350513"/>
+              </a:lnTo>
+            </a:path>
+          </a:pathLst>
+        </a:custGeom>
+        <a:noFill/>
+        <a:ln w="12700" cap="flat" cmpd="sng" algn="ctr">
+          <a:solidFill>
+            <a:schemeClr val="tx1"/>
+          </a:solidFill>
+          <a:prstDash val="solid"/>
+          <a:miter lim="800000"/>
+        </a:ln>
+        <a:effectLst/>
+      </dsp:spPr>
+      <dsp:style>
+        <a:lnRef idx="2">
+          <a:scrgbClr r="0" g="0" b="0"/>
+        </a:lnRef>
+        <a:fillRef idx="0">
+          <a:scrgbClr r="0" g="0" b="0"/>
+        </a:fillRef>
+        <a:effectRef idx="0">
+          <a:scrgbClr r="0" g="0" b="0"/>
+        </a:effectRef>
+        <a:fontRef idx="minor"/>
+      </dsp:style>
+    </dsp:sp>
+    <dsp:sp modelId="{4F374728-3A3D-4F03-BA59-6E78B1A4CE02}">
+      <dsp:nvSpPr>
+        <dsp:cNvPr id="0" name=""/>
+        <dsp:cNvSpPr/>
+      </dsp:nvSpPr>
+      <dsp:spPr>
+        <a:xfrm>
+          <a:off x="5392184" y="2978959"/>
+          <a:ext cx="1571983" cy="350513"/>
+        </a:xfrm>
+        <a:custGeom>
+          <a:avLst/>
+          <a:gdLst/>
+          <a:ahLst/>
+          <a:cxnLst/>
+          <a:rect l="0" t="0" r="0" b="0"/>
+          <a:pathLst>
+            <a:path>
+              <a:moveTo>
+                <a:pt x="1571983" y="0"/>
+              </a:moveTo>
+              <a:lnTo>
+                <a:pt x="1571983" y="208959"/>
+              </a:lnTo>
+              <a:lnTo>
+                <a:pt x="0" y="208959"/>
+              </a:lnTo>
+              <a:lnTo>
+                <a:pt x="0" y="350513"/>
+              </a:lnTo>
+            </a:path>
+          </a:pathLst>
+        </a:custGeom>
+        <a:noFill/>
+        <a:ln w="12700" cap="flat" cmpd="sng" algn="ctr">
+          <a:solidFill>
+            <a:schemeClr val="tx1"/>
+          </a:solidFill>
+          <a:prstDash val="solid"/>
+          <a:miter lim="800000"/>
+        </a:ln>
+        <a:effectLst/>
+      </dsp:spPr>
+      <dsp:style>
+        <a:lnRef idx="2">
+          <a:scrgbClr r="0" g="0" b="0"/>
+        </a:lnRef>
+        <a:fillRef idx="0">
+          <a:scrgbClr r="0" g="0" b="0"/>
+        </a:fillRef>
+        <a:effectRef idx="0">
+          <a:scrgbClr r="0" g="0" b="0"/>
+        </a:effectRef>
+        <a:fontRef idx="minor"/>
+      </dsp:style>
+    </dsp:sp>
+    <dsp:sp modelId="{A73E227A-5FB1-440E-9B09-0B61CC54496E}">
+      <dsp:nvSpPr>
+        <dsp:cNvPr id="0" name=""/>
+        <dsp:cNvSpPr/>
+      </dsp:nvSpPr>
+      <dsp:spPr>
+        <a:xfrm>
+          <a:off x="4606193" y="2021788"/>
+          <a:ext cx="2357975" cy="350513"/>
+        </a:xfrm>
+        <a:custGeom>
+          <a:avLst/>
+          <a:gdLst/>
+          <a:ahLst/>
+          <a:cxnLst/>
+          <a:rect l="0" t="0" r="0" b="0"/>
+          <a:pathLst>
+            <a:path>
+              <a:moveTo>
+                <a:pt x="0" y="0"/>
+              </a:moveTo>
+              <a:lnTo>
+                <a:pt x="0" y="208959"/>
+              </a:lnTo>
+              <a:lnTo>
+                <a:pt x="2357975" y="208959"/>
+              </a:lnTo>
+              <a:lnTo>
+                <a:pt x="2357975" y="350513"/>
+              </a:lnTo>
+            </a:path>
+          </a:pathLst>
+        </a:custGeom>
+        <a:noFill/>
+        <a:ln w="12700" cap="flat" cmpd="sng" algn="ctr">
+          <a:solidFill>
+            <a:schemeClr val="tx1"/>
+          </a:solidFill>
+          <a:prstDash val="solid"/>
+          <a:miter lim="800000"/>
+        </a:ln>
+        <a:effectLst/>
+      </dsp:spPr>
+      <dsp:style>
+        <a:lnRef idx="2">
+          <a:scrgbClr r="0" g="0" b="0"/>
+        </a:lnRef>
+        <a:fillRef idx="0">
+          <a:scrgbClr r="0" g="0" b="0"/>
+        </a:fillRef>
+        <a:effectRef idx="0">
+          <a:scrgbClr r="0" g="0" b="0"/>
+        </a:effectRef>
+        <a:fontRef idx="minor"/>
+      </dsp:style>
+    </dsp:sp>
+    <dsp:sp modelId="{A454E921-6580-43D9-94D5-C25650947C8F}">
+      <dsp:nvSpPr>
+        <dsp:cNvPr id="0" name=""/>
+        <dsp:cNvSpPr/>
+      </dsp:nvSpPr>
+      <dsp:spPr>
+        <a:xfrm>
+          <a:off x="2248217" y="2978959"/>
+          <a:ext cx="1571983" cy="350513"/>
+        </a:xfrm>
+        <a:custGeom>
+          <a:avLst/>
+          <a:gdLst/>
+          <a:ahLst/>
+          <a:cxnLst/>
+          <a:rect l="0" t="0" r="0" b="0"/>
+          <a:pathLst>
+            <a:path>
+              <a:moveTo>
+                <a:pt x="0" y="0"/>
+              </a:moveTo>
+              <a:lnTo>
+                <a:pt x="0" y="208959"/>
+              </a:lnTo>
+              <a:lnTo>
+                <a:pt x="1571983" y="208959"/>
+              </a:lnTo>
+              <a:lnTo>
+                <a:pt x="1571983" y="350513"/>
+              </a:lnTo>
+            </a:path>
+          </a:pathLst>
+        </a:custGeom>
+        <a:noFill/>
+        <a:ln w="12700" cap="flat" cmpd="sng" algn="ctr">
+          <a:solidFill>
+            <a:schemeClr val="tx1"/>
+          </a:solidFill>
+          <a:prstDash val="solid"/>
+          <a:miter lim="800000"/>
+        </a:ln>
+        <a:effectLst/>
+      </dsp:spPr>
+      <dsp:style>
+        <a:lnRef idx="2">
+          <a:scrgbClr r="0" g="0" b="0"/>
+        </a:lnRef>
+        <a:fillRef idx="0">
+          <a:scrgbClr r="0" g="0" b="0"/>
+        </a:fillRef>
+        <a:effectRef idx="0">
+          <a:scrgbClr r="0" g="0" b="0"/>
+        </a:effectRef>
+        <a:fontRef idx="minor"/>
+      </dsp:style>
+    </dsp:sp>
+    <dsp:sp modelId="{DA48BA67-5731-4545-B3C6-25B587420278}">
+      <dsp:nvSpPr>
+        <dsp:cNvPr id="0" name=""/>
+        <dsp:cNvSpPr/>
+      </dsp:nvSpPr>
+      <dsp:spPr>
+        <a:xfrm>
+          <a:off x="2202497" y="2978959"/>
+          <a:ext cx="91440" cy="350513"/>
+        </a:xfrm>
+        <a:custGeom>
+          <a:avLst/>
+          <a:gdLst/>
+          <a:ahLst/>
+          <a:cxnLst/>
+          <a:rect l="0" t="0" r="0" b="0"/>
+          <a:pathLst>
+            <a:path>
+              <a:moveTo>
+                <a:pt x="45720" y="0"/>
+              </a:moveTo>
+              <a:lnTo>
+                <a:pt x="45720" y="350513"/>
+              </a:lnTo>
+            </a:path>
+          </a:pathLst>
+        </a:custGeom>
+        <a:noFill/>
+        <a:ln w="12700" cap="flat" cmpd="sng" algn="ctr">
+          <a:solidFill>
+            <a:schemeClr val="tx1"/>
+          </a:solidFill>
+          <a:prstDash val="solid"/>
+          <a:miter lim="800000"/>
+        </a:ln>
+        <a:effectLst/>
+      </dsp:spPr>
+      <dsp:style>
+        <a:lnRef idx="2">
+          <a:scrgbClr r="0" g="0" b="0"/>
+        </a:lnRef>
+        <a:fillRef idx="0">
+          <a:scrgbClr r="0" g="0" b="0"/>
+        </a:fillRef>
+        <a:effectRef idx="0">
+          <a:scrgbClr r="0" g="0" b="0"/>
+        </a:effectRef>
+        <a:fontRef idx="minor"/>
+      </dsp:style>
+    </dsp:sp>
+    <dsp:sp modelId="{2A6DB864-A4CE-4D17-AB80-E0574DAC3F55}">
+      <dsp:nvSpPr>
+        <dsp:cNvPr id="0" name=""/>
+        <dsp:cNvSpPr/>
+      </dsp:nvSpPr>
+      <dsp:spPr>
+        <a:xfrm>
+          <a:off x="676234" y="2978959"/>
+          <a:ext cx="1571983" cy="350513"/>
+        </a:xfrm>
+        <a:custGeom>
+          <a:avLst/>
+          <a:gdLst/>
+          <a:ahLst/>
+          <a:cxnLst/>
+          <a:rect l="0" t="0" r="0" b="0"/>
+          <a:pathLst>
+            <a:path>
+              <a:moveTo>
+                <a:pt x="1571983" y="0"/>
+              </a:moveTo>
+              <a:lnTo>
+                <a:pt x="1571983" y="208959"/>
+              </a:lnTo>
+              <a:lnTo>
+                <a:pt x="0" y="208959"/>
+              </a:lnTo>
+              <a:lnTo>
+                <a:pt x="0" y="350513"/>
+              </a:lnTo>
+            </a:path>
+          </a:pathLst>
+        </a:custGeom>
+        <a:noFill/>
+        <a:ln w="12700" cap="flat" cmpd="sng" algn="ctr">
+          <a:solidFill>
+            <a:schemeClr val="tx1"/>
+          </a:solidFill>
+          <a:prstDash val="solid"/>
+          <a:miter lim="800000"/>
+        </a:ln>
+        <a:effectLst/>
+      </dsp:spPr>
+      <dsp:style>
+        <a:lnRef idx="2">
+          <a:scrgbClr r="0" g="0" b="0"/>
+        </a:lnRef>
+        <a:fillRef idx="0">
+          <a:scrgbClr r="0" g="0" b="0"/>
+        </a:fillRef>
+        <a:effectRef idx="0">
+          <a:scrgbClr r="0" g="0" b="0"/>
+        </a:effectRef>
+        <a:fontRef idx="minor"/>
+      </dsp:style>
+    </dsp:sp>
+    <dsp:sp modelId="{5BECACDE-5BCF-4986-95B5-59365B50DA65}">
+      <dsp:nvSpPr>
+        <dsp:cNvPr id="0" name=""/>
+        <dsp:cNvSpPr/>
+      </dsp:nvSpPr>
+      <dsp:spPr>
+        <a:xfrm>
+          <a:off x="2248217" y="2021788"/>
+          <a:ext cx="2357975" cy="350513"/>
+        </a:xfrm>
+        <a:custGeom>
+          <a:avLst/>
+          <a:gdLst/>
+          <a:ahLst/>
+          <a:cxnLst/>
+          <a:rect l="0" t="0" r="0" b="0"/>
+          <a:pathLst>
+            <a:path>
+              <a:moveTo>
+                <a:pt x="2357975" y="0"/>
+              </a:moveTo>
+              <a:lnTo>
+                <a:pt x="2357975" y="208959"/>
+              </a:lnTo>
+              <a:lnTo>
+                <a:pt x="0" y="208959"/>
+              </a:lnTo>
+              <a:lnTo>
+                <a:pt x="0" y="350513"/>
+              </a:lnTo>
+            </a:path>
+          </a:pathLst>
+        </a:custGeom>
+        <a:noFill/>
+        <a:ln w="12700" cap="flat" cmpd="sng" algn="ctr">
+          <a:solidFill>
+            <a:schemeClr val="tx1"/>
+          </a:solidFill>
+          <a:prstDash val="solid"/>
+          <a:miter lim="800000"/>
+        </a:ln>
+        <a:effectLst/>
+      </dsp:spPr>
+      <dsp:style>
+        <a:lnRef idx="2">
+          <a:scrgbClr r="0" g="0" b="0"/>
+        </a:lnRef>
+        <a:fillRef idx="0">
+          <a:scrgbClr r="0" g="0" b="0"/>
+        </a:fillRef>
+        <a:effectRef idx="0">
+          <a:scrgbClr r="0" g="0" b="0"/>
+        </a:effectRef>
+        <a:fontRef idx="minor"/>
+      </dsp:style>
+    </dsp:sp>
+    <dsp:sp modelId="{169548AE-1898-4AC2-B792-C4E42A5676EB}">
+      <dsp:nvSpPr>
+        <dsp:cNvPr id="0" name=""/>
+        <dsp:cNvSpPr/>
+      </dsp:nvSpPr>
+      <dsp:spPr>
+        <a:xfrm>
+          <a:off x="4020340" y="1415130"/>
+          <a:ext cx="1171706" cy="606657"/>
+        </a:xfrm>
+        <a:prstGeom prst="rect">
+          <a:avLst/>
+        </a:prstGeom>
+        <a:solidFill>
+          <a:schemeClr val="accent1"/>
+        </a:solidFill>
+        <a:ln w="12700" cap="flat" cmpd="sng" algn="ctr">
+          <a:noFill/>
+          <a:prstDash val="dash"/>
+          <a:miter lim="800000"/>
+        </a:ln>
+        <a:effectLst/>
+      </dsp:spPr>
+      <dsp:style>
+        <a:lnRef idx="2">
+          <a:scrgbClr r="0" g="0" b="0"/>
+        </a:lnRef>
+        <a:fillRef idx="1">
+          <a:scrgbClr r="0" g="0" b="0"/>
+        </a:fillRef>
+        <a:effectRef idx="0">
+          <a:scrgbClr r="0" g="0" b="0"/>
+        </a:effectRef>
+        <a:fontRef idx="minor">
+          <a:schemeClr val="lt1"/>
+        </a:fontRef>
+      </dsp:style>
+      <dsp:txBody>
+        <a:bodyPr spcFirstLastPara="0" vert="horz" wrap="square" lIns="11430" tIns="11430" rIns="11430" bIns="85606" numCol="1" spcCol="1270" anchor="ctr" anchorCtr="0">
+          <a:noAutofit/>
+        </a:bodyPr>
+        <a:lstStyle/>
+        <a:p>
+          <a:pPr marL="0" lvl="0" indent="0" algn="ctr" defTabSz="800100">
+            <a:lnSpc>
+              <a:spcPct val="90000"/>
+            </a:lnSpc>
+            <a:spcBef>
+              <a:spcPct val="0"/>
+            </a:spcBef>
+            <a:spcAft>
+              <a:spcPct val="35000"/>
+            </a:spcAft>
+            <a:buNone/>
+          </a:pPr>
+          <a:r>
+            <a:rPr lang="zh-CN" altLang="en-US" sz="1800" kern="1200" dirty="0">
+              <a:solidFill>
+                <a:schemeClr val="bg1"/>
+              </a:solidFill>
+              <a:latin typeface="SimSun-ExtB" panose="02010609060101010101" pitchFamily="49" charset="-122"/>
+              <a:ea typeface="SimSun-ExtB" panose="02010609060101010101" pitchFamily="49" charset="-122"/>
+            </a:rPr>
+            <a:t>定量脑电</a:t>
+          </a:r>
+          <a:endParaRPr lang="en-US" sz="1800" kern="1200" dirty="0">
+            <a:solidFill>
+              <a:schemeClr val="bg1"/>
+            </a:solidFill>
+            <a:latin typeface="SimSun-ExtB" panose="02010609060101010101" pitchFamily="49" charset="-122"/>
+            <a:ea typeface="SimSun-ExtB" panose="02010609060101010101" pitchFamily="49" charset="-122"/>
+          </a:endParaRPr>
+        </a:p>
+      </dsp:txBody>
+      <dsp:txXfrm>
+        <a:off x="4020340" y="1415130"/>
+        <a:ext cx="1171706" cy="606657"/>
+      </dsp:txXfrm>
+    </dsp:sp>
+    <dsp:sp modelId="{487AD69D-C21E-41DF-9879-F374E86A4B2B}">
+      <dsp:nvSpPr>
+        <dsp:cNvPr id="0" name=""/>
+        <dsp:cNvSpPr/>
+      </dsp:nvSpPr>
+      <dsp:spPr>
+        <a:xfrm>
+          <a:off x="4254681" y="1886975"/>
+          <a:ext cx="1054535" cy="202219"/>
+        </a:xfrm>
+        <a:prstGeom prst="rect">
+          <a:avLst/>
+        </a:prstGeom>
+        <a:solidFill>
+          <a:schemeClr val="accent1">
+            <a:lumMod val="20000"/>
+            <a:lumOff val="80000"/>
+          </a:schemeClr>
+        </a:solidFill>
+        <a:ln w="12700" cap="flat" cmpd="sng" algn="ctr">
+          <a:solidFill>
+            <a:schemeClr val="accent1">
+              <a:lumMod val="20000"/>
+              <a:lumOff val="80000"/>
+            </a:schemeClr>
+          </a:solidFill>
+          <a:prstDash val="solid"/>
+          <a:miter lim="800000"/>
+        </a:ln>
+        <a:effectLst/>
+      </dsp:spPr>
+      <dsp:style>
+        <a:lnRef idx="2">
+          <a:scrgbClr r="0" g="0" b="0"/>
+        </a:lnRef>
+        <a:fillRef idx="1">
+          <a:scrgbClr r="0" g="0" b="0"/>
+        </a:fillRef>
+        <a:effectRef idx="0">
+          <a:scrgbClr r="0" g="0" b="0"/>
+        </a:effectRef>
+        <a:fontRef idx="minor"/>
+      </dsp:style>
+      <dsp:txBody>
+        <a:bodyPr spcFirstLastPara="0" vert="horz" wrap="square" lIns="27940" tIns="6985" rIns="27940" bIns="6985" numCol="1" spcCol="1270" anchor="ctr" anchorCtr="0">
+          <a:noAutofit/>
+        </a:bodyPr>
+        <a:lstStyle/>
+        <a:p>
+          <a:pPr marL="0" lvl="0" indent="0" algn="ctr" defTabSz="488950">
+            <a:lnSpc>
+              <a:spcPct val="90000"/>
+            </a:lnSpc>
+            <a:spcBef>
+              <a:spcPct val="0"/>
+            </a:spcBef>
+            <a:spcAft>
+              <a:spcPct val="35000"/>
+            </a:spcAft>
+            <a:buNone/>
+          </a:pPr>
+          <a:r>
+            <a:rPr lang="zh-CN" altLang="en-US" sz="1100" kern="1200" dirty="0"/>
+            <a:t>主题</a:t>
+          </a:r>
+          <a:endParaRPr lang="en-US" sz="1100" kern="1200" dirty="0"/>
+        </a:p>
+      </dsp:txBody>
+      <dsp:txXfrm>
+        <a:off x="4254681" y="1886975"/>
+        <a:ext cx="1054535" cy="202219"/>
+      </dsp:txXfrm>
+    </dsp:sp>
+    <dsp:sp modelId="{EB0D5483-9157-41E1-BC80-F9B0DD2A8186}">
+      <dsp:nvSpPr>
+        <dsp:cNvPr id="0" name=""/>
+        <dsp:cNvSpPr/>
+      </dsp:nvSpPr>
+      <dsp:spPr>
+        <a:xfrm>
+          <a:off x="1662364" y="2372301"/>
+          <a:ext cx="1171706" cy="606657"/>
+        </a:xfrm>
+        <a:prstGeom prst="rect">
+          <a:avLst/>
+        </a:prstGeom>
+        <a:solidFill>
+          <a:schemeClr val="accent1"/>
+        </a:solidFill>
+        <a:ln w="12700" cap="flat" cmpd="sng" algn="ctr">
+          <a:noFill/>
+          <a:prstDash val="dash"/>
+          <a:miter lim="800000"/>
+        </a:ln>
+        <a:effectLst/>
+      </dsp:spPr>
+      <dsp:style>
+        <a:lnRef idx="2">
+          <a:scrgbClr r="0" g="0" b="0"/>
+        </a:lnRef>
+        <a:fillRef idx="1">
+          <a:scrgbClr r="0" g="0" b="0"/>
+        </a:fillRef>
+        <a:effectRef idx="0">
+          <a:scrgbClr r="0" g="0" b="0"/>
+        </a:effectRef>
+        <a:fontRef idx="minor">
+          <a:schemeClr val="lt1"/>
+        </a:fontRef>
+      </dsp:style>
+      <dsp:txBody>
+        <a:bodyPr spcFirstLastPara="0" vert="horz" wrap="square" lIns="11430" tIns="11430" rIns="11430" bIns="85606" numCol="1" spcCol="1270" anchor="ctr" anchorCtr="0">
+          <a:noAutofit/>
+        </a:bodyPr>
+        <a:lstStyle/>
+        <a:p>
+          <a:pPr marL="0" lvl="0" indent="0" algn="ctr" defTabSz="800100">
+            <a:lnSpc>
+              <a:spcPct val="90000"/>
+            </a:lnSpc>
+            <a:spcBef>
+              <a:spcPct val="0"/>
+            </a:spcBef>
+            <a:spcAft>
+              <a:spcPct val="35000"/>
+            </a:spcAft>
+            <a:buNone/>
+          </a:pPr>
+          <a:r>
+            <a:rPr lang="zh-CN" altLang="en-US" sz="1800" kern="1200" dirty="0">
+              <a:solidFill>
+                <a:schemeClr val="bg1"/>
+              </a:solidFill>
+              <a:latin typeface="SimSun-ExtB" panose="02010609060101010101" pitchFamily="49" charset="-122"/>
+              <a:ea typeface="SimSun-ExtB" panose="02010609060101010101" pitchFamily="49" charset="-122"/>
+            </a:rPr>
+            <a:t>参考选择</a:t>
+          </a:r>
+          <a:endParaRPr lang="en-US" sz="1800" kern="1200" dirty="0">
+            <a:solidFill>
+              <a:schemeClr val="bg1"/>
+            </a:solidFill>
+            <a:latin typeface="SimSun-ExtB" panose="02010609060101010101" pitchFamily="49" charset="-122"/>
+            <a:ea typeface="SimSun-ExtB" panose="02010609060101010101" pitchFamily="49" charset="-122"/>
+          </a:endParaRPr>
+        </a:p>
+      </dsp:txBody>
+      <dsp:txXfrm>
+        <a:off x="1662364" y="2372301"/>
+        <a:ext cx="1171706" cy="606657"/>
+      </dsp:txXfrm>
+    </dsp:sp>
+    <dsp:sp modelId="{2872A6E3-09C6-4A56-9043-B6AC8340DB2F}">
+      <dsp:nvSpPr>
+        <dsp:cNvPr id="0" name=""/>
+        <dsp:cNvSpPr/>
+      </dsp:nvSpPr>
+      <dsp:spPr>
+        <a:xfrm>
+          <a:off x="1896705" y="2844146"/>
+          <a:ext cx="1054535" cy="202219"/>
+        </a:xfrm>
+        <a:prstGeom prst="rect">
+          <a:avLst/>
+        </a:prstGeom>
+        <a:solidFill>
+          <a:schemeClr val="accent1">
+            <a:lumMod val="20000"/>
+            <a:lumOff val="80000"/>
+            <a:alpha val="90000"/>
+          </a:schemeClr>
+        </a:solidFill>
+        <a:ln w="12700" cap="flat" cmpd="sng" algn="ctr">
+          <a:noFill/>
+          <a:prstDash val="solid"/>
+          <a:miter lim="800000"/>
+        </a:ln>
+        <a:effectLst/>
+      </dsp:spPr>
+      <dsp:style>
+        <a:lnRef idx="2">
+          <a:scrgbClr r="0" g="0" b="0"/>
+        </a:lnRef>
+        <a:fillRef idx="1">
+          <a:scrgbClr r="0" g="0" b="0"/>
+        </a:fillRef>
+        <a:effectRef idx="0">
+          <a:scrgbClr r="0" g="0" b="0"/>
+        </a:effectRef>
+        <a:fontRef idx="minor"/>
+      </dsp:style>
+      <dsp:txBody>
+        <a:bodyPr spcFirstLastPara="0" vert="horz" wrap="square" lIns="27940" tIns="6985" rIns="27940" bIns="6985" numCol="1" spcCol="1270" anchor="ctr" anchorCtr="0">
+          <a:noAutofit/>
+        </a:bodyPr>
+        <a:lstStyle/>
+        <a:p>
+          <a:pPr marL="0" lvl="0" indent="0" algn="ctr" defTabSz="488950">
+            <a:lnSpc>
+              <a:spcPct val="90000"/>
+            </a:lnSpc>
+            <a:spcBef>
+              <a:spcPct val="0"/>
+            </a:spcBef>
+            <a:spcAft>
+              <a:spcPct val="35000"/>
+            </a:spcAft>
+            <a:buNone/>
+          </a:pPr>
+          <a:r>
+            <a:rPr lang="zh-CN" altLang="en-US" sz="1100" kern="1200" dirty="0"/>
+            <a:t>第一部分</a:t>
+          </a:r>
+          <a:endParaRPr lang="en-US" sz="1100" kern="1200" dirty="0"/>
+        </a:p>
+      </dsp:txBody>
+      <dsp:txXfrm>
+        <a:off x="1896705" y="2844146"/>
+        <a:ext cx="1054535" cy="202219"/>
+      </dsp:txXfrm>
+    </dsp:sp>
+    <dsp:sp modelId="{935CFC4D-FA73-4B5E-8515-C9B19A2D2E63}">
+      <dsp:nvSpPr>
+        <dsp:cNvPr id="0" name=""/>
+        <dsp:cNvSpPr/>
+      </dsp:nvSpPr>
+      <dsp:spPr>
+        <a:xfrm>
+          <a:off x="90381" y="3329472"/>
+          <a:ext cx="1171706" cy="606657"/>
+        </a:xfrm>
+        <a:prstGeom prst="rect">
+          <a:avLst/>
+        </a:prstGeom>
+        <a:solidFill>
+          <a:schemeClr val="accent1"/>
+        </a:solidFill>
+        <a:ln w="12700" cap="flat" cmpd="sng" algn="ctr">
+          <a:solidFill>
+            <a:schemeClr val="lt1">
+              <a:hueOff val="0"/>
+              <a:satOff val="0"/>
+              <a:lumOff val="0"/>
+              <a:alphaOff val="0"/>
+            </a:schemeClr>
+          </a:solidFill>
+          <a:prstDash val="solid"/>
+          <a:miter lim="800000"/>
+        </a:ln>
+        <a:effectLst/>
+      </dsp:spPr>
+      <dsp:style>
+        <a:lnRef idx="2">
+          <a:scrgbClr r="0" g="0" b="0"/>
+        </a:lnRef>
+        <a:fillRef idx="1">
+          <a:scrgbClr r="0" g="0" b="0"/>
+        </a:fillRef>
+        <a:effectRef idx="0">
+          <a:scrgbClr r="0" g="0" b="0"/>
+        </a:effectRef>
+        <a:fontRef idx="minor">
+          <a:schemeClr val="lt1"/>
+        </a:fontRef>
+      </dsp:style>
+      <dsp:txBody>
+        <a:bodyPr spcFirstLastPara="0" vert="horz" wrap="square" lIns="8890" tIns="8890" rIns="8890" bIns="85606" numCol="1" spcCol="1270" anchor="ctr" anchorCtr="0">
+          <a:noAutofit/>
+        </a:bodyPr>
+        <a:lstStyle/>
+        <a:p>
+          <a:pPr marL="0" lvl="0" indent="0" algn="ctr" defTabSz="622300">
+            <a:lnSpc>
+              <a:spcPct val="90000"/>
+            </a:lnSpc>
+            <a:spcBef>
+              <a:spcPct val="0"/>
+            </a:spcBef>
+            <a:spcAft>
+              <a:spcPct val="35000"/>
+            </a:spcAft>
+            <a:buNone/>
+          </a:pPr>
+          <a:r>
+            <a:rPr lang="zh-CN" altLang="en-US" sz="1400" kern="1200" dirty="0">
+              <a:solidFill>
+                <a:schemeClr val="bg1"/>
+              </a:solidFill>
+              <a:latin typeface="SimSun-ExtB" panose="02010609060101010101" pitchFamily="49" charset="-122"/>
+              <a:ea typeface="SimSun-ExtB" panose="02010609060101010101" pitchFamily="49" charset="-122"/>
+            </a:rPr>
+            <a:t>物理因素</a:t>
+          </a:r>
+          <a:endParaRPr lang="en-US" sz="1800" kern="1200" dirty="0">
+            <a:solidFill>
+              <a:schemeClr val="bg1"/>
+            </a:solidFill>
+            <a:latin typeface="SimSun-ExtB" panose="02010609060101010101" pitchFamily="49" charset="-122"/>
+            <a:ea typeface="SimSun-ExtB" panose="02010609060101010101" pitchFamily="49" charset="-122"/>
+          </a:endParaRPr>
+        </a:p>
+      </dsp:txBody>
+      <dsp:txXfrm>
+        <a:off x="90381" y="3329472"/>
+        <a:ext cx="1171706" cy="606657"/>
+      </dsp:txXfrm>
+    </dsp:sp>
+    <dsp:sp modelId="{70B3F337-88AB-4CE7-B461-956557E8F11F}">
+      <dsp:nvSpPr>
+        <dsp:cNvPr id="0" name=""/>
+        <dsp:cNvSpPr/>
+      </dsp:nvSpPr>
+      <dsp:spPr>
+        <a:xfrm>
+          <a:off x="324722" y="3801317"/>
+          <a:ext cx="1054535" cy="202219"/>
+        </a:xfrm>
+        <a:prstGeom prst="rect">
+          <a:avLst/>
+        </a:prstGeom>
+        <a:solidFill>
+          <a:schemeClr val="accent1">
+            <a:lumMod val="20000"/>
+            <a:lumOff val="80000"/>
+            <a:alpha val="90000"/>
+          </a:schemeClr>
+        </a:solidFill>
+        <a:ln w="12700" cap="flat" cmpd="sng" algn="ctr">
+          <a:noFill/>
+          <a:prstDash val="solid"/>
+          <a:miter lim="800000"/>
+        </a:ln>
+        <a:effectLst/>
+      </dsp:spPr>
+      <dsp:style>
+        <a:lnRef idx="2">
+          <a:scrgbClr r="0" g="0" b="0"/>
+        </a:lnRef>
+        <a:fillRef idx="1">
+          <a:scrgbClr r="0" g="0" b="0"/>
+        </a:fillRef>
+        <a:effectRef idx="0">
+          <a:scrgbClr r="0" g="0" b="0"/>
+        </a:effectRef>
+        <a:fontRef idx="minor"/>
+      </dsp:style>
+      <dsp:txBody>
+        <a:bodyPr spcFirstLastPara="0" vert="horz" wrap="square" lIns="27940" tIns="6985" rIns="27940" bIns="6985" numCol="1" spcCol="1270" anchor="ctr" anchorCtr="0">
+          <a:noAutofit/>
+        </a:bodyPr>
+        <a:lstStyle/>
+        <a:p>
+          <a:pPr marL="0" lvl="0" indent="0" algn="ctr" defTabSz="488950">
+            <a:lnSpc>
+              <a:spcPct val="90000"/>
+            </a:lnSpc>
+            <a:spcBef>
+              <a:spcPct val="0"/>
+            </a:spcBef>
+            <a:spcAft>
+              <a:spcPct val="35000"/>
+            </a:spcAft>
+            <a:buNone/>
+          </a:pPr>
+          <a:r>
+            <a:rPr lang="zh-CN" altLang="en-US" sz="1100" kern="1200" dirty="0"/>
+            <a:t>第二章</a:t>
+          </a:r>
+          <a:endParaRPr lang="en-US" sz="1100" kern="1200" dirty="0"/>
+        </a:p>
+      </dsp:txBody>
+      <dsp:txXfrm>
+        <a:off x="324722" y="3801317"/>
+        <a:ext cx="1054535" cy="202219"/>
+      </dsp:txXfrm>
+    </dsp:sp>
+    <dsp:sp modelId="{312973CB-BD89-43B1-8293-A259C458DF7D}">
+      <dsp:nvSpPr>
+        <dsp:cNvPr id="0" name=""/>
+        <dsp:cNvSpPr/>
+      </dsp:nvSpPr>
+      <dsp:spPr>
+        <a:xfrm>
+          <a:off x="1662364" y="3329472"/>
+          <a:ext cx="1171706" cy="606657"/>
+        </a:xfrm>
+        <a:prstGeom prst="rect">
+          <a:avLst/>
+        </a:prstGeom>
+        <a:solidFill>
+          <a:schemeClr val="accent1"/>
+        </a:solidFill>
+        <a:ln w="12700" cap="flat" cmpd="sng" algn="ctr">
+          <a:solidFill>
+            <a:schemeClr val="lt1">
+              <a:hueOff val="0"/>
+              <a:satOff val="0"/>
+              <a:lumOff val="0"/>
+              <a:alphaOff val="0"/>
+            </a:schemeClr>
+          </a:solidFill>
+          <a:prstDash val="solid"/>
+          <a:miter lim="800000"/>
+        </a:ln>
+        <a:effectLst/>
+      </dsp:spPr>
+      <dsp:style>
+        <a:lnRef idx="2">
+          <a:scrgbClr r="0" g="0" b="0"/>
+        </a:lnRef>
+        <a:fillRef idx="1">
+          <a:scrgbClr r="0" g="0" b="0"/>
+        </a:fillRef>
+        <a:effectRef idx="0">
+          <a:scrgbClr r="0" g="0" b="0"/>
+        </a:effectRef>
+        <a:fontRef idx="minor">
+          <a:schemeClr val="lt1"/>
+        </a:fontRef>
+      </dsp:style>
+      <dsp:txBody>
+        <a:bodyPr spcFirstLastPara="0" vert="horz" wrap="square" lIns="8890" tIns="8890" rIns="8890" bIns="85606" numCol="1" spcCol="1270" anchor="ctr" anchorCtr="0">
+          <a:noAutofit/>
+        </a:bodyPr>
+        <a:lstStyle/>
+        <a:p>
+          <a:pPr marL="0" lvl="0" indent="0" algn="ctr" defTabSz="622300">
+            <a:lnSpc>
+              <a:spcPct val="90000"/>
+            </a:lnSpc>
+            <a:spcBef>
+              <a:spcPct val="0"/>
+            </a:spcBef>
+            <a:spcAft>
+              <a:spcPct val="35000"/>
+            </a:spcAft>
+            <a:buNone/>
+          </a:pPr>
+          <a:r>
+            <a:rPr lang="zh-CN" altLang="en-US" sz="1400" kern="1200" dirty="0">
+              <a:solidFill>
+                <a:schemeClr val="bg1"/>
+              </a:solidFill>
+              <a:latin typeface="SimSun-ExtB" panose="02010609060101010101" pitchFamily="49" charset="-122"/>
+              <a:ea typeface="SimSun-ExtB" panose="02010609060101010101" pitchFamily="49" charset="-122"/>
+            </a:rPr>
+            <a:t>模型证据</a:t>
+          </a:r>
+          <a:endParaRPr lang="en-US" sz="1400" kern="1200" dirty="0">
+            <a:solidFill>
+              <a:schemeClr val="bg1"/>
+            </a:solidFill>
+            <a:latin typeface="SimSun-ExtB" panose="02010609060101010101" pitchFamily="49" charset="-122"/>
+            <a:ea typeface="SimSun-ExtB" panose="02010609060101010101" pitchFamily="49" charset="-122"/>
+          </a:endParaRPr>
+        </a:p>
+      </dsp:txBody>
+      <dsp:txXfrm>
+        <a:off x="1662364" y="3329472"/>
+        <a:ext cx="1171706" cy="606657"/>
+      </dsp:txXfrm>
+    </dsp:sp>
+    <dsp:sp modelId="{4976B9E9-800E-4134-A5D5-6CAAC9A54064}">
+      <dsp:nvSpPr>
+        <dsp:cNvPr id="0" name=""/>
+        <dsp:cNvSpPr/>
+      </dsp:nvSpPr>
+      <dsp:spPr>
+        <a:xfrm>
+          <a:off x="1896705" y="3801317"/>
+          <a:ext cx="1054535" cy="202219"/>
+        </a:xfrm>
+        <a:prstGeom prst="rect">
+          <a:avLst/>
+        </a:prstGeom>
+        <a:solidFill>
+          <a:schemeClr val="accent1">
+            <a:lumMod val="20000"/>
+            <a:lumOff val="80000"/>
+            <a:alpha val="90000"/>
+          </a:schemeClr>
+        </a:solidFill>
+        <a:ln w="12700" cap="flat" cmpd="sng" algn="ctr">
+          <a:noFill/>
+          <a:prstDash val="solid"/>
+          <a:miter lim="800000"/>
+        </a:ln>
+        <a:effectLst/>
+      </dsp:spPr>
+      <dsp:style>
+        <a:lnRef idx="2">
+          <a:scrgbClr r="0" g="0" b="0"/>
+        </a:lnRef>
+        <a:fillRef idx="1">
+          <a:scrgbClr r="0" g="0" b="0"/>
+        </a:fillRef>
+        <a:effectRef idx="0">
+          <a:scrgbClr r="0" g="0" b="0"/>
+        </a:effectRef>
+        <a:fontRef idx="minor"/>
+      </dsp:style>
+      <dsp:txBody>
+        <a:bodyPr spcFirstLastPara="0" vert="horz" wrap="square" lIns="27940" tIns="6985" rIns="27940" bIns="6985" numCol="1" spcCol="1270" anchor="ctr" anchorCtr="0">
+          <a:noAutofit/>
+        </a:bodyPr>
+        <a:lstStyle/>
+        <a:p>
+          <a:pPr marL="0" lvl="0" indent="0" algn="ctr" defTabSz="488950">
+            <a:lnSpc>
+              <a:spcPct val="90000"/>
+            </a:lnSpc>
+            <a:spcBef>
+              <a:spcPct val="0"/>
+            </a:spcBef>
+            <a:spcAft>
+              <a:spcPct val="35000"/>
+            </a:spcAft>
+            <a:buNone/>
+          </a:pPr>
+          <a:r>
+            <a:rPr lang="zh-CN" altLang="en-US" sz="1100" kern="1200" dirty="0"/>
+            <a:t>第三章</a:t>
+          </a:r>
+          <a:endParaRPr lang="en-US" sz="1100" kern="1200" dirty="0"/>
+        </a:p>
+      </dsp:txBody>
+      <dsp:txXfrm>
+        <a:off x="1896705" y="3801317"/>
+        <a:ext cx="1054535" cy="202219"/>
+      </dsp:txXfrm>
+    </dsp:sp>
+    <dsp:sp modelId="{EE3AB86A-1397-411D-865F-211B93FB4C86}">
+      <dsp:nvSpPr>
+        <dsp:cNvPr id="0" name=""/>
+        <dsp:cNvSpPr/>
+      </dsp:nvSpPr>
+      <dsp:spPr>
+        <a:xfrm>
+          <a:off x="3234348" y="3329472"/>
+          <a:ext cx="1171706" cy="606657"/>
+        </a:xfrm>
+        <a:prstGeom prst="rect">
+          <a:avLst/>
+        </a:prstGeom>
+        <a:solidFill>
+          <a:schemeClr val="accent1"/>
+        </a:solidFill>
+        <a:ln w="12700" cap="flat" cmpd="sng" algn="ctr">
+          <a:solidFill>
+            <a:schemeClr val="lt1">
+              <a:hueOff val="0"/>
+              <a:satOff val="0"/>
+              <a:lumOff val="0"/>
+              <a:alphaOff val="0"/>
+            </a:schemeClr>
+          </a:solidFill>
+          <a:prstDash val="solid"/>
+          <a:miter lim="800000"/>
+        </a:ln>
+        <a:effectLst/>
+      </dsp:spPr>
+      <dsp:style>
+        <a:lnRef idx="2">
+          <a:scrgbClr r="0" g="0" b="0"/>
+        </a:lnRef>
+        <a:fillRef idx="1">
+          <a:scrgbClr r="0" g="0" b="0"/>
+        </a:fillRef>
+        <a:effectRef idx="0">
+          <a:scrgbClr r="0" g="0" b="0"/>
+        </a:effectRef>
+        <a:fontRef idx="minor">
+          <a:schemeClr val="lt1"/>
+        </a:fontRef>
+      </dsp:style>
+      <dsp:txBody>
+        <a:bodyPr spcFirstLastPara="0" vert="horz" wrap="square" lIns="8890" tIns="8890" rIns="8890" bIns="85606" numCol="1" spcCol="1270" anchor="ctr" anchorCtr="0">
+          <a:noAutofit/>
+        </a:bodyPr>
+        <a:lstStyle/>
+        <a:p>
+          <a:pPr marL="0" lvl="0" indent="0" algn="ctr" defTabSz="622300">
+            <a:lnSpc>
+              <a:spcPct val="90000"/>
+            </a:lnSpc>
+            <a:spcBef>
+              <a:spcPct val="0"/>
+            </a:spcBef>
+            <a:spcAft>
+              <a:spcPct val="35000"/>
+            </a:spcAft>
+            <a:buNone/>
+          </a:pPr>
+          <a:r>
+            <a:rPr lang="zh-CN" altLang="en-US" sz="1400" kern="1200" dirty="0">
+              <a:solidFill>
+                <a:schemeClr val="bg1"/>
+              </a:solidFill>
+              <a:latin typeface="SimSun-ExtB" panose="02010609060101010101" pitchFamily="49" charset="-122"/>
+              <a:ea typeface="SimSun-ExtB" panose="02010609060101010101" pitchFamily="49" charset="-122"/>
+            </a:rPr>
+            <a:t>联系属性</a:t>
+          </a:r>
+          <a:endParaRPr lang="en-US" sz="1400" kern="1200" dirty="0">
+            <a:solidFill>
+              <a:schemeClr val="bg1"/>
+            </a:solidFill>
+            <a:latin typeface="SimSun-ExtB" panose="02010609060101010101" pitchFamily="49" charset="-122"/>
+            <a:ea typeface="SimSun-ExtB" panose="02010609060101010101" pitchFamily="49" charset="-122"/>
+          </a:endParaRPr>
+        </a:p>
+      </dsp:txBody>
+      <dsp:txXfrm>
+        <a:off x="3234348" y="3329472"/>
+        <a:ext cx="1171706" cy="606657"/>
+      </dsp:txXfrm>
+    </dsp:sp>
+    <dsp:sp modelId="{969C9BCF-F73A-490F-B11E-4B3326D8750B}">
+      <dsp:nvSpPr>
+        <dsp:cNvPr id="0" name=""/>
+        <dsp:cNvSpPr/>
+      </dsp:nvSpPr>
+      <dsp:spPr>
+        <a:xfrm>
+          <a:off x="3468689" y="3801317"/>
+          <a:ext cx="1054535" cy="202219"/>
+        </a:xfrm>
+        <a:prstGeom prst="rect">
+          <a:avLst/>
+        </a:prstGeom>
+        <a:solidFill>
+          <a:schemeClr val="accent1">
+            <a:lumMod val="20000"/>
+            <a:lumOff val="80000"/>
+            <a:alpha val="90000"/>
+          </a:schemeClr>
+        </a:solidFill>
+        <a:ln w="12700" cap="flat" cmpd="sng" algn="ctr">
+          <a:noFill/>
+          <a:prstDash val="solid"/>
+          <a:miter lim="800000"/>
+        </a:ln>
+        <a:effectLst/>
+      </dsp:spPr>
+      <dsp:style>
+        <a:lnRef idx="2">
+          <a:scrgbClr r="0" g="0" b="0"/>
+        </a:lnRef>
+        <a:fillRef idx="1">
+          <a:scrgbClr r="0" g="0" b="0"/>
+        </a:fillRef>
+        <a:effectRef idx="0">
+          <a:scrgbClr r="0" g="0" b="0"/>
+        </a:effectRef>
+        <a:fontRef idx="minor"/>
+      </dsp:style>
+      <dsp:txBody>
+        <a:bodyPr spcFirstLastPara="0" vert="horz" wrap="square" lIns="27940" tIns="6985" rIns="27940" bIns="6985" numCol="1" spcCol="1270" anchor="ctr" anchorCtr="0">
+          <a:noAutofit/>
+        </a:bodyPr>
+        <a:lstStyle/>
+        <a:p>
+          <a:pPr marL="0" lvl="0" indent="0" algn="ctr" defTabSz="488950">
+            <a:lnSpc>
+              <a:spcPct val="90000"/>
+            </a:lnSpc>
+            <a:spcBef>
+              <a:spcPct val="0"/>
+            </a:spcBef>
+            <a:spcAft>
+              <a:spcPct val="35000"/>
+            </a:spcAft>
+            <a:buNone/>
+          </a:pPr>
+          <a:r>
+            <a:rPr lang="zh-CN" altLang="en-US" sz="1100" kern="1200" dirty="0"/>
+            <a:t>第四章</a:t>
+          </a:r>
+          <a:endParaRPr lang="en-US" sz="1100" kern="1200" dirty="0"/>
+        </a:p>
+      </dsp:txBody>
+      <dsp:txXfrm>
+        <a:off x="3468689" y="3801317"/>
+        <a:ext cx="1054535" cy="202219"/>
+      </dsp:txXfrm>
+    </dsp:sp>
+    <dsp:sp modelId="{B739A0B9-8C96-46A3-95B4-E2406B756C57}">
+      <dsp:nvSpPr>
+        <dsp:cNvPr id="0" name=""/>
+        <dsp:cNvSpPr/>
+      </dsp:nvSpPr>
+      <dsp:spPr>
+        <a:xfrm>
+          <a:off x="6378315" y="2372301"/>
+          <a:ext cx="1171706" cy="606657"/>
+        </a:xfrm>
+        <a:prstGeom prst="rect">
+          <a:avLst/>
+        </a:prstGeom>
+        <a:solidFill>
+          <a:schemeClr val="accent1"/>
+        </a:solidFill>
+        <a:ln w="12700" cap="flat" cmpd="sng" algn="ctr">
+          <a:noFill/>
+          <a:prstDash val="dash"/>
+          <a:miter lim="800000"/>
+        </a:ln>
+        <a:effectLst/>
+      </dsp:spPr>
+      <dsp:style>
+        <a:lnRef idx="2">
+          <a:scrgbClr r="0" g="0" b="0"/>
+        </a:lnRef>
+        <a:fillRef idx="1">
+          <a:scrgbClr r="0" g="0" b="0"/>
+        </a:fillRef>
+        <a:effectRef idx="0">
+          <a:scrgbClr r="0" g="0" b="0"/>
+        </a:effectRef>
+        <a:fontRef idx="minor">
+          <a:schemeClr val="lt1"/>
+        </a:fontRef>
+      </dsp:style>
+      <dsp:txBody>
+        <a:bodyPr spcFirstLastPara="0" vert="horz" wrap="square" lIns="11430" tIns="11430" rIns="11430" bIns="85606" numCol="1" spcCol="1270" anchor="ctr" anchorCtr="0">
+          <a:noAutofit/>
+        </a:bodyPr>
+        <a:lstStyle/>
+        <a:p>
+          <a:pPr marL="0" lvl="0" indent="0" algn="ctr" defTabSz="800100">
+            <a:lnSpc>
+              <a:spcPct val="90000"/>
+            </a:lnSpc>
+            <a:spcBef>
+              <a:spcPct val="0"/>
+            </a:spcBef>
+            <a:spcAft>
+              <a:spcPct val="35000"/>
+            </a:spcAft>
+            <a:buNone/>
+          </a:pPr>
+          <a:r>
+            <a:rPr lang="zh-CN" altLang="en-US" sz="1800" kern="1200" dirty="0">
+              <a:solidFill>
+                <a:schemeClr val="bg1"/>
+              </a:solidFill>
+              <a:latin typeface="SimSun-ExtB" panose="02010609060101010101" pitchFamily="49" charset="-122"/>
+              <a:ea typeface="SimSun-ExtB" panose="02010609060101010101" pitchFamily="49" charset="-122"/>
+            </a:rPr>
+            <a:t>谱分析</a:t>
+          </a:r>
+          <a:endParaRPr lang="en-US" sz="1800" kern="1200" dirty="0">
+            <a:solidFill>
+              <a:schemeClr val="bg1"/>
+            </a:solidFill>
+            <a:latin typeface="SimSun-ExtB" panose="02010609060101010101" pitchFamily="49" charset="-122"/>
+            <a:ea typeface="SimSun-ExtB" panose="02010609060101010101" pitchFamily="49" charset="-122"/>
+          </a:endParaRPr>
+        </a:p>
+      </dsp:txBody>
+      <dsp:txXfrm>
+        <a:off x="6378315" y="2372301"/>
+        <a:ext cx="1171706" cy="606657"/>
+      </dsp:txXfrm>
+    </dsp:sp>
+    <dsp:sp modelId="{9383FCB4-4032-4D99-92EB-69B977B2DEDB}">
+      <dsp:nvSpPr>
+        <dsp:cNvPr id="0" name=""/>
+        <dsp:cNvSpPr/>
+      </dsp:nvSpPr>
+      <dsp:spPr>
+        <a:xfrm>
+          <a:off x="6612656" y="2844146"/>
+          <a:ext cx="1054535" cy="202219"/>
+        </a:xfrm>
+        <a:prstGeom prst="rect">
+          <a:avLst/>
+        </a:prstGeom>
+        <a:solidFill>
+          <a:schemeClr val="lt1">
+            <a:alpha val="90000"/>
+            <a:hueOff val="0"/>
+            <a:satOff val="0"/>
+            <a:lumOff val="0"/>
+            <a:alphaOff val="0"/>
+          </a:schemeClr>
+        </a:solidFill>
+        <a:ln w="12700" cap="flat" cmpd="sng" algn="ctr">
+          <a:solidFill>
+            <a:schemeClr val="tx1"/>
+          </a:solidFill>
+          <a:prstDash val="solid"/>
+          <a:miter lim="800000"/>
+        </a:ln>
+        <a:effectLst/>
+      </dsp:spPr>
+      <dsp:style>
+        <a:lnRef idx="2">
+          <a:scrgbClr r="0" g="0" b="0"/>
+        </a:lnRef>
+        <a:fillRef idx="1">
+          <a:scrgbClr r="0" g="0" b="0"/>
+        </a:fillRef>
+        <a:effectRef idx="0">
+          <a:scrgbClr r="0" g="0" b="0"/>
+        </a:effectRef>
+        <a:fontRef idx="minor"/>
+      </dsp:style>
+      <dsp:txBody>
+        <a:bodyPr spcFirstLastPara="0" vert="horz" wrap="square" lIns="27940" tIns="6985" rIns="27940" bIns="6985" numCol="1" spcCol="1270" anchor="ctr" anchorCtr="0">
+          <a:noAutofit/>
+        </a:bodyPr>
+        <a:lstStyle/>
+        <a:p>
+          <a:pPr marL="0" lvl="0" indent="0" algn="ctr" defTabSz="488950">
+            <a:lnSpc>
+              <a:spcPct val="90000"/>
+            </a:lnSpc>
+            <a:spcBef>
+              <a:spcPct val="0"/>
+            </a:spcBef>
+            <a:spcAft>
+              <a:spcPct val="35000"/>
+            </a:spcAft>
+            <a:buNone/>
+          </a:pPr>
+          <a:r>
+            <a:rPr lang="zh-CN" altLang="en-US" sz="1100" kern="1200" dirty="0"/>
+            <a:t>第二部分</a:t>
+          </a:r>
+          <a:endParaRPr lang="en-US" sz="1100" kern="1200" dirty="0"/>
+        </a:p>
+      </dsp:txBody>
+      <dsp:txXfrm>
+        <a:off x="6612656" y="2844146"/>
+        <a:ext cx="1054535" cy="202219"/>
+      </dsp:txXfrm>
+    </dsp:sp>
+    <dsp:sp modelId="{F3C2F480-A50E-4471-B518-697F72BCE6FE}">
+      <dsp:nvSpPr>
+        <dsp:cNvPr id="0" name=""/>
+        <dsp:cNvSpPr/>
+      </dsp:nvSpPr>
+      <dsp:spPr>
+        <a:xfrm>
+          <a:off x="4806331" y="3329472"/>
+          <a:ext cx="1171706" cy="606657"/>
+        </a:xfrm>
+        <a:prstGeom prst="rect">
+          <a:avLst/>
+        </a:prstGeom>
+        <a:solidFill>
+          <a:schemeClr val="accent1"/>
+        </a:solidFill>
+        <a:ln w="12700" cap="flat" cmpd="sng" algn="ctr">
+          <a:solidFill>
+            <a:schemeClr val="lt1">
+              <a:hueOff val="0"/>
+              <a:satOff val="0"/>
+              <a:lumOff val="0"/>
+              <a:alphaOff val="0"/>
+            </a:schemeClr>
+          </a:solidFill>
+          <a:prstDash val="solid"/>
+          <a:miter lim="800000"/>
+        </a:ln>
+        <a:effectLst/>
+      </dsp:spPr>
+      <dsp:style>
+        <a:lnRef idx="2">
+          <a:scrgbClr r="0" g="0" b="0"/>
+        </a:lnRef>
+        <a:fillRef idx="1">
+          <a:scrgbClr r="0" g="0" b="0"/>
+        </a:fillRef>
+        <a:effectRef idx="0">
+          <a:scrgbClr r="0" g="0" b="0"/>
+        </a:effectRef>
+        <a:fontRef idx="minor">
+          <a:schemeClr val="lt1"/>
+        </a:fontRef>
+      </dsp:style>
+      <dsp:txBody>
+        <a:bodyPr spcFirstLastPara="0" vert="horz" wrap="square" lIns="8890" tIns="8890" rIns="8890" bIns="85606" numCol="1" spcCol="1270" anchor="ctr" anchorCtr="0">
+          <a:noAutofit/>
+        </a:bodyPr>
+        <a:lstStyle/>
+        <a:p>
+          <a:pPr marL="0" lvl="0" indent="0" algn="ctr" defTabSz="622300">
+            <a:lnSpc>
+              <a:spcPct val="90000"/>
+            </a:lnSpc>
+            <a:spcBef>
+              <a:spcPct val="0"/>
+            </a:spcBef>
+            <a:spcAft>
+              <a:spcPct val="35000"/>
+            </a:spcAft>
+            <a:buNone/>
+          </a:pPr>
+          <a:r>
+            <a:rPr lang="zh-CN" altLang="en-US" sz="1400" kern="1200" dirty="0">
+              <a:solidFill>
+                <a:schemeClr val="bg1"/>
+              </a:solidFill>
+              <a:latin typeface="SimSun-ExtB" panose="02010609060101010101" pitchFamily="49" charset="-122"/>
+              <a:ea typeface="SimSun-ExtB" panose="02010609060101010101" pitchFamily="49" charset="-122"/>
+            </a:rPr>
+            <a:t>谱质量</a:t>
+          </a:r>
+          <a:endParaRPr lang="en-US" sz="1400" kern="1200" dirty="0">
+            <a:solidFill>
+              <a:schemeClr val="bg1"/>
+            </a:solidFill>
+            <a:latin typeface="SimSun-ExtB" panose="02010609060101010101" pitchFamily="49" charset="-122"/>
+            <a:ea typeface="SimSun-ExtB" panose="02010609060101010101" pitchFamily="49" charset="-122"/>
+          </a:endParaRPr>
+        </a:p>
+      </dsp:txBody>
+      <dsp:txXfrm>
+        <a:off x="4806331" y="3329472"/>
+        <a:ext cx="1171706" cy="606657"/>
+      </dsp:txXfrm>
+    </dsp:sp>
+    <dsp:sp modelId="{1D1EC709-D9D6-44BC-86E1-26B52573F71C}">
+      <dsp:nvSpPr>
+        <dsp:cNvPr id="0" name=""/>
+        <dsp:cNvSpPr/>
+      </dsp:nvSpPr>
+      <dsp:spPr>
+        <a:xfrm>
+          <a:off x="5040673" y="3801317"/>
+          <a:ext cx="1054535" cy="202219"/>
+        </a:xfrm>
+        <a:prstGeom prst="rect">
+          <a:avLst/>
+        </a:prstGeom>
+        <a:solidFill>
+          <a:schemeClr val="accent1">
+            <a:lumMod val="20000"/>
+            <a:lumOff val="80000"/>
+            <a:alpha val="90000"/>
+          </a:schemeClr>
+        </a:solidFill>
+        <a:ln w="12700" cap="flat" cmpd="sng" algn="ctr">
+          <a:noFill/>
+          <a:prstDash val="solid"/>
+          <a:miter lim="800000"/>
+        </a:ln>
+        <a:effectLst/>
+      </dsp:spPr>
+      <dsp:style>
+        <a:lnRef idx="2">
+          <a:scrgbClr r="0" g="0" b="0"/>
+        </a:lnRef>
+        <a:fillRef idx="1">
+          <a:scrgbClr r="0" g="0" b="0"/>
+        </a:fillRef>
+        <a:effectRef idx="0">
+          <a:scrgbClr r="0" g="0" b="0"/>
+        </a:effectRef>
+        <a:fontRef idx="minor"/>
+      </dsp:style>
+      <dsp:txBody>
+        <a:bodyPr spcFirstLastPara="0" vert="horz" wrap="square" lIns="27940" tIns="6985" rIns="27940" bIns="6985" numCol="1" spcCol="1270" anchor="ctr" anchorCtr="0">
+          <a:noAutofit/>
+        </a:bodyPr>
+        <a:lstStyle/>
+        <a:p>
+          <a:pPr marL="0" lvl="0" indent="0" algn="ctr" defTabSz="488950">
+            <a:lnSpc>
+              <a:spcPct val="90000"/>
+            </a:lnSpc>
+            <a:spcBef>
+              <a:spcPct val="0"/>
+            </a:spcBef>
+            <a:spcAft>
+              <a:spcPct val="35000"/>
+            </a:spcAft>
+            <a:buNone/>
+          </a:pPr>
+          <a:r>
+            <a:rPr lang="zh-CN" altLang="en-US" sz="1100" kern="1200" dirty="0"/>
+            <a:t>第五章</a:t>
+          </a:r>
+          <a:endParaRPr lang="en-US" sz="1100" kern="1200" dirty="0"/>
+        </a:p>
+      </dsp:txBody>
+      <dsp:txXfrm>
+        <a:off x="5040673" y="3801317"/>
+        <a:ext cx="1054535" cy="202219"/>
+      </dsp:txXfrm>
+    </dsp:sp>
+    <dsp:sp modelId="{A4DF345C-7292-4706-8824-A26E9B0C13CB}">
+      <dsp:nvSpPr>
+        <dsp:cNvPr id="0" name=""/>
+        <dsp:cNvSpPr/>
+      </dsp:nvSpPr>
+      <dsp:spPr>
+        <a:xfrm>
+          <a:off x="6378315" y="3329472"/>
+          <a:ext cx="1171706" cy="606657"/>
+        </a:xfrm>
+        <a:prstGeom prst="rect">
+          <a:avLst/>
+        </a:prstGeom>
+        <a:solidFill>
+          <a:schemeClr val="accent1"/>
+        </a:solidFill>
+        <a:ln w="12700" cap="flat" cmpd="sng" algn="ctr">
+          <a:solidFill>
+            <a:schemeClr val="lt1">
+              <a:hueOff val="0"/>
+              <a:satOff val="0"/>
+              <a:lumOff val="0"/>
+              <a:alphaOff val="0"/>
+            </a:schemeClr>
+          </a:solidFill>
+          <a:prstDash val="solid"/>
+          <a:miter lim="800000"/>
+        </a:ln>
+        <a:effectLst/>
+      </dsp:spPr>
+      <dsp:style>
+        <a:lnRef idx="2">
+          <a:scrgbClr r="0" g="0" b="0"/>
+        </a:lnRef>
+        <a:fillRef idx="1">
+          <a:scrgbClr r="0" g="0" b="0"/>
+        </a:fillRef>
+        <a:effectRef idx="0">
+          <a:scrgbClr r="0" g="0" b="0"/>
+        </a:effectRef>
+        <a:fontRef idx="minor">
+          <a:schemeClr val="lt1"/>
+        </a:fontRef>
+      </dsp:style>
+      <dsp:txBody>
+        <a:bodyPr spcFirstLastPara="0" vert="horz" wrap="square" lIns="8890" tIns="8890" rIns="8890" bIns="85606" numCol="1" spcCol="1270" anchor="ctr" anchorCtr="0">
+          <a:noAutofit/>
+        </a:bodyPr>
+        <a:lstStyle/>
+        <a:p>
+          <a:pPr marL="0" lvl="0" indent="0" algn="ctr" defTabSz="622300">
+            <a:lnSpc>
+              <a:spcPct val="90000"/>
+            </a:lnSpc>
+            <a:spcBef>
+              <a:spcPct val="0"/>
+            </a:spcBef>
+            <a:spcAft>
+              <a:spcPct val="35000"/>
+            </a:spcAft>
+            <a:buNone/>
+          </a:pPr>
+          <a:r>
+            <a:rPr lang="zh-CN" altLang="en-US" sz="1400" kern="1200" dirty="0">
+              <a:solidFill>
+                <a:schemeClr val="bg1"/>
+              </a:solidFill>
+              <a:latin typeface="SimSun-ExtB" panose="02010609060101010101" pitchFamily="49" charset="-122"/>
+              <a:ea typeface="SimSun-ExtB" panose="02010609060101010101" pitchFamily="49" charset="-122"/>
+            </a:rPr>
+            <a:t>谱常模</a:t>
+          </a:r>
+          <a:endParaRPr lang="en-US" sz="1400" kern="1200" dirty="0">
+            <a:solidFill>
+              <a:schemeClr val="bg1"/>
+            </a:solidFill>
+            <a:latin typeface="SimSun-ExtB" panose="02010609060101010101" pitchFamily="49" charset="-122"/>
+            <a:ea typeface="SimSun-ExtB" panose="02010609060101010101" pitchFamily="49" charset="-122"/>
+          </a:endParaRPr>
+        </a:p>
+      </dsp:txBody>
+      <dsp:txXfrm>
+        <a:off x="6378315" y="3329472"/>
+        <a:ext cx="1171706" cy="606657"/>
+      </dsp:txXfrm>
+    </dsp:sp>
+    <dsp:sp modelId="{817C978D-ECB0-4B9C-BAC3-526324566CDA}">
+      <dsp:nvSpPr>
+        <dsp:cNvPr id="0" name=""/>
+        <dsp:cNvSpPr/>
+      </dsp:nvSpPr>
+      <dsp:spPr>
+        <a:xfrm>
+          <a:off x="6612656" y="3801317"/>
+          <a:ext cx="1054535" cy="202219"/>
+        </a:xfrm>
+        <a:prstGeom prst="rect">
+          <a:avLst/>
+        </a:prstGeom>
+        <a:solidFill>
+          <a:schemeClr val="accent1">
+            <a:lumMod val="20000"/>
+            <a:lumOff val="80000"/>
+            <a:alpha val="90000"/>
+          </a:schemeClr>
+        </a:solidFill>
+        <a:ln w="12700" cap="flat" cmpd="sng" algn="ctr">
+          <a:noFill/>
+          <a:prstDash val="solid"/>
+          <a:miter lim="800000"/>
+        </a:ln>
+        <a:effectLst/>
+      </dsp:spPr>
+      <dsp:style>
+        <a:lnRef idx="2">
+          <a:scrgbClr r="0" g="0" b="0"/>
+        </a:lnRef>
+        <a:fillRef idx="1">
+          <a:scrgbClr r="0" g="0" b="0"/>
+        </a:fillRef>
+        <a:effectRef idx="0">
+          <a:scrgbClr r="0" g="0" b="0"/>
+        </a:effectRef>
+        <a:fontRef idx="minor"/>
+      </dsp:style>
+      <dsp:txBody>
+        <a:bodyPr spcFirstLastPara="0" vert="horz" wrap="square" lIns="27940" tIns="6985" rIns="27940" bIns="6985" numCol="1" spcCol="1270" anchor="ctr" anchorCtr="0">
+          <a:noAutofit/>
+        </a:bodyPr>
+        <a:lstStyle/>
+        <a:p>
+          <a:pPr marL="0" lvl="0" indent="0" algn="ctr" defTabSz="488950">
+            <a:lnSpc>
+              <a:spcPct val="90000"/>
+            </a:lnSpc>
+            <a:spcBef>
+              <a:spcPct val="0"/>
+            </a:spcBef>
+            <a:spcAft>
+              <a:spcPct val="35000"/>
+            </a:spcAft>
+            <a:buNone/>
+          </a:pPr>
+          <a:r>
+            <a:rPr lang="zh-CN" altLang="en-US" sz="1100" kern="1200" dirty="0"/>
+            <a:t>第六章</a:t>
+          </a:r>
+          <a:endParaRPr lang="en-US" sz="1100" kern="1200" dirty="0"/>
+        </a:p>
+      </dsp:txBody>
+      <dsp:txXfrm>
+        <a:off x="6612656" y="3801317"/>
+        <a:ext cx="1054535" cy="202219"/>
+      </dsp:txXfrm>
+    </dsp:sp>
+    <dsp:sp modelId="{6EC1F397-B3F8-4C35-8DF4-B898741D95A5}">
+      <dsp:nvSpPr>
+        <dsp:cNvPr id="0" name=""/>
+        <dsp:cNvSpPr/>
+      </dsp:nvSpPr>
+      <dsp:spPr>
+        <a:xfrm>
+          <a:off x="7950299" y="3329472"/>
+          <a:ext cx="1171706" cy="606657"/>
+        </a:xfrm>
+        <a:prstGeom prst="rect">
+          <a:avLst/>
+        </a:prstGeom>
+        <a:solidFill>
+          <a:schemeClr val="accent1"/>
+        </a:solidFill>
+        <a:ln w="12700" cap="flat" cmpd="sng" algn="ctr">
+          <a:solidFill>
+            <a:schemeClr val="lt1">
+              <a:hueOff val="0"/>
+              <a:satOff val="0"/>
+              <a:lumOff val="0"/>
+              <a:alphaOff val="0"/>
+            </a:schemeClr>
+          </a:solidFill>
+          <a:prstDash val="solid"/>
+          <a:miter lim="800000"/>
+        </a:ln>
+        <a:effectLst/>
+      </dsp:spPr>
+      <dsp:style>
+        <a:lnRef idx="2">
+          <a:scrgbClr r="0" g="0" b="0"/>
+        </a:lnRef>
+        <a:fillRef idx="1">
+          <a:scrgbClr r="0" g="0" b="0"/>
+        </a:fillRef>
+        <a:effectRef idx="0">
+          <a:scrgbClr r="0" g="0" b="0"/>
+        </a:effectRef>
+        <a:fontRef idx="minor">
+          <a:schemeClr val="lt1"/>
+        </a:fontRef>
+      </dsp:style>
+      <dsp:txBody>
+        <a:bodyPr spcFirstLastPara="0" vert="horz" wrap="square" lIns="8890" tIns="8890" rIns="8890" bIns="85606" numCol="1" spcCol="1270" anchor="ctr" anchorCtr="0">
+          <a:noAutofit/>
+        </a:bodyPr>
+        <a:lstStyle/>
+        <a:p>
+          <a:pPr marL="0" lvl="0" indent="0" algn="ctr" defTabSz="622300">
+            <a:lnSpc>
+              <a:spcPct val="90000"/>
+            </a:lnSpc>
+            <a:spcBef>
+              <a:spcPct val="0"/>
+            </a:spcBef>
+            <a:spcAft>
+              <a:spcPct val="35000"/>
+            </a:spcAft>
+            <a:buNone/>
+          </a:pPr>
+          <a:r>
+            <a:rPr lang="zh-CN" altLang="en-US" sz="1400" kern="1200" dirty="0">
+              <a:solidFill>
+                <a:schemeClr val="bg1"/>
+              </a:solidFill>
+              <a:latin typeface="SimSun-ExtB" panose="02010609060101010101" pitchFamily="49" charset="-122"/>
+              <a:ea typeface="SimSun-ExtB" panose="02010609060101010101" pitchFamily="49" charset="-122"/>
+            </a:rPr>
+            <a:t>谱成分</a:t>
+          </a:r>
+          <a:endParaRPr lang="en-US" sz="1400" kern="1200" dirty="0">
+            <a:solidFill>
+              <a:schemeClr val="bg1"/>
+            </a:solidFill>
+            <a:latin typeface="SimSun-ExtB" panose="02010609060101010101" pitchFamily="49" charset="-122"/>
+            <a:ea typeface="SimSun-ExtB" panose="02010609060101010101" pitchFamily="49" charset="-122"/>
+          </a:endParaRPr>
+        </a:p>
+      </dsp:txBody>
+      <dsp:txXfrm>
+        <a:off x="7950299" y="3329472"/>
+        <a:ext cx="1171706" cy="606657"/>
+      </dsp:txXfrm>
+    </dsp:sp>
+    <dsp:sp modelId="{5DDD142B-72A3-45D5-A9B7-3585A6E905FF}">
+      <dsp:nvSpPr>
+        <dsp:cNvPr id="0" name=""/>
+        <dsp:cNvSpPr/>
+      </dsp:nvSpPr>
+      <dsp:spPr>
+        <a:xfrm>
+          <a:off x="8184640" y="3801317"/>
+          <a:ext cx="1054535" cy="202219"/>
+        </a:xfrm>
+        <a:prstGeom prst="rect">
+          <a:avLst/>
+        </a:prstGeom>
+        <a:solidFill>
+          <a:schemeClr val="accent1">
+            <a:lumMod val="20000"/>
+            <a:lumOff val="80000"/>
+            <a:alpha val="90000"/>
+          </a:schemeClr>
+        </a:solidFill>
+        <a:ln w="12700" cap="flat" cmpd="sng" algn="ctr">
+          <a:noFill/>
           <a:prstDash val="solid"/>
           <a:miter lim="800000"/>
         </a:ln>
@@ -5279,6 +9181,1187 @@
 </dgm:layoutDef>
 </file>
 
+<file path=ppt/diagrams/layout2.xml><?xml version="1.0" encoding="utf-8"?>
+<dgm:layoutDef xmlns:dgm="http://schemas.openxmlformats.org/drawingml/2006/diagram" xmlns:a="http://schemas.openxmlformats.org/drawingml/2006/main" uniqueId="urn:microsoft.com/office/officeart/2008/layout/NameandTitleOrganizationalChart">
+  <dgm:title val=""/>
+  <dgm:desc val=""/>
+  <dgm:catLst>
+    <dgm:cat type="hierarchy" pri="1250"/>
+  </dgm:catLst>
+  <dgm:sampData>
+    <dgm:dataModel>
+      <dgm:ptLst>
+        <dgm:pt modelId="0" type="doc"/>
+        <dgm:pt modelId="1">
+          <dgm:prSet phldr="1"/>
+        </dgm:pt>
+        <dgm:pt modelId="2" type="asst">
+          <dgm:prSet phldr="1"/>
+        </dgm:pt>
+        <dgm:pt modelId="3">
+          <dgm:prSet phldr="1"/>
+        </dgm:pt>
+        <dgm:pt modelId="4">
+          <dgm:prSet phldr="1"/>
+        </dgm:pt>
+        <dgm:pt modelId="5">
+          <dgm:prSet phldr="1"/>
+        </dgm:pt>
+      </dgm:ptLst>
+      <dgm:cxnLst>
+        <dgm:cxn modelId="5" srcId="0" destId="1" srcOrd="0" destOrd="0"/>
+        <dgm:cxn modelId="6" srcId="1" destId="2" srcOrd="0" destOrd="0"/>
+        <dgm:cxn modelId="7" srcId="1" destId="3" srcOrd="1" destOrd="0"/>
+        <dgm:cxn modelId="8" srcId="1" destId="4" srcOrd="2" destOrd="0"/>
+        <dgm:cxn modelId="9" srcId="1" destId="5" srcOrd="3" destOrd="0"/>
+      </dgm:cxnLst>
+      <dgm:bg/>
+      <dgm:whole/>
+    </dgm:dataModel>
+  </dgm:sampData>
+  <dgm:styleData>
+    <dgm:dataModel>
+      <dgm:ptLst>
+        <dgm:pt modelId="0" type="doc"/>
+        <dgm:pt modelId="1"/>
+        <dgm:pt modelId="12"/>
+        <dgm:pt modelId="13"/>
+      </dgm:ptLst>
+      <dgm:cxnLst>
+        <dgm:cxn modelId="2" srcId="0" destId="1" srcOrd="0" destOrd="0"/>
+        <dgm:cxn modelId="16" srcId="1" destId="12" srcOrd="1" destOrd="0"/>
+        <dgm:cxn modelId="17" srcId="1" destId="13" srcOrd="2" destOrd="0"/>
+      </dgm:cxnLst>
+      <dgm:bg/>
+      <dgm:whole/>
+    </dgm:dataModel>
+  </dgm:styleData>
+  <dgm:clrData>
+    <dgm:dataModel>
+      <dgm:ptLst>
+        <dgm:pt modelId="0" type="doc"/>
+        <dgm:pt modelId="1"/>
+        <dgm:pt modelId="11" type="asst"/>
+        <dgm:pt modelId="12"/>
+        <dgm:pt modelId="13"/>
+        <dgm:pt modelId="14"/>
+      </dgm:ptLst>
+      <dgm:cxnLst>
+        <dgm:cxn modelId="2" srcId="0" destId="1" srcOrd="0" destOrd="0"/>
+        <dgm:cxn modelId="15" srcId="1" destId="11" srcOrd="0" destOrd="0"/>
+        <dgm:cxn modelId="16" srcId="1" destId="12" srcOrd="1" destOrd="0"/>
+        <dgm:cxn modelId="17" srcId="1" destId="13" srcOrd="2" destOrd="0"/>
+        <dgm:cxn modelId="18" srcId="1" destId="14" srcOrd="2" destOrd="0"/>
+      </dgm:cxnLst>
+      <dgm:bg/>
+      <dgm:whole/>
+    </dgm:dataModel>
+  </dgm:clrData>
+  <dgm:layoutNode name="hierChild1">
+    <dgm:varLst>
+      <dgm:orgChart val="1"/>
+      <dgm:chPref val="1"/>
+      <dgm:dir/>
+      <dgm:animOne val="branch"/>
+      <dgm:animLvl val="lvl"/>
+      <dgm:resizeHandles/>
+    </dgm:varLst>
+    <dgm:choose name="Name0">
+      <dgm:if name="Name1" func="var" arg="dir" op="equ" val="norm">
+        <dgm:alg type="hierChild">
+          <dgm:param type="linDir" val="fromL"/>
+        </dgm:alg>
+      </dgm:if>
+      <dgm:else name="Name2">
+        <dgm:alg type="hierChild">
+          <dgm:param type="linDir" val="fromR"/>
+        </dgm:alg>
+      </dgm:else>
+    </dgm:choose>
+    <dgm:shape xmlns:r="http://schemas.openxmlformats.org/officeDocument/2006/relationships" r:blip="">
+      <dgm:adjLst/>
+    </dgm:shape>
+    <dgm:presOf/>
+    <dgm:constrLst>
+      <dgm:constr type="w" for="des" forName="rootComposite1" refType="w" fact="10"/>
+      <dgm:constr type="h" for="des" forName="rootComposite1" refType="w" refFor="des" refForName="rootComposite1" fact="0.5"/>
+      <dgm:constr type="w" for="des" forName="rootComposite" refType="w" fact="10"/>
+      <dgm:constr type="h" for="des" forName="rootComposite" refType="w" refFor="des" refForName="rootComposite1" fact="0.5"/>
+      <dgm:constr type="w" for="des" forName="rootComposite3" refType="w" fact="10"/>
+      <dgm:constr type="h" for="des" forName="rootComposite3" refType="w" refFor="des" refForName="rootComposite1" fact="0.5"/>
+      <dgm:constr type="primFontSz" for="des" ptType="node" op="equ"/>
+      <dgm:constr type="sp" for="des" op="equ"/>
+      <dgm:constr type="sp" for="des" forName="hierRoot1" refType="w" refFor="des" refForName="rootComposite1" fact="0.21"/>
+      <dgm:constr type="sp" for="des" forName="hierRoot2" refType="sp" refFor="des" refForName="hierRoot1"/>
+      <dgm:constr type="sp" for="des" forName="hierRoot3" refType="sp" refFor="des" refForName="hierRoot1"/>
+      <dgm:constr type="sibSp" refType="w" refFor="des" refForName="rootComposite1" fact="0.21"/>
+      <dgm:constr type="sibSp" for="des" forName="hierChild2" refType="sibSp"/>
+      <dgm:constr type="sibSp" for="des" forName="hierChild3" refType="sibSp"/>
+      <dgm:constr type="sibSp" for="des" forName="hierChild4" refType="sibSp"/>
+      <dgm:constr type="sibSp" for="des" forName="hierChild5" refType="sibSp"/>
+      <dgm:constr type="sibSp" for="des" forName="hierChild6" refType="sibSp"/>
+      <dgm:constr type="sibSp" for="des" forName="hierChild7" refType="sibSp"/>
+      <dgm:constr type="secSibSp" refType="w" refFor="des" refForName="rootComposite1" fact="0.21"/>
+      <dgm:constr type="secSibSp" for="des" forName="hierChild2" refType="secSibSp"/>
+      <dgm:constr type="secSibSp" for="des" forName="hierChild3" refType="secSibSp"/>
+      <dgm:constr type="secSibSp" for="des" forName="hierChild4" refType="secSibSp"/>
+      <dgm:constr type="secSibSp" for="des" forName="hierChild5" refType="secSibSp"/>
+      <dgm:constr type="secSibSp" for="des" forName="hierChild6" refType="secSibSp"/>
+      <dgm:constr type="secSibSp" for="des" forName="hierChild7" refType="secSibSp"/>
+    </dgm:constrLst>
+    <dgm:ruleLst/>
+    <dgm:forEach name="Name3" axis="ch">
+      <dgm:forEach name="Name4" axis="self" ptType="node">
+        <dgm:layoutNode name="hierRoot1">
+          <dgm:varLst>
+            <dgm:hierBranch val="init"/>
+          </dgm:varLst>
+          <dgm:choose name="Name5">
+            <dgm:if name="Name6" func="var" arg="hierBranch" op="equ" val="l">
+              <dgm:choose name="Name7">
+                <dgm:if name="Name8" axis="ch" ptType="asst" func="cnt" op="gte" val="1">
+                  <dgm:alg type="hierRoot">
+                    <dgm:param type="hierAlign" val="tR"/>
+                  </dgm:alg>
+                  <dgm:constrLst>
+                    <dgm:constr type="alignOff" val="0.65"/>
+                  </dgm:constrLst>
+                </dgm:if>
+                <dgm:else name="Name9">
+                  <dgm:alg type="hierRoot">
+                    <dgm:param type="hierAlign" val="tR"/>
+                  </dgm:alg>
+                  <dgm:constrLst>
+                    <dgm:constr type="alignOff" val="0.25"/>
+                  </dgm:constrLst>
+                </dgm:else>
+              </dgm:choose>
+            </dgm:if>
+            <dgm:if name="Name10" func="var" arg="hierBranch" op="equ" val="r">
+              <dgm:choose name="Name11">
+                <dgm:if name="Name12" axis="ch" ptType="asst" func="cnt" op="gte" val="1">
+                  <dgm:alg type="hierRoot">
+                    <dgm:param type="hierAlign" val="tL"/>
+                  </dgm:alg>
+                  <dgm:constrLst>
+                    <dgm:constr type="alignOff" val="0.65"/>
+                  </dgm:constrLst>
+                </dgm:if>
+                <dgm:else name="Name13">
+                  <dgm:alg type="hierRoot">
+                    <dgm:param type="hierAlign" val="tL"/>
+                  </dgm:alg>
+                  <dgm:constrLst>
+                    <dgm:constr type="alignOff" val="0.25"/>
+                  </dgm:constrLst>
+                </dgm:else>
+              </dgm:choose>
+            </dgm:if>
+            <dgm:if name="Name14" func="var" arg="hierBranch" op="equ" val="hang">
+              <dgm:alg type="hierRoot"/>
+              <dgm:constrLst>
+                <dgm:constr type="alignOff" val="0.65"/>
+              </dgm:constrLst>
+            </dgm:if>
+            <dgm:else name="Name15">
+              <dgm:alg type="hierRoot"/>
+              <dgm:constrLst>
+                <dgm:constr type="alignOff"/>
+                <dgm:constr type="bendDist" for="des" ptType="parTrans" refType="sp" fact="0.5"/>
+              </dgm:constrLst>
+            </dgm:else>
+          </dgm:choose>
+          <dgm:shape xmlns:r="http://schemas.openxmlformats.org/officeDocument/2006/relationships" r:blip="">
+            <dgm:adjLst/>
+          </dgm:shape>
+          <dgm:presOf/>
+          <dgm:ruleLst/>
+          <dgm:layoutNode name="rootComposite1">
+            <dgm:alg type="composite"/>
+            <dgm:shape xmlns:r="http://schemas.openxmlformats.org/officeDocument/2006/relationships" r:blip="">
+              <dgm:adjLst/>
+            </dgm:shape>
+            <dgm:presOf axis="self" ptType="node" cnt="1"/>
+            <dgm:choose name="Name16">
+              <dgm:if name="Name17" func="var" arg="hierBranch" op="equ" val="init">
+                <dgm:constrLst>
+                  <dgm:constr type="l" for="ch" forName="rootText1"/>
+                  <dgm:constr type="t" for="ch" forName="rootText1"/>
+                  <dgm:constr type="w" for="ch" forName="rootText1" refType="w"/>
+                  <dgm:constr type="h" for="ch" forName="rootText1" refType="h" fact="0.9"/>
+                  <dgm:constr type="l" for="ch" forName="titleText1" refType="w" fact="0.2"/>
+                  <dgm:constr type="t" for="ch" forName="titleText1" refType="h" fact="0.7"/>
+                  <dgm:constr type="w" for="ch" forName="titleText1" refType="w" fact="0.9"/>
+                  <dgm:constr type="h" for="ch" forName="titleText1" refType="h" fact="0.3"/>
+                  <dgm:constr type="primFontSz" for="des" forName="titleText1" refType="primFontSz" refFor="des" refForName="rootText1" op="lte"/>
+                  <dgm:constr type="l" for="ch" forName="rootConnector1"/>
+                  <dgm:constr type="t" for="ch" forName="rootConnector1"/>
+                  <dgm:constr type="w" for="ch" forName="rootConnector1" refType="w" refFor="ch" refForName="rootText1" fact="0.2"/>
+                  <dgm:constr type="h" for="ch" forName="rootConnector1" refType="h" refFor="ch" refForName="rootText1"/>
+                </dgm:constrLst>
+              </dgm:if>
+              <dgm:if name="Name18" func="var" arg="hierBranch" op="equ" val="l">
+                <dgm:constrLst>
+                  <dgm:constr type="l" for="ch" forName="rootText1"/>
+                  <dgm:constr type="t" for="ch" forName="rootText1"/>
+                  <dgm:constr type="w" for="ch" forName="rootText1" refType="w"/>
+                  <dgm:constr type="h" for="ch" forName="rootText1" refType="h" fact="0.9"/>
+                  <dgm:constr type="l" for="ch" forName="titleText1" refType="w" fact="0.2"/>
+                  <dgm:constr type="t" for="ch" forName="titleText1" refType="h" fact="0.7"/>
+                  <dgm:constr type="w" for="ch" forName="titleText1" refType="w" fact="0.9"/>
+                  <dgm:constr type="h" for="ch" forName="titleText1" refType="h" fact="0.3"/>
+                  <dgm:constr type="primFontSz" for="des" forName="titleText1" refType="primFontSz" refFor="des" refForName="rootText1" op="lte"/>
+                  <dgm:constr type="r" for="ch" forName="rootConnector1" refType="w"/>
+                  <dgm:constr type="t" for="ch" forName="rootConnector1"/>
+                  <dgm:constr type="w" for="ch" forName="rootConnector1" refType="w" refFor="ch" refForName="rootText1" fact="0.2"/>
+                  <dgm:constr type="h" for="ch" forName="rootConnector1" refType="h" refFor="ch" refForName="rootText1"/>
+                </dgm:constrLst>
+              </dgm:if>
+              <dgm:if name="Name19" func="var" arg="hierBranch" op="equ" val="r">
+                <dgm:constrLst>
+                  <dgm:constr type="l" for="ch" forName="rootText1"/>
+                  <dgm:constr type="t" for="ch" forName="rootText1"/>
+                  <dgm:constr type="w" for="ch" forName="rootText1" refType="w"/>
+                  <dgm:constr type="h" for="ch" forName="rootText1" refType="h" fact="0.9"/>
+                  <dgm:constr type="l" for="ch" forName="titleText1" refType="w" fact="0.2"/>
+                  <dgm:constr type="t" for="ch" forName="titleText1" refType="h" fact="0.7"/>
+                  <dgm:constr type="w" for="ch" forName="titleText1" refType="w" fact="0.9"/>
+                  <dgm:constr type="h" for="ch" forName="titleText1" refType="h" fact="0.3"/>
+                  <dgm:constr type="primFontSz" for="des" forName="titleText1" refType="primFontSz" refFor="des" refForName="rootText1" op="lte"/>
+                  <dgm:constr type="l" for="ch" forName="rootConnector1"/>
+                  <dgm:constr type="t" for="ch" forName="rootConnector1"/>
+                  <dgm:constr type="w" for="ch" forName="rootConnector1" refType="w" refFor="ch" refForName="rootText1" fact="0.2"/>
+                  <dgm:constr type="h" for="ch" forName="rootConnector1" refType="h" refFor="ch" refForName="rootText1"/>
+                </dgm:constrLst>
+              </dgm:if>
+              <dgm:else name="Name20">
+                <dgm:constrLst>
+                  <dgm:constr type="l" for="ch" forName="rootText1"/>
+                  <dgm:constr type="t" for="ch" forName="rootText1"/>
+                  <dgm:constr type="w" for="ch" forName="rootText1" refType="w"/>
+                  <dgm:constr type="h" for="ch" forName="rootText1" refType="h" fact="0.9"/>
+                  <dgm:constr type="l" for="ch" forName="titleText1" refType="w" fact="0.2"/>
+                  <dgm:constr type="t" for="ch" forName="titleText1" refType="h" fact="0.7"/>
+                  <dgm:constr type="w" for="ch" forName="titleText1" refType="w" fact="0.9"/>
+                  <dgm:constr type="h" for="ch" forName="titleText1" refType="h" fact="0.3"/>
+                  <dgm:constr type="primFontSz" for="des" forName="titleText1" refType="primFontSz" refFor="des" refForName="rootText1" op="lte"/>
+                  <dgm:constr type="r" for="ch" forName="rootConnector1" refType="w"/>
+                  <dgm:constr type="t" for="ch" forName="rootConnector1"/>
+                  <dgm:constr type="w" for="ch" forName="rootConnector1" refType="w" refFor="ch" refForName="rootText1" fact="0.2"/>
+                  <dgm:constr type="h" for="ch" forName="rootConnector1" refType="h" refFor="ch" refForName="rootText1"/>
+                </dgm:constrLst>
+              </dgm:else>
+            </dgm:choose>
+            <dgm:ruleLst/>
+            <dgm:layoutNode name="rootText1" styleLbl="node0">
+              <dgm:varLst>
+                <dgm:chMax/>
+                <dgm:chPref val="3"/>
+              </dgm:varLst>
+              <dgm:alg type="tx"/>
+              <dgm:shape xmlns:r="http://schemas.openxmlformats.org/officeDocument/2006/relationships" type="rect" r:blip="">
+                <dgm:adjLst/>
+              </dgm:shape>
+              <dgm:presOf axis="self" ptType="node" cnt="1"/>
+              <dgm:constrLst>
+                <dgm:constr type="primFontSz" val="65"/>
+                <dgm:constr type="lMarg" refType="primFontSz" fact="0.05"/>
+                <dgm:constr type="rMarg" refType="primFontSz" fact="0.05"/>
+                <dgm:constr type="tMarg" refType="primFontSz" fact="0.05"/>
+                <dgm:constr type="bMarg" refType="h" fact="0.4"/>
+              </dgm:constrLst>
+              <dgm:ruleLst>
+                <dgm:rule type="primFontSz" val="5" fact="NaN" max="NaN"/>
+              </dgm:ruleLst>
+            </dgm:layoutNode>
+            <dgm:layoutNode name="titleText1" styleLbl="fgAcc0">
+              <dgm:varLst>
+                <dgm:chMax val="0"/>
+                <dgm:chPref val="0"/>
+              </dgm:varLst>
+              <dgm:alg type="tx">
+                <dgm:param type="parTxLTRAlign" val="r"/>
+              </dgm:alg>
+              <dgm:shape xmlns:r="http://schemas.openxmlformats.org/officeDocument/2006/relationships" type="rect" r:blip="">
+                <dgm:adjLst/>
+              </dgm:shape>
+              <dgm:presOf axis="followSib" ptType="sibTrans" hideLastTrans="0" cnt="1"/>
+              <dgm:constrLst>
+                <dgm:constr type="primFontSz" val="65"/>
+                <dgm:constr type="lMarg" refType="primFontSz" fact="0.2"/>
+                <dgm:constr type="rMarg" refType="primFontSz" fact="0.2"/>
+                <dgm:constr type="tMarg" refType="primFontSz" fact="0.05"/>
+                <dgm:constr type="bMarg" refType="primFontSz" fact="0.05"/>
+              </dgm:constrLst>
+              <dgm:ruleLst>
+                <dgm:rule type="primFontSz" val="5" fact="NaN" max="NaN"/>
+              </dgm:ruleLst>
+            </dgm:layoutNode>
+            <dgm:layoutNode name="rootConnector1" moveWith="rootText1">
+              <dgm:alg type="sp"/>
+              <dgm:shape xmlns:r="http://schemas.openxmlformats.org/officeDocument/2006/relationships" type="rect" r:blip="" hideGeom="1">
+                <dgm:adjLst/>
+              </dgm:shape>
+              <dgm:presOf axis="self" ptType="node" cnt="1"/>
+              <dgm:constrLst/>
+              <dgm:ruleLst/>
+            </dgm:layoutNode>
+          </dgm:layoutNode>
+          <dgm:layoutNode name="hierChild2">
+            <dgm:choose name="Name21">
+              <dgm:if name="Name22" func="var" arg="hierBranch" op="equ" val="l">
+                <dgm:alg type="hierChild">
+                  <dgm:param type="chAlign" val="r"/>
+                  <dgm:param type="linDir" val="fromT"/>
+                </dgm:alg>
+              </dgm:if>
+              <dgm:if name="Name23" func="var" arg="hierBranch" op="equ" val="r">
+                <dgm:alg type="hierChild">
+                  <dgm:param type="chAlign" val="l"/>
+                  <dgm:param type="linDir" val="fromT"/>
+                </dgm:alg>
+              </dgm:if>
+              <dgm:if name="Name24" func="var" arg="hierBranch" op="equ" val="hang">
+                <dgm:choose name="Name25">
+                  <dgm:if name="Name26" func="var" arg="dir" op="equ" val="norm">
+                    <dgm:alg type="hierChild">
+                      <dgm:param type="chAlign" val="l"/>
+                      <dgm:param type="linDir" val="fromL"/>
+                      <dgm:param type="secChAlign" val="t"/>
+                      <dgm:param type="secLinDir" val="fromT"/>
+                    </dgm:alg>
+                  </dgm:if>
+                  <dgm:else name="Name27">
+                    <dgm:alg type="hierChild">
+                      <dgm:param type="chAlign" val="l"/>
+                      <dgm:param type="linDir" val="fromR"/>
+                      <dgm:param type="secChAlign" val="t"/>
+                      <dgm:param type="secLinDir" val="fromT"/>
+                    </dgm:alg>
+                  </dgm:else>
+                </dgm:choose>
+              </dgm:if>
+              <dgm:else name="Name28">
+                <dgm:choose name="Name29">
+                  <dgm:if name="Name30" func="var" arg="dir" op="equ" val="norm">
+                    <dgm:alg type="hierChild"/>
+                  </dgm:if>
+                  <dgm:else name="Name31">
+                    <dgm:alg type="hierChild">
+                      <dgm:param type="linDir" val="fromR"/>
+                    </dgm:alg>
+                  </dgm:else>
+                </dgm:choose>
+              </dgm:else>
+            </dgm:choose>
+            <dgm:shape xmlns:r="http://schemas.openxmlformats.org/officeDocument/2006/relationships" r:blip="">
+              <dgm:adjLst/>
+            </dgm:shape>
+            <dgm:presOf/>
+            <dgm:constrLst/>
+            <dgm:ruleLst/>
+            <dgm:forEach name="rep2a" axis="ch" ptType="nonAsst">
+              <dgm:forEach name="Name32" axis="precedSib" ptType="parTrans" st="-1" cnt="1">
+                <dgm:choose name="Name33">
+                  <dgm:if name="Name34" func="var" arg="hierBranch" op="equ" val="std">
+                    <dgm:layoutNode name="Name35">
+                      <dgm:alg type="conn">
+                        <dgm:param type="connRout" val="bend"/>
+                        <dgm:param type="dim" val="1D"/>
+                        <dgm:param type="endSty" val="noArr"/>
+                        <dgm:param type="begPts" val="bCtr"/>
+                        <dgm:param type="endPts" val="tCtr"/>
+                        <dgm:param type="bendPt" val="end"/>
+                      </dgm:alg>
+                      <dgm:shape xmlns:r="http://schemas.openxmlformats.org/officeDocument/2006/relationships" type="conn" r:blip="" zOrderOff="-99999">
+                        <dgm:adjLst/>
+                      </dgm:shape>
+                      <dgm:presOf axis="self"/>
+                      <dgm:constrLst>
+                        <dgm:constr type="begPad"/>
+                        <dgm:constr type="endPad"/>
+                      </dgm:constrLst>
+                      <dgm:ruleLst/>
+                    </dgm:layoutNode>
+                  </dgm:if>
+                  <dgm:if name="Name36" func="var" arg="hierBranch" op="equ" val="init">
+                    <dgm:layoutNode name="Name37">
+                      <dgm:choose name="Name38">
+                        <dgm:if name="Name39" axis="self" func="depth" op="lte" val="2">
+                          <dgm:alg type="conn">
+                            <dgm:param type="connRout" val="bend"/>
+                            <dgm:param type="dim" val="1D"/>
+                            <dgm:param type="endSty" val="noArr"/>
+                            <dgm:param type="begPts" val="bCtr"/>
+                            <dgm:param type="endPts" val="tCtr"/>
+                            <dgm:param type="bendPt" val="end"/>
+                          </dgm:alg>
+                        </dgm:if>
+                        <dgm:else name="Name40">
+                          <dgm:alg type="conn">
+                            <dgm:param type="connRout" val="bend"/>
+                            <dgm:param type="dim" val="1D"/>
+                            <dgm:param type="endSty" val="noArr"/>
+                            <dgm:param type="begPts" val="bCtr"/>
+                            <dgm:param type="endPts" val="tCtr"/>
+                            <dgm:param type="bendPt" val="end"/>
+                          </dgm:alg>
+                        </dgm:else>
+                      </dgm:choose>
+                      <dgm:shape xmlns:r="http://schemas.openxmlformats.org/officeDocument/2006/relationships" type="conn" r:blip="" zOrderOff="-99999">
+                        <dgm:adjLst/>
+                      </dgm:shape>
+                      <dgm:presOf axis="self"/>
+                      <dgm:constrLst>
+                        <dgm:constr type="begPad"/>
+                        <dgm:constr type="endPad"/>
+                      </dgm:constrLst>
+                      <dgm:ruleLst/>
+                    </dgm:layoutNode>
+                  </dgm:if>
+                  <dgm:if name="Name41" func="var" arg="hierBranch" op="equ" val="hang">
+                    <dgm:layoutNode name="Name42">
+                      <dgm:alg type="conn">
+                        <dgm:param type="connRout" val="bend"/>
+                        <dgm:param type="dim" val="1D"/>
+                        <dgm:param type="endSty" val="noArr"/>
+                        <dgm:param type="begPts" val="bCtr"/>
+                        <dgm:param type="endPts" val="midL midR"/>
+                      </dgm:alg>
+                      <dgm:shape xmlns:r="http://schemas.openxmlformats.org/officeDocument/2006/relationships" type="conn" r:blip="" zOrderOff="-99999">
+                        <dgm:adjLst/>
+                      </dgm:shape>
+                      <dgm:presOf axis="self"/>
+                      <dgm:constrLst>
+                        <dgm:constr type="begPad"/>
+                        <dgm:constr type="endPad"/>
+                      </dgm:constrLst>
+                      <dgm:ruleLst/>
+                    </dgm:layoutNode>
+                  </dgm:if>
+                  <dgm:else name="Name43">
+                    <dgm:layoutNode name="Name44">
+                      <dgm:choose name="Name45">
+                        <dgm:if name="Name46" axis="self" func="depth" op="lte" val="2">
+                          <dgm:choose name="Name47">
+                            <dgm:if name="Name48" axis="par ch" ptType="node asst" func="cnt" op="gte" val="1">
+                              <dgm:alg type="conn">
+                                <dgm:param type="connRout" val="bend"/>
+                                <dgm:param type="dim" val="1D"/>
+                                <dgm:param type="endSty" val="noArr"/>
+                                <dgm:param type="begPts" val="bCtr"/>
+                                <dgm:param type="endPts" val="midL midR"/>
+                              </dgm:alg>
+                            </dgm:if>
+                            <dgm:else name="Name49">
+                              <dgm:alg type="conn">
+                                <dgm:param type="connRout" val="bend"/>
+                                <dgm:param type="dim" val="1D"/>
+                                <dgm:param type="endSty" val="noArr"/>
+                                <dgm:param type="begPts" val="bCtr"/>
+                                <dgm:param type="endPts" val="midL midR"/>
+                                <dgm:param type="srcNode" val="rootConnector1"/>
+                              </dgm:alg>
+                            </dgm:else>
+                          </dgm:choose>
+                        </dgm:if>
+                        <dgm:else name="Name50">
+                          <dgm:choose name="Name51">
+                            <dgm:if name="Name52" axis="par ch" ptType="node asst" func="cnt" op="gte" val="1">
+                              <dgm:alg type="conn">
+                                <dgm:param type="connRout" val="bend"/>
+                                <dgm:param type="dim" val="1D"/>
+                                <dgm:param type="endSty" val="noArr"/>
+                                <dgm:param type="begPts" val="bCtr"/>
+                                <dgm:param type="endPts" val="midL midR"/>
+                              </dgm:alg>
+                            </dgm:if>
+                            <dgm:else name="Name53">
+                              <dgm:alg type="conn">
+                                <dgm:param type="connRout" val="bend"/>
+                                <dgm:param type="dim" val="1D"/>
+                                <dgm:param type="endSty" val="noArr"/>
+                                <dgm:param type="begPts" val="bCtr"/>
+                                <dgm:param type="endPts" val="midL midR"/>
+                                <dgm:param type="srcNode" val="rootConnector"/>
+                              </dgm:alg>
+                            </dgm:else>
+                          </dgm:choose>
+                        </dgm:else>
+                      </dgm:choose>
+                      <dgm:shape xmlns:r="http://schemas.openxmlformats.org/officeDocument/2006/relationships" type="conn" r:blip="" zOrderOff="-99999">
+                        <dgm:adjLst/>
+                      </dgm:shape>
+                      <dgm:presOf axis="self"/>
+                      <dgm:constrLst>
+                        <dgm:constr type="begPad"/>
+                        <dgm:constr type="endPad"/>
+                      </dgm:constrLst>
+                      <dgm:ruleLst/>
+                    </dgm:layoutNode>
+                  </dgm:else>
+                </dgm:choose>
+              </dgm:forEach>
+              <dgm:layoutNode name="hierRoot2">
+                <dgm:varLst>
+                  <dgm:hierBranch val="init"/>
+                </dgm:varLst>
+                <dgm:choose name="Name54">
+                  <dgm:if name="Name55" func="var" arg="hierBranch" op="equ" val="l">
+                    <dgm:choose name="Name56">
+                      <dgm:if name="Name57" axis="ch" ptType="asst" func="cnt" op="gte" val="1">
+                        <dgm:alg type="hierRoot">
+                          <dgm:param type="hierAlign" val="tR"/>
+                        </dgm:alg>
+                        <dgm:shape xmlns:r="http://schemas.openxmlformats.org/officeDocument/2006/relationships" r:blip="">
+                          <dgm:adjLst/>
+                        </dgm:shape>
+                        <dgm:presOf/>
+                        <dgm:constrLst>
+                          <dgm:constr type="alignOff" val="0.65"/>
+                        </dgm:constrLst>
+                      </dgm:if>
+                      <dgm:else name="Name58">
+                        <dgm:alg type="hierRoot">
+                          <dgm:param type="hierAlign" val="tR"/>
+                        </dgm:alg>
+                        <dgm:shape xmlns:r="http://schemas.openxmlformats.org/officeDocument/2006/relationships" r:blip="">
+                          <dgm:adjLst/>
+                        </dgm:shape>
+                        <dgm:presOf/>
+                        <dgm:constrLst>
+                          <dgm:constr type="alignOff" val="0.25"/>
+                        </dgm:constrLst>
+                      </dgm:else>
+                    </dgm:choose>
+                  </dgm:if>
+                  <dgm:if name="Name59" func="var" arg="hierBranch" op="equ" val="r">
+                    <dgm:choose name="Name60">
+                      <dgm:if name="Name61" axis="ch" ptType="asst" func="cnt" op="gte" val="1">
+                        <dgm:alg type="hierRoot">
+                          <dgm:param type="hierAlign" val="tL"/>
+                        </dgm:alg>
+                        <dgm:shape xmlns:r="http://schemas.openxmlformats.org/officeDocument/2006/relationships" r:blip="">
+                          <dgm:adjLst/>
+                        </dgm:shape>
+                        <dgm:presOf/>
+                        <dgm:constrLst>
+                          <dgm:constr type="alignOff" val="0.65"/>
+                        </dgm:constrLst>
+                      </dgm:if>
+                      <dgm:else name="Name62">
+                        <dgm:alg type="hierRoot">
+                          <dgm:param type="hierAlign" val="tL"/>
+                        </dgm:alg>
+                        <dgm:shape xmlns:r="http://schemas.openxmlformats.org/officeDocument/2006/relationships" r:blip="">
+                          <dgm:adjLst/>
+                        </dgm:shape>
+                        <dgm:presOf/>
+                        <dgm:constrLst>
+                          <dgm:constr type="alignOff" val="0.25"/>
+                        </dgm:constrLst>
+                      </dgm:else>
+                    </dgm:choose>
+                  </dgm:if>
+                  <dgm:if name="Name63" func="var" arg="hierBranch" op="equ" val="std">
+                    <dgm:alg type="hierRoot"/>
+                    <dgm:shape xmlns:r="http://schemas.openxmlformats.org/officeDocument/2006/relationships" r:blip="">
+                      <dgm:adjLst/>
+                    </dgm:shape>
+                    <dgm:presOf/>
+                    <dgm:constrLst>
+                      <dgm:constr type="alignOff"/>
+                      <dgm:constr type="bendDist" for="des" ptType="parTrans" refType="sp" fact="0.5"/>
+                    </dgm:constrLst>
+                  </dgm:if>
+                  <dgm:if name="Name64" func="var" arg="hierBranch" op="equ" val="init">
+                    <dgm:alg type="hierRoot"/>
+                    <dgm:shape xmlns:r="http://schemas.openxmlformats.org/officeDocument/2006/relationships" r:blip="">
+                      <dgm:adjLst/>
+                    </dgm:shape>
+                    <dgm:presOf/>
+                    <dgm:constrLst>
+                      <dgm:constr type="alignOff"/>
+                      <dgm:constr type="bendDist" for="des" ptType="parTrans" refType="sp" fact="0.5"/>
+                    </dgm:constrLst>
+                  </dgm:if>
+                  <dgm:else name="Name65">
+                    <dgm:alg type="hierRoot"/>
+                    <dgm:shape xmlns:r="http://schemas.openxmlformats.org/officeDocument/2006/relationships" r:blip="">
+                      <dgm:adjLst/>
+                    </dgm:shape>
+                    <dgm:presOf/>
+                    <dgm:constrLst>
+                      <dgm:constr type="alignOff" val="0.65"/>
+                    </dgm:constrLst>
+                  </dgm:else>
+                </dgm:choose>
+                <dgm:ruleLst/>
+                <dgm:layoutNode name="rootComposite">
+                  <dgm:alg type="composite"/>
+                  <dgm:shape xmlns:r="http://schemas.openxmlformats.org/officeDocument/2006/relationships" r:blip="">
+                    <dgm:adjLst/>
+                  </dgm:shape>
+                  <dgm:presOf axis="self" ptType="node" cnt="1"/>
+                  <dgm:choose name="Name66">
+                    <dgm:if name="Name67" func="var" arg="hierBranch" op="equ" val="init">
+                      <dgm:constrLst>
+                        <dgm:constr type="l" for="ch" forName="rootText"/>
+                        <dgm:constr type="t" for="ch" forName="rootText"/>
+                        <dgm:constr type="w" for="ch" forName="rootText" refType="w"/>
+                        <dgm:constr type="h" for="ch" forName="rootText" refType="h" fact="0.9"/>
+                        <dgm:constr type="l" for="ch" forName="titleText2" refType="w" fact="0.2"/>
+                        <dgm:constr type="t" for="ch" forName="titleText2" refType="h" fact="0.7"/>
+                        <dgm:constr type="w" for="ch" forName="titleText2" refType="w" fact="0.9"/>
+                        <dgm:constr type="h" for="ch" forName="titleText2" refType="h" fact="0.3"/>
+                        <dgm:constr type="primFontSz" for="des" forName="titleText2" refType="primFontSz" refFor="des" refForName="rootText1" op="lte"/>
+                        <dgm:constr type="l" for="ch" forName="rootConnector"/>
+                        <dgm:constr type="t" for="ch" forName="rootConnector"/>
+                        <dgm:constr type="w" for="ch" forName="rootConnector" refType="w" refFor="ch" refForName="rootText" fact="0.2"/>
+                        <dgm:constr type="h" for="ch" forName="rootConnector" refType="h" refFor="ch" refForName="rootText"/>
+                      </dgm:constrLst>
+                    </dgm:if>
+                    <dgm:if name="Name68" func="var" arg="hierBranch" op="equ" val="l">
+                      <dgm:constrLst>
+                        <dgm:constr type="l" for="ch" forName="rootText"/>
+                        <dgm:constr type="t" for="ch" forName="rootText"/>
+                        <dgm:constr type="w" for="ch" forName="rootText" refType="w"/>
+                        <dgm:constr type="h" for="ch" forName="rootText" refType="h" fact="0.9"/>
+                        <dgm:constr type="l" for="ch" forName="titleText2" refType="w" fact="0.2"/>
+                        <dgm:constr type="t" for="ch" forName="titleText2" refType="h" fact="0.7"/>
+                        <dgm:constr type="w" for="ch" forName="titleText2" refType="w" fact="0.9"/>
+                        <dgm:constr type="h" for="ch" forName="titleText2" refType="h" fact="0.3"/>
+                        <dgm:constr type="primFontSz" for="des" forName="titleText2" refType="primFontSz" refFor="des" refForName="rootText1" op="lte"/>
+                        <dgm:constr type="r" for="ch" forName="rootConnector" refType="w"/>
+                        <dgm:constr type="t" for="ch" forName="rootConnector"/>
+                        <dgm:constr type="w" for="ch" forName="rootConnector" refType="w" refFor="ch" refForName="rootText" fact="0.2"/>
+                        <dgm:constr type="h" for="ch" forName="rootConnector" refType="h" refFor="ch" refForName="rootText"/>
+                      </dgm:constrLst>
+                    </dgm:if>
+                    <dgm:if name="Name69" func="var" arg="hierBranch" op="equ" val="r">
+                      <dgm:constrLst>
+                        <dgm:constr type="l" for="ch" forName="rootText"/>
+                        <dgm:constr type="t" for="ch" forName="rootText"/>
+                        <dgm:constr type="w" for="ch" forName="rootText" refType="w"/>
+                        <dgm:constr type="h" for="ch" forName="rootText" refType="h" fact="0.9"/>
+                        <dgm:constr type="l" for="ch" forName="titleText2" refType="w" fact="0.2"/>
+                        <dgm:constr type="t" for="ch" forName="titleText2" refType="h" fact="0.7"/>
+                        <dgm:constr type="w" for="ch" forName="titleText2" refType="w" fact="0.9"/>
+                        <dgm:constr type="h" for="ch" forName="titleText2" refType="h" fact="0.3"/>
+                        <dgm:constr type="primFontSz" for="des" forName="titleText2" refType="primFontSz" refFor="des" refForName="rootText1" op="lte"/>
+                        <dgm:constr type="l" for="ch" forName="rootConnector"/>
+                        <dgm:constr type="t" for="ch" forName="rootConnector"/>
+                        <dgm:constr type="w" for="ch" forName="rootConnector" refType="w" refFor="ch" refForName="rootText" fact="0.2"/>
+                        <dgm:constr type="h" for="ch" forName="rootConnector" refType="h" refFor="ch" refForName="rootText"/>
+                      </dgm:constrLst>
+                    </dgm:if>
+                    <dgm:else name="Name70">
+                      <dgm:constrLst>
+                        <dgm:constr type="l" for="ch" forName="rootText"/>
+                        <dgm:constr type="t" for="ch" forName="rootText"/>
+                        <dgm:constr type="w" for="ch" forName="rootText" refType="w"/>
+                        <dgm:constr type="h" for="ch" forName="rootText" refType="h" fact="0.9"/>
+                        <dgm:constr type="l" for="ch" forName="titleText2" refType="w" fact="0.2"/>
+                        <dgm:constr type="t" for="ch" forName="titleText2" refType="h" fact="0.7"/>
+                        <dgm:constr type="w" for="ch" forName="titleText2" refType="w" fact="0.9"/>
+                        <dgm:constr type="h" for="ch" forName="titleText2" refType="h" fact="0.3"/>
+                        <dgm:constr type="primFontSz" for="des" forName="titleText2" refType="primFontSz" refFor="des" refForName="rootText1" op="lte"/>
+                        <dgm:constr type="r" for="ch" forName="rootConnector" refType="w"/>
+                        <dgm:constr type="t" for="ch" forName="rootConnector"/>
+                        <dgm:constr type="w" for="ch" forName="rootConnector" refType="w" refFor="ch" refForName="rootText" fact="0.2"/>
+                        <dgm:constr type="h" for="ch" forName="rootConnector" refType="h" refFor="ch" refForName="rootText"/>
+                      </dgm:constrLst>
+                    </dgm:else>
+                  </dgm:choose>
+                  <dgm:ruleLst/>
+                  <dgm:layoutNode name="rootText" styleLbl="node1">
+                    <dgm:varLst>
+                      <dgm:chMax/>
+                      <dgm:chPref val="3"/>
+                    </dgm:varLst>
+                    <dgm:alg type="tx"/>
+                    <dgm:shape xmlns:r="http://schemas.openxmlformats.org/officeDocument/2006/relationships" type="rect" r:blip="">
+                      <dgm:adjLst/>
+                    </dgm:shape>
+                    <dgm:presOf axis="self" ptType="node" cnt="1"/>
+                    <dgm:constrLst>
+                      <dgm:constr type="primFontSz" val="65"/>
+                      <dgm:constr type="lMarg" refType="primFontSz" fact="0.05"/>
+                      <dgm:constr type="rMarg" refType="primFontSz" fact="0.05"/>
+                      <dgm:constr type="tMarg" refType="primFontSz" fact="0.05"/>
+                      <dgm:constr type="bMarg" refType="h" fact="0.4"/>
+                    </dgm:constrLst>
+                    <dgm:ruleLst>
+                      <dgm:rule type="primFontSz" val="5" fact="NaN" max="NaN"/>
+                    </dgm:ruleLst>
+                  </dgm:layoutNode>
+                  <dgm:layoutNode name="titleText2" styleLbl="fgAcc1">
+                    <dgm:varLst>
+                      <dgm:chMax val="0"/>
+                      <dgm:chPref val="0"/>
+                    </dgm:varLst>
+                    <dgm:alg type="tx">
+                      <dgm:param type="parTxLTRAlign" val="r"/>
+                    </dgm:alg>
+                    <dgm:shape xmlns:r="http://schemas.openxmlformats.org/officeDocument/2006/relationships" type="rect" r:blip="">
+                      <dgm:adjLst/>
+                    </dgm:shape>
+                    <dgm:presOf axis="followSib" ptType="sibTrans" hideLastTrans="0" cnt="1"/>
+                    <dgm:constrLst>
+                      <dgm:constr type="primFontSz" val="65"/>
+                      <dgm:constr type="lMarg" refType="primFontSz" fact="0.2"/>
+                      <dgm:constr type="rMarg" refType="primFontSz" fact="0.2"/>
+                      <dgm:constr type="tMarg" refType="primFontSz" fact="0.05"/>
+                      <dgm:constr type="bMarg" refType="primFontSz" fact="0.05"/>
+                    </dgm:constrLst>
+                    <dgm:ruleLst>
+                      <dgm:rule type="primFontSz" val="5" fact="NaN" max="NaN"/>
+                    </dgm:ruleLst>
+                  </dgm:layoutNode>
+                  <dgm:layoutNode name="rootConnector" moveWith="rootText">
+                    <dgm:alg type="sp"/>
+                    <dgm:shape xmlns:r="http://schemas.openxmlformats.org/officeDocument/2006/relationships" type="rect" r:blip="" hideGeom="1">
+                      <dgm:adjLst/>
+                    </dgm:shape>
+                    <dgm:presOf axis="self" ptType="node" cnt="1"/>
+                    <dgm:constrLst/>
+                    <dgm:ruleLst/>
+                  </dgm:layoutNode>
+                </dgm:layoutNode>
+                <dgm:layoutNode name="hierChild4">
+                  <dgm:choose name="Name71">
+                    <dgm:if name="Name72" func="var" arg="hierBranch" op="equ" val="l">
+                      <dgm:alg type="hierChild">
+                        <dgm:param type="chAlign" val="r"/>
+                        <dgm:param type="linDir" val="fromT"/>
+                      </dgm:alg>
+                    </dgm:if>
+                    <dgm:if name="Name73" func="var" arg="hierBranch" op="equ" val="r">
+                      <dgm:alg type="hierChild">
+                        <dgm:param type="chAlign" val="l"/>
+                        <dgm:param type="linDir" val="fromT"/>
+                      </dgm:alg>
+                    </dgm:if>
+                    <dgm:if name="Name74" func="var" arg="hierBranch" op="equ" val="hang">
+                      <dgm:choose name="Name75">
+                        <dgm:if name="Name76" func="var" arg="dir" op="equ" val="norm">
+                          <dgm:alg type="hierChild">
+                            <dgm:param type="chAlign" val="l"/>
+                            <dgm:param type="linDir" val="fromL"/>
+                            <dgm:param type="secChAlign" val="t"/>
+                            <dgm:param type="secLinDir" val="fromT"/>
+                          </dgm:alg>
+                        </dgm:if>
+                        <dgm:else name="Name77">
+                          <dgm:alg type="hierChild">
+                            <dgm:param type="chAlign" val="l"/>
+                            <dgm:param type="linDir" val="fromR"/>
+                            <dgm:param type="secChAlign" val="t"/>
+                            <dgm:param type="secLinDir" val="fromT"/>
+                          </dgm:alg>
+                        </dgm:else>
+                      </dgm:choose>
+                    </dgm:if>
+                    <dgm:if name="Name78" func="var" arg="hierBranch" op="equ" val="std">
+                      <dgm:choose name="Name79">
+                        <dgm:if name="Name80" func="var" arg="dir" op="equ" val="norm">
+                          <dgm:alg type="hierChild"/>
+                        </dgm:if>
+                        <dgm:else name="Name81">
+                          <dgm:alg type="hierChild">
+                            <dgm:param type="linDir" val="fromR"/>
+                          </dgm:alg>
+                        </dgm:else>
+                      </dgm:choose>
+                    </dgm:if>
+                    <dgm:if name="Name82" func="var" arg="hierBranch" op="equ" val="init">
+                      <dgm:choose name="Name83">
+                        <dgm:if name="Name84" func="var" arg="dir" op="equ" val="norm">
+                          <dgm:alg type="hierChild"/>
+                        </dgm:if>
+                        <dgm:else name="Name85">
+                          <dgm:alg type="hierChild">
+                            <dgm:param type="linDir" val="fromR"/>
+                          </dgm:alg>
+                        </dgm:else>
+                      </dgm:choose>
+                    </dgm:if>
+                    <dgm:else name="Name86"/>
+                  </dgm:choose>
+                  <dgm:shape xmlns:r="http://schemas.openxmlformats.org/officeDocument/2006/relationships" r:blip="">
+                    <dgm:adjLst/>
+                  </dgm:shape>
+                  <dgm:presOf/>
+                  <dgm:constrLst/>
+                  <dgm:ruleLst/>
+                  <dgm:forEach name="Name87" ref="rep2a"/>
+                </dgm:layoutNode>
+                <dgm:layoutNode name="hierChild5">
+                  <dgm:choose name="Name88">
+                    <dgm:if name="Name89" func="var" arg="dir" op="equ" val="norm">
+                      <dgm:alg type="hierChild">
+                        <dgm:param type="chAlign" val="l"/>
+                        <dgm:param type="linDir" val="fromL"/>
+                        <dgm:param type="secChAlign" val="t"/>
+                        <dgm:param type="secLinDir" val="fromT"/>
+                      </dgm:alg>
+                    </dgm:if>
+                    <dgm:else name="Name90">
+                      <dgm:alg type="hierChild">
+                        <dgm:param type="chAlign" val="l"/>
+                        <dgm:param type="linDir" val="fromR"/>
+                        <dgm:param type="secChAlign" val="t"/>
+                        <dgm:param type="secLinDir" val="fromT"/>
+                      </dgm:alg>
+                    </dgm:else>
+                  </dgm:choose>
+                  <dgm:shape xmlns:r="http://schemas.openxmlformats.org/officeDocument/2006/relationships" r:blip="">
+                    <dgm:adjLst/>
+                  </dgm:shape>
+                  <dgm:presOf/>
+                  <dgm:constrLst/>
+                  <dgm:ruleLst/>
+                  <dgm:forEach name="Name91" ref="rep2b"/>
+                </dgm:layoutNode>
+              </dgm:layoutNode>
+            </dgm:forEach>
+          </dgm:layoutNode>
+          <dgm:layoutNode name="hierChild3">
+            <dgm:choose name="Name92">
+              <dgm:if name="Name93" func="var" arg="dir" op="equ" val="norm">
+                <dgm:alg type="hierChild">
+                  <dgm:param type="chAlign" val="l"/>
+                  <dgm:param type="linDir" val="fromL"/>
+                  <dgm:param type="secChAlign" val="t"/>
+                  <dgm:param type="secLinDir" val="fromT"/>
+                </dgm:alg>
+              </dgm:if>
+              <dgm:else name="Name94">
+                <dgm:alg type="hierChild">
+                  <dgm:param type="chAlign" val="l"/>
+                  <dgm:param type="linDir" val="fromR"/>
+                  <dgm:param type="secChAlign" val="t"/>
+                  <dgm:param type="secLinDir" val="fromT"/>
+                </dgm:alg>
+              </dgm:else>
+            </dgm:choose>
+            <dgm:shape xmlns:r="http://schemas.openxmlformats.org/officeDocument/2006/relationships" r:blip="">
+              <dgm:adjLst/>
+            </dgm:shape>
+            <dgm:presOf/>
+            <dgm:constrLst/>
+            <dgm:ruleLst/>
+            <dgm:forEach name="rep2b" axis="ch" ptType="asst">
+              <dgm:forEach name="Name95" axis="precedSib" ptType="parTrans" st="-1" cnt="1">
+                <dgm:layoutNode name="Name96">
+                  <dgm:alg type="conn">
+                    <dgm:param type="connRout" val="bend"/>
+                    <dgm:param type="dim" val="1D"/>
+                    <dgm:param type="endSty" val="noArr"/>
+                    <dgm:param type="begPts" val="bCtr"/>
+                    <dgm:param type="endPts" val="midL midR"/>
+                  </dgm:alg>
+                  <dgm:shape xmlns:r="http://schemas.openxmlformats.org/officeDocument/2006/relationships" type="conn" r:blip="" zOrderOff="-99999">
+                    <dgm:adjLst/>
+                  </dgm:shape>
+                  <dgm:presOf axis="self"/>
+                  <dgm:constrLst>
+                    <dgm:constr type="begPad"/>
+                    <dgm:constr type="endPad"/>
+                  </dgm:constrLst>
+                  <dgm:ruleLst/>
+                </dgm:layoutNode>
+              </dgm:forEach>
+              <dgm:layoutNode name="hierRoot3">
+                <dgm:varLst>
+                  <dgm:hierBranch val="init"/>
+                </dgm:varLst>
+                <dgm:choose name="Name97">
+                  <dgm:if name="Name98" func="var" arg="hierBranch" op="equ" val="l">
+                    <dgm:alg type="hierRoot">
+                      <dgm:param type="hierAlign" val="tR"/>
+                    </dgm:alg>
+                    <dgm:shape xmlns:r="http://schemas.openxmlformats.org/officeDocument/2006/relationships" r:blip="">
+                      <dgm:adjLst/>
+                    </dgm:shape>
+                    <dgm:presOf/>
+                    <dgm:constrLst>
+                      <dgm:constr type="alignOff" val="0.65"/>
+                    </dgm:constrLst>
+                  </dgm:if>
+                  <dgm:if name="Name99" func="var" arg="hierBranch" op="equ" val="r">
+                    <dgm:alg type="hierRoot">
+                      <dgm:param type="hierAlign" val="tL"/>
+                    </dgm:alg>
+                    <dgm:shape xmlns:r="http://schemas.openxmlformats.org/officeDocument/2006/relationships" r:blip="">
+                      <dgm:adjLst/>
+                    </dgm:shape>
+                    <dgm:presOf/>
+                    <dgm:constrLst>
+                      <dgm:constr type="alignOff" val="0.65"/>
+                    </dgm:constrLst>
+                  </dgm:if>
+                  <dgm:if name="Name100" func="var" arg="hierBranch" op="equ" val="hang">
+                    <dgm:alg type="hierRoot"/>
+                    <dgm:shape xmlns:r="http://schemas.openxmlformats.org/officeDocument/2006/relationships" r:blip="">
+                      <dgm:adjLst/>
+                    </dgm:shape>
+                    <dgm:presOf/>
+                    <dgm:constrLst>
+                      <dgm:constr type="alignOff" val="0.65"/>
+                    </dgm:constrLst>
+                  </dgm:if>
+                  <dgm:if name="Name101" func="var" arg="hierBranch" op="equ" val="std">
+                    <dgm:alg type="hierRoot"/>
+                    <dgm:shape xmlns:r="http://schemas.openxmlformats.org/officeDocument/2006/relationships" r:blip="">
+                      <dgm:adjLst/>
+                    </dgm:shape>
+                    <dgm:presOf/>
+                    <dgm:constrLst>
+                      <dgm:constr type="alignOff"/>
+                      <dgm:constr type="bendDist" for="des" ptType="parTrans" refType="sp" fact="0.5"/>
+                    </dgm:constrLst>
+                  </dgm:if>
+                  <dgm:if name="Name102" func="var" arg="hierBranch" op="equ" val="init">
+                    <dgm:alg type="hierRoot"/>
+                    <dgm:shape xmlns:r="http://schemas.openxmlformats.org/officeDocument/2006/relationships" r:blip="">
+                      <dgm:adjLst/>
+                    </dgm:shape>
+                    <dgm:presOf/>
+                    <dgm:constrLst>
+                      <dgm:constr type="alignOff"/>
+                      <dgm:constr type="bendDist" for="des" ptType="parTrans" refType="sp" fact="0.5"/>
+                    </dgm:constrLst>
+                  </dgm:if>
+                  <dgm:else name="Name103"/>
+                </dgm:choose>
+                <dgm:ruleLst/>
+                <dgm:layoutNode name="rootComposite3">
+                  <dgm:alg type="composite"/>
+                  <dgm:shape xmlns:r="http://schemas.openxmlformats.org/officeDocument/2006/relationships" r:blip="">
+                    <dgm:adjLst/>
+                  </dgm:shape>
+                  <dgm:presOf axis="self" ptType="node" cnt="1"/>
+                  <dgm:choose name="Name104">
+                    <dgm:if name="Name105" func="var" arg="hierBranch" op="equ" val="init">
+                      <dgm:constrLst>
+                        <dgm:constr type="l" for="ch" forName="rootText3"/>
+                        <dgm:constr type="t" for="ch" forName="rootText3"/>
+                        <dgm:constr type="w" for="ch" forName="rootText3" refType="w"/>
+                        <dgm:constr type="h" for="ch" forName="rootText3" refType="h" fact="0.9"/>
+                        <dgm:constr type="l" for="ch" forName="titleText3" refType="w" fact="0.2"/>
+                        <dgm:constr type="t" for="ch" forName="titleText3" refType="h" fact="0.7"/>
+                        <dgm:constr type="w" for="ch" forName="titleText3" refType="w" fact="0.9"/>
+                        <dgm:constr type="h" for="ch" forName="titleText3" refType="h" fact="0.3"/>
+                        <dgm:constr type="primFontSz" for="des" forName="titleText3" refType="primFontSz" refFor="des" refForName="rootText3" op="lte"/>
+                        <dgm:constr type="l" for="ch" forName="rootConnector3"/>
+                        <dgm:constr type="t" for="ch" forName="rootConnector3"/>
+                        <dgm:constr type="w" for="ch" forName="rootConnector3" refType="w" refFor="ch" refForName="rootText3" fact="0.2"/>
+                        <dgm:constr type="h" for="ch" forName="rootConnector3" refType="h" refFor="ch" refForName="rootText3"/>
+                      </dgm:constrLst>
+                    </dgm:if>
+                    <dgm:if name="Name106" func="var" arg="hierBranch" op="equ" val="l">
+                      <dgm:constrLst>
+                        <dgm:constr type="l" for="ch" forName="rootText3"/>
+                        <dgm:constr type="t" for="ch" forName="rootText3"/>
+                        <dgm:constr type="w" for="ch" forName="rootText3" refType="w"/>
+                        <dgm:constr type="h" for="ch" forName="rootText3" refType="h" fact="0.9"/>
+                        <dgm:constr type="l" for="ch" forName="titleText3" refType="w" fact="0.2"/>
+                        <dgm:constr type="t" for="ch" forName="titleText3" refType="h" fact="0.7"/>
+                        <dgm:constr type="w" for="ch" forName="titleText3" refType="w" fact="0.9"/>
+                        <dgm:constr type="h" for="ch" forName="titleText3" refType="h" fact="0.3"/>
+                        <dgm:constr type="primFontSz" for="des" forName="titleText3" refType="primFontSz" refFor="des" refForName="rootText3" op="lte"/>
+                        <dgm:constr type="r" for="ch" forName="rootConnector3" refType="w"/>
+                        <dgm:constr type="t" for="ch" forName="rootConnector3"/>
+                        <dgm:constr type="w" for="ch" forName="rootConnector3" refType="w" refFor="ch" refForName="rootText3" fact="0.2"/>
+                        <dgm:constr type="h" for="ch" forName="rootConnector3" refType="h" refFor="ch" refForName="rootText3"/>
+                      </dgm:constrLst>
+                    </dgm:if>
+                    <dgm:if name="Name107" func="var" arg="hierBranch" op="equ" val="r">
+                      <dgm:constrLst>
+                        <dgm:constr type="l" for="ch" forName="rootText3"/>
+                        <dgm:constr type="t" for="ch" forName="rootText3"/>
+                        <dgm:constr type="w" for="ch" forName="rootText3" refType="w"/>
+                        <dgm:constr type="h" for="ch" forName="rootText3" refType="h" fact="0.9"/>
+                        <dgm:constr type="l" for="ch" forName="titleText3" refType="w" fact="0.2"/>
+                        <dgm:constr type="t" for="ch" forName="titleText3" refType="h" fact="0.7"/>
+                        <dgm:constr type="w" for="ch" forName="titleText3" refType="w" fact="0.9"/>
+                        <dgm:constr type="h" for="ch" forName="titleText3" refType="h" fact="0.3"/>
+                        <dgm:constr type="primFontSz" for="des" forName="titleText3" refType="primFontSz" refFor="des" refForName="rootText3" op="lte"/>
+                        <dgm:constr type="l" for="ch" forName="rootConnector3"/>
+                        <dgm:constr type="t" for="ch" forName="rootConnector3"/>
+                        <dgm:constr type="w" for="ch" forName="rootConnector3" refType="w" refFor="ch" refForName="rootText3" fact="0.2"/>
+                        <dgm:constr type="h" for="ch" forName="rootConnector3" refType="h" refFor="ch" refForName="rootText3"/>
+                      </dgm:constrLst>
+                    </dgm:if>
+                    <dgm:else name="Name108">
+                      <dgm:constrLst>
+                        <dgm:constr type="l" for="ch" forName="rootText3"/>
+                        <dgm:constr type="t" for="ch" forName="rootText3"/>
+                        <dgm:constr type="w" for="ch" forName="rootText3" refType="w"/>
+                        <dgm:constr type="h" for="ch" forName="rootText3" refType="h" fact="0.9"/>
+                        <dgm:constr type="l" for="ch" forName="titleText3" refType="w" fact="0.2"/>
+                        <dgm:constr type="t" for="ch" forName="titleText3" refType="h" fact="0.7"/>
+                        <dgm:constr type="w" for="ch" forName="titleText3" refType="w" fact="0.9"/>
+                        <dgm:constr type="h" for="ch" forName="titleText3" refType="h" fact="0.3"/>
+                        <dgm:constr type="primFontSz" for="des" forName="titleText3" refType="primFontSz" refFor="des" refForName="rootText3" op="lte"/>
+                        <dgm:constr type="r" for="ch" forName="rootConnector3" refType="w"/>
+                        <dgm:constr type="t" for="ch" forName="rootConnector3"/>
+                        <dgm:constr type="w" for="ch" forName="rootConnector3" refType="w" refFor="ch" refForName="rootText3" fact="0.2"/>
+                        <dgm:constr type="h" for="ch" forName="rootConnector3" refType="h" refFor="ch" refForName="rootText3"/>
+                      </dgm:constrLst>
+                    </dgm:else>
+                  </dgm:choose>
+                  <dgm:ruleLst/>
+                  <dgm:layoutNode name="rootText3" styleLbl="asst1">
+                    <dgm:varLst>
+                      <dgm:chPref val="3"/>
+                    </dgm:varLst>
+                    <dgm:alg type="tx"/>
+                    <dgm:shape xmlns:r="http://schemas.openxmlformats.org/officeDocument/2006/relationships" type="rect" r:blip="">
+                      <dgm:adjLst/>
+                    </dgm:shape>
+                    <dgm:presOf axis="self" ptType="node" cnt="1"/>
+                    <dgm:constrLst>
+                      <dgm:constr type="primFontSz" val="65"/>
+                      <dgm:constr type="lMarg" refType="primFontSz" fact="0.05"/>
+                      <dgm:constr type="rMarg" refType="primFontSz" fact="0.05"/>
+                      <dgm:constr type="tMarg" refType="primFontSz" fact="0.05"/>
+                      <dgm:constr type="bMarg" refType="h" fact="0.4"/>
+                    </dgm:constrLst>
+                    <dgm:ruleLst>
+                      <dgm:rule type="primFontSz" val="5" fact="NaN" max="NaN"/>
+                    </dgm:ruleLst>
+                  </dgm:layoutNode>
+                  <dgm:layoutNode name="titleText3" styleLbl="fgAcc2">
+                    <dgm:varLst>
+                      <dgm:chMax val="0"/>
+                      <dgm:chPref val="0"/>
+                    </dgm:varLst>
+                    <dgm:alg type="tx">
+                      <dgm:param type="parTxLTRAlign" val="r"/>
+                    </dgm:alg>
+                    <dgm:shape xmlns:r="http://schemas.openxmlformats.org/officeDocument/2006/relationships" type="rect" r:blip="">
+                      <dgm:adjLst/>
+                    </dgm:shape>
+                    <dgm:presOf axis="followSib" ptType="sibTrans" hideLastTrans="0" cnt="1"/>
+                    <dgm:constrLst>
+                      <dgm:constr type="primFontSz" val="65"/>
+                      <dgm:constr type="lMarg" refType="primFontSz" fact="0.2"/>
+                      <dgm:constr type="rMarg" refType="primFontSz" fact="0.2"/>
+                      <dgm:constr type="tMarg" refType="primFontSz" fact="0.05"/>
+                      <dgm:constr type="bMarg" refType="primFontSz" fact="0.05"/>
+                    </dgm:constrLst>
+                    <dgm:ruleLst>
+                      <dgm:rule type="primFontSz" val="5" fact="NaN" max="NaN"/>
+                    </dgm:ruleLst>
+                  </dgm:layoutNode>
+                  <dgm:layoutNode name="rootConnector3" moveWith="rootText1">
+                    <dgm:alg type="sp"/>
+                    <dgm:shape xmlns:r="http://schemas.openxmlformats.org/officeDocument/2006/relationships" type="rect" r:blip="" hideGeom="1">
+                      <dgm:adjLst/>
+                    </dgm:shape>
+                    <dgm:presOf axis="self" ptType="node" cnt="1"/>
+                    <dgm:constrLst/>
+                    <dgm:ruleLst/>
+                  </dgm:layoutNode>
+                </dgm:layoutNode>
+                <dgm:layoutNode name="hierChild6">
+                  <dgm:choose name="Name109">
+                    <dgm:if name="Name110" func="var" arg="hierBranch" op="equ" val="l">
+                      <dgm:alg type="hierChild">
+                        <dgm:param type="chAlign" val="r"/>
+                        <dgm:param type="linDir" val="fromT"/>
+                      </dgm:alg>
+                    </dgm:if>
+                    <dgm:if name="Name111" func="var" arg="hierBranch" op="equ" val="r">
+                      <dgm:alg type="hierChild">
+                        <dgm:param type="chAlign" val="l"/>
+                        <dgm:param type="linDir" val="fromT"/>
+                      </dgm:alg>
+                    </dgm:if>
+                    <dgm:if name="Name112" func="var" arg="hierBranch" op="equ" val="hang">
+                      <dgm:choose name="Name113">
+                        <dgm:if name="Name114" func="var" arg="dir" op="equ" val="norm">
+                          <dgm:alg type="hierChild">
+                            <dgm:param type="chAlign" val="l"/>
+                            <dgm:param type="linDir" val="fromL"/>
+                            <dgm:param type="secChAlign" val="t"/>
+                            <dgm:param type="secLinDir" val="fromT"/>
+                          </dgm:alg>
+                        </dgm:if>
+                        <dgm:else name="Name115">
+                          <dgm:alg type="hierChild">
+                            <dgm:param type="chAlign" val="l"/>
+                            <dgm:param type="linDir" val="fromR"/>
+                            <dgm:param type="secChAlign" val="t"/>
+                            <dgm:param type="secLinDir" val="fromT"/>
+                          </dgm:alg>
+                        </dgm:else>
+                      </dgm:choose>
+                    </dgm:if>
+                    <dgm:if name="Name116" func="var" arg="hierBranch" op="equ" val="std">
+                      <dgm:choose name="Name117">
+                        <dgm:if name="Name118" func="var" arg="dir" op="equ" val="norm">
+                          <dgm:alg type="hierChild"/>
+                        </dgm:if>
+                        <dgm:else name="Name119">
+                          <dgm:alg type="hierChild">
+                            <dgm:param type="linDir" val="fromR"/>
+                          </dgm:alg>
+                        </dgm:else>
+                      </dgm:choose>
+                    </dgm:if>
+                    <dgm:if name="Name120" func="var" arg="hierBranch" op="equ" val="init">
+                      <dgm:alg type="hierChild"/>
+                    </dgm:if>
+                    <dgm:else name="Name121"/>
+                  </dgm:choose>
+                  <dgm:shape xmlns:r="http://schemas.openxmlformats.org/officeDocument/2006/relationships" r:blip="">
+                    <dgm:adjLst/>
+                  </dgm:shape>
+                  <dgm:presOf/>
+                  <dgm:constrLst/>
+                  <dgm:ruleLst/>
+                  <dgm:forEach name="Name122" ref="rep2a"/>
+                </dgm:layoutNode>
+                <dgm:layoutNode name="hierChild7">
+                  <dgm:choose name="Name123">
+                    <dgm:if name="Name124" func="var" arg="dir" op="equ" val="norm">
+                      <dgm:alg type="hierChild">
+                        <dgm:param type="chAlign" val="l"/>
+                        <dgm:param type="linDir" val="fromL"/>
+                        <dgm:param type="secChAlign" val="t"/>
+                        <dgm:param type="secLinDir" val="fromT"/>
+                      </dgm:alg>
+                    </dgm:if>
+                    <dgm:else name="Name125">
+                      <dgm:alg type="hierChild">
+                        <dgm:param type="chAlign" val="l"/>
+                        <dgm:param type="linDir" val="fromR"/>
+                        <dgm:param type="secChAlign" val="t"/>
+                        <dgm:param type="secLinDir" val="fromT"/>
+                      </dgm:alg>
+                    </dgm:else>
+                  </dgm:choose>
+                  <dgm:shape xmlns:r="http://schemas.openxmlformats.org/officeDocument/2006/relationships" r:blip="">
+                    <dgm:adjLst/>
+                  </dgm:shape>
+                  <dgm:presOf/>
+                  <dgm:constrLst/>
+                  <dgm:ruleLst/>
+                  <dgm:forEach name="Name126" ref="rep2b"/>
+                </dgm:layoutNode>
+              </dgm:layoutNode>
+            </dgm:forEach>
+          </dgm:layoutNode>
+        </dgm:layoutNode>
+      </dgm:forEach>
+    </dgm:forEach>
+  </dgm:layoutNode>
+</dgm:layoutDef>
+</file>
+
 <file path=ppt/diagrams/quickStyle1.xml><?xml version="1.0" encoding="utf-8"?>
 <dgm:styleDef xmlns:dgm="http://schemas.openxmlformats.org/drawingml/2006/diagram" xmlns:a="http://schemas.openxmlformats.org/drawingml/2006/main" uniqueId="urn:microsoft.com/office/officeart/2005/8/quickstyle/simple1">
   <dgm:title val=""/>
@@ -6311,6 +11394,1473 @@
     </dgm:style>
   </dgm:styleLbl>
 </dgm:styleDef>
+</file>
+
+<file path=ppt/diagrams/quickStyle2.xml><?xml version="1.0" encoding="utf-8"?>
+<dgm:styleDef xmlns:dgm="http://schemas.openxmlformats.org/drawingml/2006/diagram" xmlns:a="http://schemas.openxmlformats.org/drawingml/2006/main" uniqueId="urn:microsoft.com/office/officeart/2005/8/quickstyle/simple1">
+  <dgm:title val=""/>
+  <dgm:desc val=""/>
+  <dgm:catLst>
+    <dgm:cat type="simple" pri="10100"/>
+  </dgm:catLst>
+  <dgm:scene3d>
+    <a:camera prst="orthographicFront"/>
+    <a:lightRig rig="threePt" dir="t"/>
+  </dgm:scene3d>
+  <dgm:styleLbl name="node0">
+    <dgm:scene3d>
+      <a:camera prst="orthographicFront"/>
+      <a:lightRig rig="threePt" dir="t"/>
+    </dgm:scene3d>
+    <dgm:sp3d/>
+    <dgm:txPr/>
+    <dgm:style>
+      <a:lnRef idx="2">
+        <a:scrgbClr r="0" g="0" b="0"/>
+      </a:lnRef>
+      <a:fillRef idx="1">
+        <a:scrgbClr r="0" g="0" b="0"/>
+      </a:fillRef>
+      <a:effectRef idx="0">
+        <a:scrgbClr r="0" g="0" b="0"/>
+      </a:effectRef>
+      <a:fontRef idx="minor">
+        <a:schemeClr val="lt1"/>
+      </a:fontRef>
+    </dgm:style>
+  </dgm:styleLbl>
+  <dgm:styleLbl name="lnNode1">
+    <dgm:scene3d>
+      <a:camera prst="orthographicFront"/>
+      <a:lightRig rig="threePt" dir="t"/>
+    </dgm:scene3d>
+    <dgm:sp3d/>
+    <dgm:txPr/>
+    <dgm:style>
+      <a:lnRef idx="2">
+        <a:scrgbClr r="0" g="0" b="0"/>
+      </a:lnRef>
+      <a:fillRef idx="1">
+        <a:scrgbClr r="0" g="0" b="0"/>
+      </a:fillRef>
+      <a:effectRef idx="0">
+        <a:scrgbClr r="0" g="0" b="0"/>
+      </a:effectRef>
+      <a:fontRef idx="minor">
+        <a:schemeClr val="lt1"/>
+      </a:fontRef>
+    </dgm:style>
+  </dgm:styleLbl>
+  <dgm:styleLbl name="vennNode1">
+    <dgm:scene3d>
+      <a:camera prst="orthographicFront"/>
+      <a:lightRig rig="threePt" dir="t"/>
+    </dgm:scene3d>
+    <dgm:sp3d/>
+    <dgm:txPr/>
+    <dgm:style>
+      <a:lnRef idx="2">
+        <a:scrgbClr r="0" g="0" b="0"/>
+      </a:lnRef>
+      <a:fillRef idx="1">
+        <a:scrgbClr r="0" g="0" b="0"/>
+      </a:fillRef>
+      <a:effectRef idx="0">
+        <a:scrgbClr r="0" g="0" b="0"/>
+      </a:effectRef>
+      <a:fontRef idx="minor">
+        <a:schemeClr val="tx1"/>
+      </a:fontRef>
+    </dgm:style>
+  </dgm:styleLbl>
+  <dgm:styleLbl name="alignNode1">
+    <dgm:scene3d>
+      <a:camera prst="orthographicFront"/>
+      <a:lightRig rig="threePt" dir="t"/>
+    </dgm:scene3d>
+    <dgm:sp3d/>
+    <dgm:txPr/>
+    <dgm:style>
+      <a:lnRef idx="2">
+        <a:scrgbClr r="0" g="0" b="0"/>
+      </a:lnRef>
+      <a:fillRef idx="1">
+        <a:scrgbClr r="0" g="0" b="0"/>
+      </a:fillRef>
+      <a:effectRef idx="0">
+        <a:scrgbClr r="0" g="0" b="0"/>
+      </a:effectRef>
+      <a:fontRef idx="minor">
+        <a:schemeClr val="lt1"/>
+      </a:fontRef>
+    </dgm:style>
+  </dgm:styleLbl>
+  <dgm:styleLbl name="node1">
+    <dgm:scene3d>
+      <a:camera prst="orthographicFront"/>
+      <a:lightRig rig="threePt" dir="t"/>
+    </dgm:scene3d>
+    <dgm:sp3d/>
+    <dgm:txPr/>
+    <dgm:style>
+      <a:lnRef idx="2">
+        <a:scrgbClr r="0" g="0" b="0"/>
+      </a:lnRef>
+      <a:fillRef idx="1">
+        <a:scrgbClr r="0" g="0" b="0"/>
+      </a:fillRef>
+      <a:effectRef idx="0">
+        <a:scrgbClr r="0" g="0" b="0"/>
+      </a:effectRef>
+      <a:fontRef idx="minor">
+        <a:schemeClr val="lt1"/>
+      </a:fontRef>
+    </dgm:style>
+  </dgm:styleLbl>
+  <dgm:styleLbl name="node2">
+    <dgm:scene3d>
+      <a:camera prst="orthographicFront"/>
+      <a:lightRig rig="threePt" dir="t"/>
+    </dgm:scene3d>
+    <dgm:sp3d/>
+    <dgm:txPr/>
+    <dgm:style>
+      <a:lnRef idx="2">
+        <a:scrgbClr r="0" g="0" b="0"/>
+      </a:lnRef>
+      <a:fillRef idx="1">
+        <a:scrgbClr r="0" g="0" b="0"/>
+      </a:fillRef>
+      <a:effectRef idx="0">
+        <a:scrgbClr r="0" g="0" b="0"/>
+      </a:effectRef>
+      <a:fontRef idx="minor">
+        <a:schemeClr val="lt1"/>
+      </a:fontRef>
+    </dgm:style>
+  </dgm:styleLbl>
+  <dgm:styleLbl name="node3">
+    <dgm:scene3d>
+      <a:camera prst="orthographicFront"/>
+      <a:lightRig rig="threePt" dir="t"/>
+    </dgm:scene3d>
+    <dgm:sp3d/>
+    <dgm:txPr/>
+    <dgm:style>
+      <a:lnRef idx="2">
+        <a:scrgbClr r="0" g="0" b="0"/>
+      </a:lnRef>
+      <a:fillRef idx="1">
+        <a:scrgbClr r="0" g="0" b="0"/>
+      </a:fillRef>
+      <a:effectRef idx="0">
+        <a:scrgbClr r="0" g="0" b="0"/>
+      </a:effectRef>
+      <a:fontRef idx="minor">
+        <a:schemeClr val="lt1"/>
+      </a:fontRef>
+    </dgm:style>
+  </dgm:styleLbl>
+  <dgm:styleLbl name="node4">
+    <dgm:scene3d>
+      <a:camera prst="orthographicFront"/>
+      <a:lightRig rig="threePt" dir="t"/>
+    </dgm:scene3d>
+    <dgm:sp3d/>
+    <dgm:txPr/>
+    <dgm:style>
+      <a:lnRef idx="2">
+        <a:scrgbClr r="0" g="0" b="0"/>
+      </a:lnRef>
+      <a:fillRef idx="1">
+        <a:scrgbClr r="0" g="0" b="0"/>
+      </a:fillRef>
+      <a:effectRef idx="0">
+        <a:scrgbClr r="0" g="0" b="0"/>
+      </a:effectRef>
+      <a:fontRef idx="minor">
+        <a:schemeClr val="lt1"/>
+      </a:fontRef>
+    </dgm:style>
+  </dgm:styleLbl>
+  <dgm:styleLbl name="fgImgPlace1">
+    <dgm:scene3d>
+      <a:camera prst="orthographicFront"/>
+      <a:lightRig rig="threePt" dir="t"/>
+    </dgm:scene3d>
+    <dgm:sp3d/>
+    <dgm:txPr/>
+    <dgm:style>
+      <a:lnRef idx="2">
+        <a:scrgbClr r="0" g="0" b="0"/>
+      </a:lnRef>
+      <a:fillRef idx="1">
+        <a:scrgbClr r="0" g="0" b="0"/>
+      </a:fillRef>
+      <a:effectRef idx="0">
+        <a:scrgbClr r="0" g="0" b="0"/>
+      </a:effectRef>
+      <a:fontRef idx="minor"/>
+    </dgm:style>
+  </dgm:styleLbl>
+  <dgm:styleLbl name="alignImgPlace1">
+    <dgm:scene3d>
+      <a:camera prst="orthographicFront"/>
+      <a:lightRig rig="threePt" dir="t"/>
+    </dgm:scene3d>
+    <dgm:sp3d/>
+    <dgm:txPr/>
+    <dgm:style>
+      <a:lnRef idx="2">
+        <a:scrgbClr r="0" g="0" b="0"/>
+      </a:lnRef>
+      <a:fillRef idx="1">
+        <a:scrgbClr r="0" g="0" b="0"/>
+      </a:fillRef>
+      <a:effectRef idx="0">
+        <a:scrgbClr r="0" g="0" b="0"/>
+      </a:effectRef>
+      <a:fontRef idx="minor"/>
+    </dgm:style>
+  </dgm:styleLbl>
+  <dgm:styleLbl name="bgImgPlace1">
+    <dgm:scene3d>
+      <a:camera prst="orthographicFront"/>
+      <a:lightRig rig="threePt" dir="t"/>
+    </dgm:scene3d>
+    <dgm:sp3d/>
+    <dgm:txPr/>
+    <dgm:style>
+      <a:lnRef idx="2">
+        <a:scrgbClr r="0" g="0" b="0"/>
+      </a:lnRef>
+      <a:fillRef idx="1">
+        <a:scrgbClr r="0" g="0" b="0"/>
+      </a:fillRef>
+      <a:effectRef idx="0">
+        <a:scrgbClr r="0" g="0" b="0"/>
+      </a:effectRef>
+      <a:fontRef idx="minor"/>
+    </dgm:style>
+  </dgm:styleLbl>
+  <dgm:styleLbl name="sibTrans2D1">
+    <dgm:scene3d>
+      <a:camera prst="orthographicFront"/>
+      <a:lightRig rig="threePt" dir="t"/>
+    </dgm:scene3d>
+    <dgm:sp3d/>
+    <dgm:txPr/>
+    <dgm:style>
+      <a:lnRef idx="0">
+        <a:scrgbClr r="0" g="0" b="0"/>
+      </a:lnRef>
+      <a:fillRef idx="1">
+        <a:scrgbClr r="0" g="0" b="0"/>
+      </a:fillRef>
+      <a:effectRef idx="0">
+        <a:scrgbClr r="0" g="0" b="0"/>
+      </a:effectRef>
+      <a:fontRef idx="minor">
+        <a:schemeClr val="lt1"/>
+      </a:fontRef>
+    </dgm:style>
+  </dgm:styleLbl>
+  <dgm:styleLbl name="fgSibTrans2D1">
+    <dgm:scene3d>
+      <a:camera prst="orthographicFront"/>
+      <a:lightRig rig="threePt" dir="t"/>
+    </dgm:scene3d>
+    <dgm:sp3d/>
+    <dgm:txPr/>
+    <dgm:style>
+      <a:lnRef idx="0">
+        <a:scrgbClr r="0" g="0" b="0"/>
+      </a:lnRef>
+      <a:fillRef idx="1">
+        <a:scrgbClr r="0" g="0" b="0"/>
+      </a:fillRef>
+      <a:effectRef idx="0">
+        <a:scrgbClr r="0" g="0" b="0"/>
+      </a:effectRef>
+      <a:fontRef idx="minor">
+        <a:schemeClr val="lt1"/>
+      </a:fontRef>
+    </dgm:style>
+  </dgm:styleLbl>
+  <dgm:styleLbl name="bgSibTrans2D1">
+    <dgm:scene3d>
+      <a:camera prst="orthographicFront"/>
+      <a:lightRig rig="threePt" dir="t"/>
+    </dgm:scene3d>
+    <dgm:sp3d/>
+    <dgm:txPr/>
+    <dgm:style>
+      <a:lnRef idx="0">
+        <a:scrgbClr r="0" g="0" b="0"/>
+      </a:lnRef>
+      <a:fillRef idx="1">
+        <a:scrgbClr r="0" g="0" b="0"/>
+      </a:fillRef>
+      <a:effectRef idx="0">
+        <a:scrgbClr r="0" g="0" b="0"/>
+      </a:effectRef>
+      <a:fontRef idx="minor">
+        <a:schemeClr val="lt1"/>
+      </a:fontRef>
+    </dgm:style>
+  </dgm:styleLbl>
+  <dgm:styleLbl name="sibTrans1D1">
+    <dgm:scene3d>
+      <a:camera prst="orthographicFront"/>
+      <a:lightRig rig="threePt" dir="t"/>
+    </dgm:scene3d>
+    <dgm:sp3d/>
+    <dgm:txPr/>
+    <dgm:style>
+      <a:lnRef idx="1">
+        <a:scrgbClr r="0" g="0" b="0"/>
+      </a:lnRef>
+      <a:fillRef idx="0">
+        <a:scrgbClr r="0" g="0" b="0"/>
+      </a:fillRef>
+      <a:effectRef idx="0">
+        <a:scrgbClr r="0" g="0" b="0"/>
+      </a:effectRef>
+      <a:fontRef idx="minor"/>
+    </dgm:style>
+  </dgm:styleLbl>
+  <dgm:styleLbl name="callout">
+    <dgm:scene3d>
+      <a:camera prst="orthographicFront"/>
+      <a:lightRig rig="threePt" dir="t"/>
+    </dgm:scene3d>
+    <dgm:sp3d/>
+    <dgm:txPr/>
+    <dgm:style>
+      <a:lnRef idx="2">
+        <a:scrgbClr r="0" g="0" b="0"/>
+      </a:lnRef>
+      <a:fillRef idx="1">
+        <a:scrgbClr r="0" g="0" b="0"/>
+      </a:fillRef>
+      <a:effectRef idx="0">
+        <a:scrgbClr r="0" g="0" b="0"/>
+      </a:effectRef>
+      <a:fontRef idx="minor"/>
+    </dgm:style>
+  </dgm:styleLbl>
+  <dgm:styleLbl name="asst0">
+    <dgm:scene3d>
+      <a:camera prst="orthographicFront"/>
+      <a:lightRig rig="threePt" dir="t"/>
+    </dgm:scene3d>
+    <dgm:sp3d/>
+    <dgm:txPr/>
+    <dgm:style>
+      <a:lnRef idx="2">
+        <a:scrgbClr r="0" g="0" b="0"/>
+      </a:lnRef>
+      <a:fillRef idx="1">
+        <a:scrgbClr r="0" g="0" b="0"/>
+      </a:fillRef>
+      <a:effectRef idx="0">
+        <a:scrgbClr r="0" g="0" b="0"/>
+      </a:effectRef>
+      <a:fontRef idx="minor">
+        <a:schemeClr val="lt1"/>
+      </a:fontRef>
+    </dgm:style>
+  </dgm:styleLbl>
+  <dgm:styleLbl name="asst1">
+    <dgm:scene3d>
+      <a:camera prst="orthographicFront"/>
+      <a:lightRig rig="threePt" dir="t"/>
+    </dgm:scene3d>
+    <dgm:sp3d/>
+    <dgm:txPr/>
+    <dgm:style>
+      <a:lnRef idx="2">
+        <a:scrgbClr r="0" g="0" b="0"/>
+      </a:lnRef>
+      <a:fillRef idx="1">
+        <a:scrgbClr r="0" g="0" b="0"/>
+      </a:fillRef>
+      <a:effectRef idx="0">
+        <a:scrgbClr r="0" g="0" b="0"/>
+      </a:effectRef>
+      <a:fontRef idx="minor">
+        <a:schemeClr val="lt1"/>
+      </a:fontRef>
+    </dgm:style>
+  </dgm:styleLbl>
+  <dgm:styleLbl name="asst2">
+    <dgm:scene3d>
+      <a:camera prst="orthographicFront"/>
+      <a:lightRig rig="threePt" dir="t"/>
+    </dgm:scene3d>
+    <dgm:sp3d/>
+    <dgm:txPr/>
+    <dgm:style>
+      <a:lnRef idx="2">
+        <a:scrgbClr r="0" g="0" b="0"/>
+      </a:lnRef>
+      <a:fillRef idx="1">
+        <a:scrgbClr r="0" g="0" b="0"/>
+      </a:fillRef>
+      <a:effectRef idx="0">
+        <a:scrgbClr r="0" g="0" b="0"/>
+      </a:effectRef>
+      <a:fontRef idx="minor">
+        <a:schemeClr val="lt1"/>
+      </a:fontRef>
+    </dgm:style>
+  </dgm:styleLbl>
+  <dgm:styleLbl name="asst3">
+    <dgm:scene3d>
+      <a:camera prst="orthographicFront"/>
+      <a:lightRig rig="threePt" dir="t"/>
+    </dgm:scene3d>
+    <dgm:sp3d/>
+    <dgm:txPr/>
+    <dgm:style>
+      <a:lnRef idx="2">
+        <a:scrgbClr r="0" g="0" b="0"/>
+      </a:lnRef>
+      <a:fillRef idx="1">
+        <a:scrgbClr r="0" g="0" b="0"/>
+      </a:fillRef>
+      <a:effectRef idx="0">
+        <a:scrgbClr r="0" g="0" b="0"/>
+      </a:effectRef>
+      <a:fontRef idx="minor">
+        <a:schemeClr val="lt1"/>
+      </a:fontRef>
+    </dgm:style>
+  </dgm:styleLbl>
+  <dgm:styleLbl name="asst4">
+    <dgm:scene3d>
+      <a:camera prst="orthographicFront"/>
+      <a:lightRig rig="threePt" dir="t"/>
+    </dgm:scene3d>
+    <dgm:sp3d/>
+    <dgm:txPr/>
+    <dgm:style>
+      <a:lnRef idx="2">
+        <a:scrgbClr r="0" g="0" b="0"/>
+      </a:lnRef>
+      <a:fillRef idx="1">
+        <a:scrgbClr r="0" g="0" b="0"/>
+      </a:fillRef>
+      <a:effectRef idx="0">
+        <a:scrgbClr r="0" g="0" b="0"/>
+      </a:effectRef>
+      <a:fontRef idx="minor">
+        <a:schemeClr val="lt1"/>
+      </a:fontRef>
+    </dgm:style>
+  </dgm:styleLbl>
+  <dgm:styleLbl name="parChTrans2D1">
+    <dgm:scene3d>
+      <a:camera prst="orthographicFront"/>
+      <a:lightRig rig="threePt" dir="t"/>
+    </dgm:scene3d>
+    <dgm:sp3d/>
+    <dgm:txPr/>
+    <dgm:style>
+      <a:lnRef idx="2">
+        <a:scrgbClr r="0" g="0" b="0"/>
+      </a:lnRef>
+      <a:fillRef idx="1">
+        <a:scrgbClr r="0" g="0" b="0"/>
+      </a:fillRef>
+      <a:effectRef idx="0">
+        <a:scrgbClr r="0" g="0" b="0"/>
+      </a:effectRef>
+      <a:fontRef idx="minor">
+        <a:schemeClr val="lt1"/>
+      </a:fontRef>
+    </dgm:style>
+  </dgm:styleLbl>
+  <dgm:styleLbl name="parChTrans2D2">
+    <dgm:scene3d>
+      <a:camera prst="orthographicFront"/>
+      <a:lightRig rig="threePt" dir="t"/>
+    </dgm:scene3d>
+    <dgm:sp3d/>
+    <dgm:txPr/>
+    <dgm:style>
+      <a:lnRef idx="2">
+        <a:scrgbClr r="0" g="0" b="0"/>
+      </a:lnRef>
+      <a:fillRef idx="1">
+        <a:scrgbClr r="0" g="0" b="0"/>
+      </a:fillRef>
+      <a:effectRef idx="0">
+        <a:scrgbClr r="0" g="0" b="0"/>
+      </a:effectRef>
+      <a:fontRef idx="minor">
+        <a:schemeClr val="lt1"/>
+      </a:fontRef>
+    </dgm:style>
+  </dgm:styleLbl>
+  <dgm:styleLbl name="parChTrans2D3">
+    <dgm:scene3d>
+      <a:camera prst="orthographicFront"/>
+      <a:lightRig rig="threePt" dir="t"/>
+    </dgm:scene3d>
+    <dgm:sp3d/>
+    <dgm:txPr/>
+    <dgm:style>
+      <a:lnRef idx="2">
+        <a:scrgbClr r="0" g="0" b="0"/>
+      </a:lnRef>
+      <a:fillRef idx="1">
+        <a:scrgbClr r="0" g="0" b="0"/>
+      </a:fillRef>
+      <a:effectRef idx="0">
+        <a:scrgbClr r="0" g="0" b="0"/>
+      </a:effectRef>
+      <a:fontRef idx="minor">
+        <a:schemeClr val="lt1"/>
+      </a:fontRef>
+    </dgm:style>
+  </dgm:styleLbl>
+  <dgm:styleLbl name="parChTrans2D4">
+    <dgm:scene3d>
+      <a:camera prst="orthographicFront"/>
+      <a:lightRig rig="threePt" dir="t"/>
+    </dgm:scene3d>
+    <dgm:sp3d/>
+    <dgm:txPr/>
+    <dgm:style>
+      <a:lnRef idx="2">
+        <a:scrgbClr r="0" g="0" b="0"/>
+      </a:lnRef>
+      <a:fillRef idx="1">
+        <a:scrgbClr r="0" g="0" b="0"/>
+      </a:fillRef>
+      <a:effectRef idx="0">
+        <a:scrgbClr r="0" g="0" b="0"/>
+      </a:effectRef>
+      <a:fontRef idx="minor">
+        <a:schemeClr val="lt1"/>
+      </a:fontRef>
+    </dgm:style>
+  </dgm:styleLbl>
+  <dgm:styleLbl name="parChTrans1D1">
+    <dgm:scene3d>
+      <a:camera prst="orthographicFront"/>
+      <a:lightRig rig="threePt" dir="t"/>
+    </dgm:scene3d>
+    <dgm:sp3d/>
+    <dgm:txPr/>
+    <dgm:style>
+      <a:lnRef idx="2">
+        <a:scrgbClr r="0" g="0" b="0"/>
+      </a:lnRef>
+      <a:fillRef idx="0">
+        <a:scrgbClr r="0" g="0" b="0"/>
+      </a:fillRef>
+      <a:effectRef idx="0">
+        <a:scrgbClr r="0" g="0" b="0"/>
+      </a:effectRef>
+      <a:fontRef idx="minor"/>
+    </dgm:style>
+  </dgm:styleLbl>
+  <dgm:styleLbl name="parChTrans1D2">
+    <dgm:scene3d>
+      <a:camera prst="orthographicFront"/>
+      <a:lightRig rig="threePt" dir="t"/>
+    </dgm:scene3d>
+    <dgm:sp3d/>
+    <dgm:txPr/>
+    <dgm:style>
+      <a:lnRef idx="2">
+        <a:scrgbClr r="0" g="0" b="0"/>
+      </a:lnRef>
+      <a:fillRef idx="0">
+        <a:scrgbClr r="0" g="0" b="0"/>
+      </a:fillRef>
+      <a:effectRef idx="0">
+        <a:scrgbClr r="0" g="0" b="0"/>
+      </a:effectRef>
+      <a:fontRef idx="minor"/>
+    </dgm:style>
+  </dgm:styleLbl>
+  <dgm:styleLbl name="parChTrans1D3">
+    <dgm:scene3d>
+      <a:camera prst="orthographicFront"/>
+      <a:lightRig rig="threePt" dir="t"/>
+    </dgm:scene3d>
+    <dgm:sp3d/>
+    <dgm:txPr/>
+    <dgm:style>
+      <a:lnRef idx="2">
+        <a:scrgbClr r="0" g="0" b="0"/>
+      </a:lnRef>
+      <a:fillRef idx="0">
+        <a:scrgbClr r="0" g="0" b="0"/>
+      </a:fillRef>
+      <a:effectRef idx="0">
+        <a:scrgbClr r="0" g="0" b="0"/>
+      </a:effectRef>
+      <a:fontRef idx="minor"/>
+    </dgm:style>
+  </dgm:styleLbl>
+  <dgm:styleLbl name="parChTrans1D4">
+    <dgm:scene3d>
+      <a:camera prst="orthographicFront"/>
+      <a:lightRig rig="threePt" dir="t"/>
+    </dgm:scene3d>
+    <dgm:sp3d/>
+    <dgm:txPr/>
+    <dgm:style>
+      <a:lnRef idx="2">
+        <a:scrgbClr r="0" g="0" b="0"/>
+      </a:lnRef>
+      <a:fillRef idx="0">
+        <a:scrgbClr r="0" g="0" b="0"/>
+      </a:fillRef>
+      <a:effectRef idx="0">
+        <a:scrgbClr r="0" g="0" b="0"/>
+      </a:effectRef>
+      <a:fontRef idx="minor"/>
+    </dgm:style>
+  </dgm:styleLbl>
+  <dgm:styleLbl name="fgAcc1">
+    <dgm:scene3d>
+      <a:camera prst="orthographicFront"/>
+      <a:lightRig rig="threePt" dir="t"/>
+    </dgm:scene3d>
+    <dgm:sp3d/>
+    <dgm:txPr/>
+    <dgm:style>
+      <a:lnRef idx="2">
+        <a:scrgbClr r="0" g="0" b="0"/>
+      </a:lnRef>
+      <a:fillRef idx="1">
+        <a:scrgbClr r="0" g="0" b="0"/>
+      </a:fillRef>
+      <a:effectRef idx="0">
+        <a:scrgbClr r="0" g="0" b="0"/>
+      </a:effectRef>
+      <a:fontRef idx="minor"/>
+    </dgm:style>
+  </dgm:styleLbl>
+  <dgm:styleLbl name="conFgAcc1">
+    <dgm:scene3d>
+      <a:camera prst="orthographicFront"/>
+      <a:lightRig rig="threePt" dir="t"/>
+    </dgm:scene3d>
+    <dgm:sp3d/>
+    <dgm:txPr/>
+    <dgm:style>
+      <a:lnRef idx="2">
+        <a:scrgbClr r="0" g="0" b="0"/>
+      </a:lnRef>
+      <a:fillRef idx="1">
+        <a:scrgbClr r="0" g="0" b="0"/>
+      </a:fillRef>
+      <a:effectRef idx="0">
+        <a:scrgbClr r="0" g="0" b="0"/>
+      </a:effectRef>
+      <a:fontRef idx="minor"/>
+    </dgm:style>
+  </dgm:styleLbl>
+  <dgm:styleLbl name="alignAcc1">
+    <dgm:scene3d>
+      <a:camera prst="orthographicFront"/>
+      <a:lightRig rig="threePt" dir="t"/>
+    </dgm:scene3d>
+    <dgm:sp3d/>
+    <dgm:txPr/>
+    <dgm:style>
+      <a:lnRef idx="2">
+        <a:scrgbClr r="0" g="0" b="0"/>
+      </a:lnRef>
+      <a:fillRef idx="1">
+        <a:scrgbClr r="0" g="0" b="0"/>
+      </a:fillRef>
+      <a:effectRef idx="0">
+        <a:scrgbClr r="0" g="0" b="0"/>
+      </a:effectRef>
+      <a:fontRef idx="minor"/>
+    </dgm:style>
+  </dgm:styleLbl>
+  <dgm:styleLbl name="trAlignAcc1">
+    <dgm:scene3d>
+      <a:camera prst="orthographicFront"/>
+      <a:lightRig rig="threePt" dir="t"/>
+    </dgm:scene3d>
+    <dgm:sp3d/>
+    <dgm:txPr/>
+    <dgm:style>
+      <a:lnRef idx="1">
+        <a:scrgbClr r="0" g="0" b="0"/>
+      </a:lnRef>
+      <a:fillRef idx="1">
+        <a:scrgbClr r="0" g="0" b="0"/>
+      </a:fillRef>
+      <a:effectRef idx="0">
+        <a:scrgbClr r="0" g="0" b="0"/>
+      </a:effectRef>
+      <a:fontRef idx="minor"/>
+    </dgm:style>
+  </dgm:styleLbl>
+  <dgm:styleLbl name="bgAcc1">
+    <dgm:scene3d>
+      <a:camera prst="orthographicFront"/>
+      <a:lightRig rig="threePt" dir="t"/>
+    </dgm:scene3d>
+    <dgm:sp3d/>
+    <dgm:txPr/>
+    <dgm:style>
+      <a:lnRef idx="2">
+        <a:scrgbClr r="0" g="0" b="0"/>
+      </a:lnRef>
+      <a:fillRef idx="1">
+        <a:scrgbClr r="0" g="0" b="0"/>
+      </a:fillRef>
+      <a:effectRef idx="0">
+        <a:scrgbClr r="0" g="0" b="0"/>
+      </a:effectRef>
+      <a:fontRef idx="minor"/>
+    </dgm:style>
+  </dgm:styleLbl>
+  <dgm:styleLbl name="solidFgAcc1">
+    <dgm:scene3d>
+      <a:camera prst="orthographicFront"/>
+      <a:lightRig rig="threePt" dir="t"/>
+    </dgm:scene3d>
+    <dgm:sp3d/>
+    <dgm:txPr/>
+    <dgm:style>
+      <a:lnRef idx="2">
+        <a:scrgbClr r="0" g="0" b="0"/>
+      </a:lnRef>
+      <a:fillRef idx="1">
+        <a:scrgbClr r="0" g="0" b="0"/>
+      </a:fillRef>
+      <a:effectRef idx="0">
+        <a:scrgbClr r="0" g="0" b="0"/>
+      </a:effectRef>
+      <a:fontRef idx="minor"/>
+    </dgm:style>
+  </dgm:styleLbl>
+  <dgm:styleLbl name="solidAlignAcc1">
+    <dgm:scene3d>
+      <a:camera prst="orthographicFront"/>
+      <a:lightRig rig="threePt" dir="t"/>
+    </dgm:scene3d>
+    <dgm:sp3d/>
+    <dgm:txPr/>
+    <dgm:style>
+      <a:lnRef idx="2">
+        <a:scrgbClr r="0" g="0" b="0"/>
+      </a:lnRef>
+      <a:fillRef idx="1">
+        <a:scrgbClr r="0" g="0" b="0"/>
+      </a:fillRef>
+      <a:effectRef idx="0">
+        <a:scrgbClr r="0" g="0" b="0"/>
+      </a:effectRef>
+      <a:fontRef idx="minor"/>
+    </dgm:style>
+  </dgm:styleLbl>
+  <dgm:styleLbl name="solidBgAcc1">
+    <dgm:scene3d>
+      <a:camera prst="orthographicFront"/>
+      <a:lightRig rig="threePt" dir="t"/>
+    </dgm:scene3d>
+    <dgm:sp3d/>
+    <dgm:txPr/>
+    <dgm:style>
+      <a:lnRef idx="2">
+        <a:scrgbClr r="0" g="0" b="0"/>
+      </a:lnRef>
+      <a:fillRef idx="1">
+        <a:scrgbClr r="0" g="0" b="0"/>
+      </a:fillRef>
+      <a:effectRef idx="0">
+        <a:scrgbClr r="0" g="0" b="0"/>
+      </a:effectRef>
+      <a:fontRef idx="minor"/>
+    </dgm:style>
+  </dgm:styleLbl>
+  <dgm:styleLbl name="fgAccFollowNode1">
+    <dgm:scene3d>
+      <a:camera prst="orthographicFront"/>
+      <a:lightRig rig="threePt" dir="t"/>
+    </dgm:scene3d>
+    <dgm:sp3d/>
+    <dgm:txPr/>
+    <dgm:style>
+      <a:lnRef idx="2">
+        <a:scrgbClr r="0" g="0" b="0"/>
+      </a:lnRef>
+      <a:fillRef idx="1">
+        <a:scrgbClr r="0" g="0" b="0"/>
+      </a:fillRef>
+      <a:effectRef idx="0">
+        <a:scrgbClr r="0" g="0" b="0"/>
+      </a:effectRef>
+      <a:fontRef idx="minor"/>
+    </dgm:style>
+  </dgm:styleLbl>
+  <dgm:styleLbl name="alignAccFollowNode1">
+    <dgm:scene3d>
+      <a:camera prst="orthographicFront"/>
+      <a:lightRig rig="threePt" dir="t"/>
+    </dgm:scene3d>
+    <dgm:sp3d/>
+    <dgm:txPr/>
+    <dgm:style>
+      <a:lnRef idx="2">
+        <a:scrgbClr r="0" g="0" b="0"/>
+      </a:lnRef>
+      <a:fillRef idx="1">
+        <a:scrgbClr r="0" g="0" b="0"/>
+      </a:fillRef>
+      <a:effectRef idx="0">
+        <a:scrgbClr r="0" g="0" b="0"/>
+      </a:effectRef>
+      <a:fontRef idx="minor"/>
+    </dgm:style>
+  </dgm:styleLbl>
+  <dgm:styleLbl name="bgAccFollowNode1">
+    <dgm:scene3d>
+      <a:camera prst="orthographicFront"/>
+      <a:lightRig rig="threePt" dir="t"/>
+    </dgm:scene3d>
+    <dgm:sp3d/>
+    <dgm:txPr/>
+    <dgm:style>
+      <a:lnRef idx="2">
+        <a:scrgbClr r="0" g="0" b="0"/>
+      </a:lnRef>
+      <a:fillRef idx="1">
+        <a:scrgbClr r="0" g="0" b="0"/>
+      </a:fillRef>
+      <a:effectRef idx="0">
+        <a:scrgbClr r="0" g="0" b="0"/>
+      </a:effectRef>
+      <a:fontRef idx="minor"/>
+    </dgm:style>
+  </dgm:styleLbl>
+  <dgm:styleLbl name="fgAcc0">
+    <dgm:scene3d>
+      <a:camera prst="orthographicFront"/>
+      <a:lightRig rig="threePt" dir="t"/>
+    </dgm:scene3d>
+    <dgm:sp3d/>
+    <dgm:txPr/>
+    <dgm:style>
+      <a:lnRef idx="2">
+        <a:scrgbClr r="0" g="0" b="0"/>
+      </a:lnRef>
+      <a:fillRef idx="1">
+        <a:scrgbClr r="0" g="0" b="0"/>
+      </a:fillRef>
+      <a:effectRef idx="0">
+        <a:scrgbClr r="0" g="0" b="0"/>
+      </a:effectRef>
+      <a:fontRef idx="minor"/>
+    </dgm:style>
+  </dgm:styleLbl>
+  <dgm:styleLbl name="fgAcc2">
+    <dgm:scene3d>
+      <a:camera prst="orthographicFront"/>
+      <a:lightRig rig="threePt" dir="t"/>
+    </dgm:scene3d>
+    <dgm:sp3d/>
+    <dgm:txPr/>
+    <dgm:style>
+      <a:lnRef idx="2">
+        <a:scrgbClr r="0" g="0" b="0"/>
+      </a:lnRef>
+      <a:fillRef idx="1">
+        <a:scrgbClr r="0" g="0" b="0"/>
+      </a:fillRef>
+      <a:effectRef idx="0">
+        <a:scrgbClr r="0" g="0" b="0"/>
+      </a:effectRef>
+      <a:fontRef idx="minor"/>
+    </dgm:style>
+  </dgm:styleLbl>
+  <dgm:styleLbl name="fgAcc3">
+    <dgm:scene3d>
+      <a:camera prst="orthographicFront"/>
+      <a:lightRig rig="threePt" dir="t"/>
+    </dgm:scene3d>
+    <dgm:sp3d/>
+    <dgm:txPr/>
+    <dgm:style>
+      <a:lnRef idx="2">
+        <a:scrgbClr r="0" g="0" b="0"/>
+      </a:lnRef>
+      <a:fillRef idx="1">
+        <a:scrgbClr r="0" g="0" b="0"/>
+      </a:fillRef>
+      <a:effectRef idx="0">
+        <a:scrgbClr r="0" g="0" b="0"/>
+      </a:effectRef>
+      <a:fontRef idx="minor"/>
+    </dgm:style>
+  </dgm:styleLbl>
+  <dgm:styleLbl name="fgAcc4">
+    <dgm:scene3d>
+      <a:camera prst="orthographicFront"/>
+      <a:lightRig rig="threePt" dir="t"/>
+    </dgm:scene3d>
+    <dgm:sp3d/>
+    <dgm:txPr/>
+    <dgm:style>
+      <a:lnRef idx="2">
+        <a:scrgbClr r="0" g="0" b="0"/>
+      </a:lnRef>
+      <a:fillRef idx="1">
+        <a:scrgbClr r="0" g="0" b="0"/>
+      </a:fillRef>
+      <a:effectRef idx="0">
+        <a:scrgbClr r="0" g="0" b="0"/>
+      </a:effectRef>
+      <a:fontRef idx="minor"/>
+    </dgm:style>
+  </dgm:styleLbl>
+  <dgm:styleLbl name="bgShp">
+    <dgm:scene3d>
+      <a:camera prst="orthographicFront"/>
+      <a:lightRig rig="threePt" dir="t"/>
+    </dgm:scene3d>
+    <dgm:sp3d/>
+    <dgm:txPr/>
+    <dgm:style>
+      <a:lnRef idx="0">
+        <a:scrgbClr r="0" g="0" b="0"/>
+      </a:lnRef>
+      <a:fillRef idx="1">
+        <a:scrgbClr r="0" g="0" b="0"/>
+      </a:fillRef>
+      <a:effectRef idx="0">
+        <a:scrgbClr r="0" g="0" b="0"/>
+      </a:effectRef>
+      <a:fontRef idx="minor"/>
+    </dgm:style>
+  </dgm:styleLbl>
+  <dgm:styleLbl name="dkBgShp">
+    <dgm:scene3d>
+      <a:camera prst="orthographicFront"/>
+      <a:lightRig rig="threePt" dir="t"/>
+    </dgm:scene3d>
+    <dgm:sp3d/>
+    <dgm:txPr/>
+    <dgm:style>
+      <a:lnRef idx="0">
+        <a:scrgbClr r="0" g="0" b="0"/>
+      </a:lnRef>
+      <a:fillRef idx="1">
+        <a:scrgbClr r="0" g="0" b="0"/>
+      </a:fillRef>
+      <a:effectRef idx="0">
+        <a:scrgbClr r="0" g="0" b="0"/>
+      </a:effectRef>
+      <a:fontRef idx="minor"/>
+    </dgm:style>
+  </dgm:styleLbl>
+  <dgm:styleLbl name="trBgShp">
+    <dgm:scene3d>
+      <a:camera prst="orthographicFront"/>
+      <a:lightRig rig="threePt" dir="t"/>
+    </dgm:scene3d>
+    <dgm:sp3d/>
+    <dgm:txPr/>
+    <dgm:style>
+      <a:lnRef idx="0">
+        <a:scrgbClr r="0" g="0" b="0"/>
+      </a:lnRef>
+      <a:fillRef idx="1">
+        <a:scrgbClr r="0" g="0" b="0"/>
+      </a:fillRef>
+      <a:effectRef idx="0">
+        <a:scrgbClr r="0" g="0" b="0"/>
+      </a:effectRef>
+      <a:fontRef idx="minor"/>
+    </dgm:style>
+  </dgm:styleLbl>
+  <dgm:styleLbl name="fgShp">
+    <dgm:scene3d>
+      <a:camera prst="orthographicFront"/>
+      <a:lightRig rig="threePt" dir="t"/>
+    </dgm:scene3d>
+    <dgm:sp3d/>
+    <dgm:txPr/>
+    <dgm:style>
+      <a:lnRef idx="2">
+        <a:scrgbClr r="0" g="0" b="0"/>
+      </a:lnRef>
+      <a:fillRef idx="1">
+        <a:scrgbClr r="0" g="0" b="0"/>
+      </a:fillRef>
+      <a:effectRef idx="0">
+        <a:scrgbClr r="0" g="0" b="0"/>
+      </a:effectRef>
+      <a:fontRef idx="minor"/>
+    </dgm:style>
+  </dgm:styleLbl>
+  <dgm:styleLbl name="revTx">
+    <dgm:scene3d>
+      <a:camera prst="orthographicFront"/>
+      <a:lightRig rig="threePt" dir="t"/>
+    </dgm:scene3d>
+    <dgm:sp3d/>
+    <dgm:txPr/>
+    <dgm:style>
+      <a:lnRef idx="0">
+        <a:scrgbClr r="0" g="0" b="0"/>
+      </a:lnRef>
+      <a:fillRef idx="0">
+        <a:scrgbClr r="0" g="0" b="0"/>
+      </a:fillRef>
+      <a:effectRef idx="0">
+        <a:scrgbClr r="0" g="0" b="0"/>
+      </a:effectRef>
+      <a:fontRef idx="minor"/>
+    </dgm:style>
+  </dgm:styleLbl>
+</dgm:styleDef>
+</file>
+
+<file path=ppt/notesMasters/notesMaster1.xml><?xml version="1.0" encoding="utf-8"?>
+<p:notesMaster xmlns:a="http://schemas.openxmlformats.org/drawingml/2006/main" xmlns:r="http://schemas.openxmlformats.org/officeDocument/2006/relationships" xmlns:p="http://schemas.openxmlformats.org/presentationml/2006/main">
+  <p:cSld>
+    <p:bg>
+      <p:bgRef idx="1001">
+        <a:schemeClr val="bg1"/>
+      </p:bgRef>
+    </p:bg>
+    <p:spTree>
+      <p:nvGrpSpPr>
+        <p:cNvPr id="1" name=""/>
+        <p:cNvGrpSpPr/>
+        <p:nvPr/>
+      </p:nvGrpSpPr>
+      <p:grpSpPr>
+        <a:xfrm>
+          <a:off x="0" y="0"/>
+          <a:ext cx="0" cy="0"/>
+          <a:chOff x="0" y="0"/>
+          <a:chExt cx="0" cy="0"/>
+        </a:xfrm>
+      </p:grpSpPr>
+      <p:sp>
+        <p:nvSpPr>
+          <p:cNvPr id="2" name="Header Placeholder 1"/>
+          <p:cNvSpPr>
+            <a:spLocks noGrp="1"/>
+          </p:cNvSpPr>
+          <p:nvPr>
+            <p:ph type="hdr" sz="quarter"/>
+          </p:nvPr>
+        </p:nvSpPr>
+        <p:spPr>
+          <a:xfrm>
+            <a:off x="0" y="0"/>
+            <a:ext cx="2971800" cy="458788"/>
+          </a:xfrm>
+          <a:prstGeom prst="rect">
+            <a:avLst/>
+          </a:prstGeom>
+        </p:spPr>
+        <p:txBody>
+          <a:bodyPr vert="horz" lIns="91440" tIns="45720" rIns="91440" bIns="45720" rtlCol="0"/>
+          <a:lstStyle>
+            <a:lvl1pPr algn="l">
+              <a:defRPr sz="1200"/>
+            </a:lvl1pPr>
+          </a:lstStyle>
+          <a:p>
+            <a:endParaRPr lang="en-US"/>
+          </a:p>
+        </p:txBody>
+      </p:sp>
+      <p:sp>
+        <p:nvSpPr>
+          <p:cNvPr id="3" name="Date Placeholder 2"/>
+          <p:cNvSpPr>
+            <a:spLocks noGrp="1"/>
+          </p:cNvSpPr>
+          <p:nvPr>
+            <p:ph type="dt" idx="1"/>
+          </p:nvPr>
+        </p:nvSpPr>
+        <p:spPr>
+          <a:xfrm>
+            <a:off x="3884613" y="0"/>
+            <a:ext cx="2971800" cy="458788"/>
+          </a:xfrm>
+          <a:prstGeom prst="rect">
+            <a:avLst/>
+          </a:prstGeom>
+        </p:spPr>
+        <p:txBody>
+          <a:bodyPr vert="horz" lIns="91440" tIns="45720" rIns="91440" bIns="45720" rtlCol="0"/>
+          <a:lstStyle>
+            <a:lvl1pPr algn="r">
+              <a:defRPr sz="1200"/>
+            </a:lvl1pPr>
+          </a:lstStyle>
+          <a:p>
+            <a:fld id="{4D2B3A5F-C193-43C2-B028-A91792D03F29}" type="datetimeFigureOut">
+              <a:rPr lang="en-US" smtClean="0"/>
+              <a:t>5/25/2020</a:t>
+            </a:fld>
+            <a:endParaRPr lang="en-US"/>
+          </a:p>
+        </p:txBody>
+      </p:sp>
+      <p:sp>
+        <p:nvSpPr>
+          <p:cNvPr id="4" name="Slide Image Placeholder 3"/>
+          <p:cNvSpPr>
+            <a:spLocks noGrp="1" noRot="1" noChangeAspect="1"/>
+          </p:cNvSpPr>
+          <p:nvPr>
+            <p:ph type="sldImg" idx="2"/>
+          </p:nvPr>
+        </p:nvSpPr>
+        <p:spPr>
+          <a:xfrm>
+            <a:off x="685800" y="1143000"/>
+            <a:ext cx="5486400" cy="3086100"/>
+          </a:xfrm>
+          <a:prstGeom prst="rect">
+            <a:avLst/>
+          </a:prstGeom>
+          <a:noFill/>
+          <a:ln w="12700">
+            <a:solidFill>
+              <a:prstClr val="black"/>
+            </a:solidFill>
+          </a:ln>
+        </p:spPr>
+        <p:txBody>
+          <a:bodyPr vert="horz" lIns="91440" tIns="45720" rIns="91440" bIns="45720" rtlCol="0" anchor="ctr"/>
+          <a:lstStyle/>
+          <a:p>
+            <a:endParaRPr lang="en-US"/>
+          </a:p>
+        </p:txBody>
+      </p:sp>
+      <p:sp>
+        <p:nvSpPr>
+          <p:cNvPr id="5" name="Notes Placeholder 4"/>
+          <p:cNvSpPr>
+            <a:spLocks noGrp="1"/>
+          </p:cNvSpPr>
+          <p:nvPr>
+            <p:ph type="body" sz="quarter" idx="3"/>
+          </p:nvPr>
+        </p:nvSpPr>
+        <p:spPr>
+          <a:xfrm>
+            <a:off x="685800" y="4400550"/>
+            <a:ext cx="5486400" cy="3600450"/>
+          </a:xfrm>
+          <a:prstGeom prst="rect">
+            <a:avLst/>
+          </a:prstGeom>
+        </p:spPr>
+        <p:txBody>
+          <a:bodyPr vert="horz" lIns="91440" tIns="45720" rIns="91440" bIns="45720" rtlCol="0"/>
+          <a:lstStyle/>
+          <a:p>
+            <a:pPr lvl="0"/>
+            <a:r>
+              <a:rPr lang="en-US"/>
+              <a:t>Click to edit Master text styles</a:t>
+            </a:r>
+          </a:p>
+          <a:p>
+            <a:pPr lvl="1"/>
+            <a:r>
+              <a:rPr lang="en-US"/>
+              <a:t>Second level</a:t>
+            </a:r>
+          </a:p>
+          <a:p>
+            <a:pPr lvl="2"/>
+            <a:r>
+              <a:rPr lang="en-US"/>
+              <a:t>Third level</a:t>
+            </a:r>
+          </a:p>
+          <a:p>
+            <a:pPr lvl="3"/>
+            <a:r>
+              <a:rPr lang="en-US"/>
+              <a:t>Fourth level</a:t>
+            </a:r>
+          </a:p>
+          <a:p>
+            <a:pPr lvl="4"/>
+            <a:r>
+              <a:rPr lang="en-US"/>
+              <a:t>Fifth level</a:t>
+            </a:r>
+          </a:p>
+        </p:txBody>
+      </p:sp>
+      <p:sp>
+        <p:nvSpPr>
+          <p:cNvPr id="6" name="Footer Placeholder 5"/>
+          <p:cNvSpPr>
+            <a:spLocks noGrp="1"/>
+          </p:cNvSpPr>
+          <p:nvPr>
+            <p:ph type="ftr" sz="quarter" idx="4"/>
+          </p:nvPr>
+        </p:nvSpPr>
+        <p:spPr>
+          <a:xfrm>
+            <a:off x="0" y="8685213"/>
+            <a:ext cx="2971800" cy="458787"/>
+          </a:xfrm>
+          <a:prstGeom prst="rect">
+            <a:avLst/>
+          </a:prstGeom>
+        </p:spPr>
+        <p:txBody>
+          <a:bodyPr vert="horz" lIns="91440" tIns="45720" rIns="91440" bIns="45720" rtlCol="0" anchor="b"/>
+          <a:lstStyle>
+            <a:lvl1pPr algn="l">
+              <a:defRPr sz="1200"/>
+            </a:lvl1pPr>
+          </a:lstStyle>
+          <a:p>
+            <a:endParaRPr lang="en-US"/>
+          </a:p>
+        </p:txBody>
+      </p:sp>
+      <p:sp>
+        <p:nvSpPr>
+          <p:cNvPr id="7" name="Slide Number Placeholder 6"/>
+          <p:cNvSpPr>
+            <a:spLocks noGrp="1"/>
+          </p:cNvSpPr>
+          <p:nvPr>
+            <p:ph type="sldNum" sz="quarter" idx="5"/>
+          </p:nvPr>
+        </p:nvSpPr>
+        <p:spPr>
+          <a:xfrm>
+            <a:off x="3884613" y="8685213"/>
+            <a:ext cx="2971800" cy="458787"/>
+          </a:xfrm>
+          <a:prstGeom prst="rect">
+            <a:avLst/>
+          </a:prstGeom>
+        </p:spPr>
+        <p:txBody>
+          <a:bodyPr vert="horz" lIns="91440" tIns="45720" rIns="91440" bIns="45720" rtlCol="0" anchor="b"/>
+          <a:lstStyle>
+            <a:lvl1pPr algn="r">
+              <a:defRPr sz="1200"/>
+            </a:lvl1pPr>
+          </a:lstStyle>
+          <a:p>
+            <a:fld id="{96BCB078-7868-498E-800A-78F4B14AAD4A}" type="slidenum">
+              <a:rPr lang="en-US" smtClean="0"/>
+              <a:t>‹#›</a:t>
+            </a:fld>
+            <a:endParaRPr lang="en-US"/>
+          </a:p>
+        </p:txBody>
+      </p:sp>
+    </p:spTree>
+    <p:extLst>
+      <p:ext uri="{BB962C8B-B14F-4D97-AF65-F5344CB8AC3E}">
+        <p14:creationId xmlns:p14="http://schemas.microsoft.com/office/powerpoint/2010/main" val="3702333654"/>
+      </p:ext>
+    </p:extLst>
+  </p:cSld>
+  <p:clrMap bg1="lt1" tx1="dk1" bg2="lt2" tx2="dk2" accent1="accent1" accent2="accent2" accent3="accent3" accent4="accent4" accent5="accent5" accent6="accent6" hlink="hlink" folHlink="folHlink"/>
+  <p:notesStyle>
+    <a:lvl1pPr marL="0" algn="l" defTabSz="914400" rtl="0" eaLnBrk="1" latinLnBrk="0" hangingPunct="1">
+      <a:defRPr sz="1200" kern="1200">
+        <a:solidFill>
+          <a:schemeClr val="tx1"/>
+        </a:solidFill>
+        <a:latin typeface="+mn-lt"/>
+        <a:ea typeface="+mn-ea"/>
+        <a:cs typeface="+mn-cs"/>
+      </a:defRPr>
+    </a:lvl1pPr>
+    <a:lvl2pPr marL="457200" algn="l" defTabSz="914400" rtl="0" eaLnBrk="1" latinLnBrk="0" hangingPunct="1">
+      <a:defRPr sz="1200" kern="1200">
+        <a:solidFill>
+          <a:schemeClr val="tx1"/>
+        </a:solidFill>
+        <a:latin typeface="+mn-lt"/>
+        <a:ea typeface="+mn-ea"/>
+        <a:cs typeface="+mn-cs"/>
+      </a:defRPr>
+    </a:lvl2pPr>
+    <a:lvl3pPr marL="914400" algn="l" defTabSz="914400" rtl="0" eaLnBrk="1" latinLnBrk="0" hangingPunct="1">
+      <a:defRPr sz="1200" kern="1200">
+        <a:solidFill>
+          <a:schemeClr val="tx1"/>
+        </a:solidFill>
+        <a:latin typeface="+mn-lt"/>
+        <a:ea typeface="+mn-ea"/>
+        <a:cs typeface="+mn-cs"/>
+      </a:defRPr>
+    </a:lvl3pPr>
+    <a:lvl4pPr marL="1371600" algn="l" defTabSz="914400" rtl="0" eaLnBrk="1" latinLnBrk="0" hangingPunct="1">
+      <a:defRPr sz="1200" kern="1200">
+        <a:solidFill>
+          <a:schemeClr val="tx1"/>
+        </a:solidFill>
+        <a:latin typeface="+mn-lt"/>
+        <a:ea typeface="+mn-ea"/>
+        <a:cs typeface="+mn-cs"/>
+      </a:defRPr>
+    </a:lvl4pPr>
+    <a:lvl5pPr marL="1828800" algn="l" defTabSz="914400" rtl="0" eaLnBrk="1" latinLnBrk="0" hangingPunct="1">
+      <a:defRPr sz="1200" kern="1200">
+        <a:solidFill>
+          <a:schemeClr val="tx1"/>
+        </a:solidFill>
+        <a:latin typeface="+mn-lt"/>
+        <a:ea typeface="+mn-ea"/>
+        <a:cs typeface="+mn-cs"/>
+      </a:defRPr>
+    </a:lvl5pPr>
+    <a:lvl6pPr marL="2286000" algn="l" defTabSz="914400" rtl="0" eaLnBrk="1" latinLnBrk="0" hangingPunct="1">
+      <a:defRPr sz="1200" kern="1200">
+        <a:solidFill>
+          <a:schemeClr val="tx1"/>
+        </a:solidFill>
+        <a:latin typeface="+mn-lt"/>
+        <a:ea typeface="+mn-ea"/>
+        <a:cs typeface="+mn-cs"/>
+      </a:defRPr>
+    </a:lvl6pPr>
+    <a:lvl7pPr marL="2743200" algn="l" defTabSz="914400" rtl="0" eaLnBrk="1" latinLnBrk="0" hangingPunct="1">
+      <a:defRPr sz="1200" kern="1200">
+        <a:solidFill>
+          <a:schemeClr val="tx1"/>
+        </a:solidFill>
+        <a:latin typeface="+mn-lt"/>
+        <a:ea typeface="+mn-ea"/>
+        <a:cs typeface="+mn-cs"/>
+      </a:defRPr>
+    </a:lvl7pPr>
+    <a:lvl8pPr marL="3200400" algn="l" defTabSz="914400" rtl="0" eaLnBrk="1" latinLnBrk="0" hangingPunct="1">
+      <a:defRPr sz="1200" kern="1200">
+        <a:solidFill>
+          <a:schemeClr val="tx1"/>
+        </a:solidFill>
+        <a:latin typeface="+mn-lt"/>
+        <a:ea typeface="+mn-ea"/>
+        <a:cs typeface="+mn-cs"/>
+      </a:defRPr>
+    </a:lvl8pPr>
+    <a:lvl9pPr marL="3657600" algn="l" defTabSz="914400" rtl="0" eaLnBrk="1" latinLnBrk="0" hangingPunct="1">
+      <a:defRPr sz="1200" kern="1200">
+        <a:solidFill>
+          <a:schemeClr val="tx1"/>
+        </a:solidFill>
+        <a:latin typeface="+mn-lt"/>
+        <a:ea typeface="+mn-ea"/>
+        <a:cs typeface="+mn-cs"/>
+      </a:defRPr>
+    </a:lvl9pPr>
+  </p:notesStyle>
+</p:notesMaster>
+</file>
+
+<file path=ppt/notesSlides/notesSlide1.xml><?xml version="1.0" encoding="utf-8"?>
+<p:notes xmlns:a="http://schemas.openxmlformats.org/drawingml/2006/main" xmlns:r="http://schemas.openxmlformats.org/officeDocument/2006/relationships" xmlns:p="http://schemas.openxmlformats.org/presentationml/2006/main">
+  <p:cSld>
+    <p:spTree>
+      <p:nvGrpSpPr>
+        <p:cNvPr id="1" name=""/>
+        <p:cNvGrpSpPr/>
+        <p:nvPr/>
+      </p:nvGrpSpPr>
+      <p:grpSpPr>
+        <a:xfrm>
+          <a:off x="0" y="0"/>
+          <a:ext cx="0" cy="0"/>
+          <a:chOff x="0" y="0"/>
+          <a:chExt cx="0" cy="0"/>
+        </a:xfrm>
+      </p:grpSpPr>
+      <p:sp>
+        <p:nvSpPr>
+          <p:cNvPr id="2" name="Slide Image Placeholder 1"/>
+          <p:cNvSpPr>
+            <a:spLocks noGrp="1" noRot="1" noChangeAspect="1"/>
+          </p:cNvSpPr>
+          <p:nvPr>
+            <p:ph type="sldImg"/>
+          </p:nvPr>
+        </p:nvSpPr>
+        <p:spPr/>
+      </p:sp>
+      <p:sp>
+        <p:nvSpPr>
+          <p:cNvPr id="3" name="Notes Placeholder 2"/>
+          <p:cNvSpPr>
+            <a:spLocks noGrp="1"/>
+          </p:cNvSpPr>
+          <p:nvPr>
+            <p:ph type="body" idx="1"/>
+          </p:nvPr>
+        </p:nvSpPr>
+        <p:spPr/>
+        <p:txBody>
+          <a:bodyPr/>
+          <a:lstStyle/>
+          <a:p>
+            <a:endParaRPr lang="en-US" dirty="0"/>
+          </a:p>
+        </p:txBody>
+      </p:sp>
+      <p:sp>
+        <p:nvSpPr>
+          <p:cNvPr id="4" name="Slide Number Placeholder 3"/>
+          <p:cNvSpPr>
+            <a:spLocks noGrp="1"/>
+          </p:cNvSpPr>
+          <p:nvPr>
+            <p:ph type="sldNum" sz="quarter" idx="5"/>
+          </p:nvPr>
+        </p:nvSpPr>
+        <p:spPr/>
+        <p:txBody>
+          <a:bodyPr/>
+          <a:lstStyle/>
+          <a:p>
+            <a:fld id="{96BCB078-7868-498E-800A-78F4B14AAD4A}" type="slidenum">
+              <a:rPr lang="en-US" smtClean="0"/>
+              <a:t>2</a:t>
+            </a:fld>
+            <a:endParaRPr lang="en-US"/>
+          </a:p>
+        </p:txBody>
+      </p:sp>
+    </p:spTree>
+    <p:extLst>
+      <p:ext uri="{BB962C8B-B14F-4D97-AF65-F5344CB8AC3E}">
+        <p14:creationId xmlns:p14="http://schemas.microsoft.com/office/powerpoint/2010/main" val="409037954"/>
+      </p:ext>
+    </p:extLst>
+  </p:cSld>
+  <p:clrMapOvr>
+    <a:masterClrMapping/>
+  </p:clrMapOvr>
+</p:notes>
 </file>
 
 <file path=ppt/slideLayouts/slideLayout1.xml><?xml version="1.0" encoding="utf-8"?>
@@ -6460,7 +13010,7 @@
           <a:p>
             <a:fld id="{2B86EE86-C563-4213-A992-F9247260A7D1}" type="datetimeFigureOut">
               <a:rPr lang="en-US" smtClean="0"/>
-              <a:t>4/6/2020</a:t>
+              <a:t>5/25/2020</a:t>
             </a:fld>
             <a:endParaRPr lang="en-US"/>
           </a:p>
@@ -6658,7 +13208,7 @@
           <a:p>
             <a:fld id="{2B86EE86-C563-4213-A992-F9247260A7D1}" type="datetimeFigureOut">
               <a:rPr lang="en-US" smtClean="0"/>
-              <a:t>4/6/2020</a:t>
+              <a:t>5/25/2020</a:t>
             </a:fld>
             <a:endParaRPr lang="en-US"/>
           </a:p>
@@ -6866,7 +13416,7 @@
           <a:p>
             <a:fld id="{2B86EE86-C563-4213-A992-F9247260A7D1}" type="datetimeFigureOut">
               <a:rPr lang="en-US" smtClean="0"/>
-              <a:t>4/6/2020</a:t>
+              <a:t>5/25/2020</a:t>
             </a:fld>
             <a:endParaRPr lang="en-US"/>
           </a:p>
@@ -7064,7 +13614,7 @@
           <a:p>
             <a:fld id="{2B86EE86-C563-4213-A992-F9247260A7D1}" type="datetimeFigureOut">
               <a:rPr lang="en-US" smtClean="0"/>
-              <a:t>4/6/2020</a:t>
+              <a:t>5/25/2020</a:t>
             </a:fld>
             <a:endParaRPr lang="en-US"/>
           </a:p>
@@ -7339,7 +13889,7 @@
           <a:p>
             <a:fld id="{2B86EE86-C563-4213-A992-F9247260A7D1}" type="datetimeFigureOut">
               <a:rPr lang="en-US" smtClean="0"/>
-              <a:t>4/6/2020</a:t>
+              <a:t>5/25/2020</a:t>
             </a:fld>
             <a:endParaRPr lang="en-US"/>
           </a:p>
@@ -7604,7 +14154,7 @@
           <a:p>
             <a:fld id="{2B86EE86-C563-4213-A992-F9247260A7D1}" type="datetimeFigureOut">
               <a:rPr lang="en-US" smtClean="0"/>
-              <a:t>4/6/2020</a:t>
+              <a:t>5/25/2020</a:t>
             </a:fld>
             <a:endParaRPr lang="en-US"/>
           </a:p>
@@ -8016,7 +14566,7 @@
           <a:p>
             <a:fld id="{2B86EE86-C563-4213-A992-F9247260A7D1}" type="datetimeFigureOut">
               <a:rPr lang="en-US" smtClean="0"/>
-              <a:t>4/6/2020</a:t>
+              <a:t>5/25/2020</a:t>
             </a:fld>
             <a:endParaRPr lang="en-US"/>
           </a:p>
@@ -8157,7 +14707,7 @@
           <a:p>
             <a:fld id="{2B86EE86-C563-4213-A992-F9247260A7D1}" type="datetimeFigureOut">
               <a:rPr lang="en-US" smtClean="0"/>
-              <a:t>4/6/2020</a:t>
+              <a:t>5/25/2020</a:t>
             </a:fld>
             <a:endParaRPr lang="en-US"/>
           </a:p>
@@ -8270,7 +14820,7 @@
           <a:p>
             <a:fld id="{2B86EE86-C563-4213-A992-F9247260A7D1}" type="datetimeFigureOut">
               <a:rPr lang="en-US" smtClean="0"/>
-              <a:t>4/6/2020</a:t>
+              <a:t>5/25/2020</a:t>
             </a:fld>
             <a:endParaRPr lang="en-US"/>
           </a:p>
@@ -8581,7 +15131,7 @@
           <a:p>
             <a:fld id="{2B86EE86-C563-4213-A992-F9247260A7D1}" type="datetimeFigureOut">
               <a:rPr lang="en-US" smtClean="0"/>
-              <a:t>4/6/2020</a:t>
+              <a:t>5/25/2020</a:t>
             </a:fld>
             <a:endParaRPr lang="en-US"/>
           </a:p>
@@ -8869,7 +15419,7 @@
           <a:p>
             <a:fld id="{2B86EE86-C563-4213-A992-F9247260A7D1}" type="datetimeFigureOut">
               <a:rPr lang="en-US" smtClean="0"/>
-              <a:t>4/6/2020</a:t>
+              <a:t>5/25/2020</a:t>
             </a:fld>
             <a:endParaRPr lang="en-US"/>
           </a:p>
@@ -9110,7 +15660,7 @@
           <a:p>
             <a:fld id="{2B86EE86-C563-4213-A992-F9247260A7D1}" type="datetimeFigureOut">
               <a:rPr lang="en-US" smtClean="0"/>
-              <a:t>4/6/2020</a:t>
+              <a:t>5/25/2020</a:t>
             </a:fld>
             <a:endParaRPr lang="en-US"/>
           </a:p>
@@ -9560,7 +16110,7 @@
             <p:nvPr>
               <p:extLst>
                 <p:ext uri="{D42A27DB-BD31-4B8C-83A1-F6EECF244321}">
-                  <p14:modId xmlns:p14="http://schemas.microsoft.com/office/powerpoint/2010/main" val="1279356091"/>
+                  <p14:modId xmlns:p14="http://schemas.microsoft.com/office/powerpoint/2010/main" val="2940655676"/>
                 </p:ext>
               </p:extLst>
             </p:nvPr>
@@ -9863,6 +16413,364 @@
 </p:sld>
 </file>
 
+<file path=ppt/slides/slide2.xml><?xml version="1.0" encoding="utf-8"?>
+<p:sld xmlns:a="http://schemas.openxmlformats.org/drawingml/2006/main" xmlns:r="http://schemas.openxmlformats.org/officeDocument/2006/relationships" xmlns:p="http://schemas.openxmlformats.org/presentationml/2006/main">
+  <p:cSld>
+    <p:spTree>
+      <p:nvGrpSpPr>
+        <p:cNvPr id="1" name=""/>
+        <p:cNvGrpSpPr/>
+        <p:nvPr/>
+      </p:nvGrpSpPr>
+      <p:grpSpPr>
+        <a:xfrm>
+          <a:off x="0" y="0"/>
+          <a:ext cx="0" cy="0"/>
+          <a:chOff x="0" y="0"/>
+          <a:chExt cx="0" cy="0"/>
+        </a:xfrm>
+      </p:grpSpPr>
+      <p:grpSp>
+        <p:nvGrpSpPr>
+          <p:cNvPr id="15" name="Group 14">
+            <a:extLst>
+              <a:ext uri="{FF2B5EF4-FFF2-40B4-BE49-F238E27FC236}">
+                <a16:creationId xmlns:a16="http://schemas.microsoft.com/office/drawing/2014/main" id="{4E8670A0-EB56-4F4C-969E-2215E39EAE74}"/>
+              </a:ext>
+            </a:extLst>
+          </p:cNvPr>
+          <p:cNvGrpSpPr/>
+          <p:nvPr/>
+        </p:nvGrpSpPr>
+        <p:grpSpPr>
+          <a:xfrm>
+            <a:off x="1254486" y="719666"/>
+            <a:ext cx="9329557" cy="5418667"/>
+            <a:chOff x="1254486" y="719666"/>
+            <a:chExt cx="9329557" cy="5418667"/>
+          </a:xfrm>
+        </p:grpSpPr>
+        <p:graphicFrame>
+          <p:nvGraphicFramePr>
+            <p:cNvPr id="5" name="Diagram 4">
+              <a:extLst>
+                <a:ext uri="{FF2B5EF4-FFF2-40B4-BE49-F238E27FC236}">
+                  <a16:creationId xmlns:a16="http://schemas.microsoft.com/office/drawing/2014/main" id="{9DC423A0-F3ED-419F-8062-67443657B3AE}"/>
+                </a:ext>
+              </a:extLst>
+            </p:cNvPr>
+            <p:cNvGraphicFramePr/>
+            <p:nvPr>
+              <p:extLst>
+                <p:ext uri="{D42A27DB-BD31-4B8C-83A1-F6EECF244321}">
+                  <p14:modId xmlns:p14="http://schemas.microsoft.com/office/powerpoint/2010/main" val="1016809238"/>
+                </p:ext>
+              </p:extLst>
+            </p:nvPr>
+          </p:nvGraphicFramePr>
+          <p:xfrm>
+            <a:off x="1254486" y="719666"/>
+            <a:ext cx="9329557" cy="5418667"/>
+          </p:xfrm>
+          <a:graphic>
+            <a:graphicData uri="http://schemas.openxmlformats.org/drawingml/2006/diagram">
+              <dgm:relIds xmlns:dgm="http://schemas.openxmlformats.org/drawingml/2006/diagram" xmlns:r="http://schemas.openxmlformats.org/officeDocument/2006/relationships" r:dm="rId3" r:lo="rId4" r:qs="rId5" r:cs="rId6"/>
+            </a:graphicData>
+          </a:graphic>
+        </p:graphicFrame>
+        <p:sp>
+          <p:nvSpPr>
+            <p:cNvPr id="11" name="Arrow: Right 10">
+              <a:extLst>
+                <a:ext uri="{FF2B5EF4-FFF2-40B4-BE49-F238E27FC236}">
+                  <a16:creationId xmlns:a16="http://schemas.microsoft.com/office/drawing/2014/main" id="{BD9049C1-834A-4909-BF2B-60C93223ABBC}"/>
+                </a:ext>
+              </a:extLst>
+            </p:cNvPr>
+            <p:cNvSpPr/>
+            <p:nvPr/>
+          </p:nvSpPr>
+          <p:spPr>
+            <a:xfrm>
+              <a:off x="4418687" y="3213404"/>
+              <a:ext cx="2863963" cy="431190"/>
+            </a:xfrm>
+            <a:prstGeom prst="rightArrow">
+              <a:avLst/>
+            </a:prstGeom>
+            <a:solidFill>
+              <a:schemeClr val="accent1">
+                <a:lumMod val="20000"/>
+                <a:lumOff val="80000"/>
+              </a:schemeClr>
+            </a:solidFill>
+            <a:ln>
+              <a:noFill/>
+            </a:ln>
+          </p:spPr>
+          <p:style>
+            <a:lnRef idx="2">
+              <a:schemeClr val="accent1">
+                <a:shade val="50000"/>
+              </a:schemeClr>
+            </a:lnRef>
+            <a:fillRef idx="1">
+              <a:schemeClr val="accent1"/>
+            </a:fillRef>
+            <a:effectRef idx="0">
+              <a:schemeClr val="accent1"/>
+            </a:effectRef>
+            <a:fontRef idx="minor">
+              <a:schemeClr val="lt1"/>
+            </a:fontRef>
+          </p:style>
+          <p:txBody>
+            <a:bodyPr rtlCol="0" anchor="ctr"/>
+            <a:lstStyle/>
+            <a:p>
+              <a:pPr algn="ctr"/>
+              <a:r>
+                <a:rPr lang="zh-CN" altLang="en-US" sz="1200" dirty="0">
+                  <a:solidFill>
+                    <a:schemeClr val="tx1"/>
+                  </a:solidFill>
+                  <a:latin typeface="SimSun-ExtB" panose="02010609060101010101" pitchFamily="49" charset="-122"/>
+                  <a:ea typeface="SimSun-ExtB" panose="02010609060101010101" pitchFamily="49" charset="-122"/>
+                </a:rPr>
+                <a:t>显著影响</a:t>
+              </a:r>
+              <a:endParaRPr lang="en-US" sz="1200" dirty="0">
+                <a:solidFill>
+                  <a:schemeClr val="tx1"/>
+                </a:solidFill>
+                <a:latin typeface="SimSun-ExtB" panose="02010609060101010101" pitchFamily="49" charset="-122"/>
+                <a:ea typeface="SimSun-ExtB" panose="02010609060101010101" pitchFamily="49" charset="-122"/>
+              </a:endParaRPr>
+            </a:p>
+          </p:txBody>
+        </p:sp>
+        <p:sp>
+          <p:nvSpPr>
+            <p:cNvPr id="13" name="Left Brace 12">
+              <a:extLst>
+                <a:ext uri="{FF2B5EF4-FFF2-40B4-BE49-F238E27FC236}">
+                  <a16:creationId xmlns:a16="http://schemas.microsoft.com/office/drawing/2014/main" id="{EB63647E-97AE-4606-9E04-039AE971E745}"/>
+                </a:ext>
+              </a:extLst>
+            </p:cNvPr>
+            <p:cNvSpPr/>
+            <p:nvPr/>
+          </p:nvSpPr>
+          <p:spPr>
+            <a:xfrm rot="-5400000">
+              <a:off x="4155214" y="2553223"/>
+              <a:ext cx="332634" cy="4727991"/>
+            </a:xfrm>
+            <a:prstGeom prst="leftBrace">
+              <a:avLst>
+                <a:gd name="adj1" fmla="val 8333"/>
+                <a:gd name="adj2" fmla="val 50226"/>
+              </a:avLst>
+            </a:prstGeom>
+            <a:ln w="12700">
+              <a:solidFill>
+                <a:schemeClr val="tx1"/>
+              </a:solidFill>
+              <a:prstDash val="lgDash"/>
+            </a:ln>
+          </p:spPr>
+          <p:style>
+            <a:lnRef idx="1">
+              <a:schemeClr val="accent1"/>
+            </a:lnRef>
+            <a:fillRef idx="0">
+              <a:schemeClr val="accent1"/>
+            </a:fillRef>
+            <a:effectRef idx="0">
+              <a:schemeClr val="accent1"/>
+            </a:effectRef>
+            <a:fontRef idx="minor">
+              <a:schemeClr val="tx1"/>
+            </a:fontRef>
+          </p:style>
+          <p:txBody>
+            <a:bodyPr rtlCol="0" anchor="ctr"/>
+            <a:lstStyle/>
+            <a:p>
+              <a:pPr algn="ctr"/>
+              <a:endParaRPr lang="en-US"/>
+            </a:p>
+          </p:txBody>
+        </p:sp>
+        <p:sp>
+          <p:nvSpPr>
+            <p:cNvPr id="9" name="TextBox 8">
+              <a:extLst>
+                <a:ext uri="{FF2B5EF4-FFF2-40B4-BE49-F238E27FC236}">
+                  <a16:creationId xmlns:a16="http://schemas.microsoft.com/office/drawing/2014/main" id="{56FDB9A0-073D-485D-9B38-057A3E799806}"/>
+                </a:ext>
+              </a:extLst>
+            </p:cNvPr>
+            <p:cNvSpPr txBox="1"/>
+            <p:nvPr/>
+          </p:nvSpPr>
+          <p:spPr>
+            <a:xfrm>
+              <a:off x="3680070" y="4998970"/>
+              <a:ext cx="1282918" cy="276999"/>
+            </a:xfrm>
+            <a:prstGeom prst="rect">
+              <a:avLst/>
+            </a:prstGeom>
+            <a:solidFill>
+              <a:schemeClr val="accent1">
+                <a:lumMod val="20000"/>
+                <a:lumOff val="80000"/>
+              </a:schemeClr>
+            </a:solidFill>
+            <a:ln>
+              <a:noFill/>
+            </a:ln>
+          </p:spPr>
+          <p:txBody>
+            <a:bodyPr wrap="square" rtlCol="0">
+              <a:spAutoFit/>
+            </a:bodyPr>
+            <a:lstStyle/>
+            <a:p>
+              <a:pPr algn="ctr"/>
+              <a:r>
+                <a:rPr lang="zh-CN" altLang="en-US" sz="1200" dirty="0">
+                  <a:latin typeface="SimSun-ExtB" panose="02010609060101010101" pitchFamily="49" charset="-122"/>
+                  <a:ea typeface="SimSun-ExtB" panose="02010609060101010101" pitchFamily="49" charset="-122"/>
+                </a:rPr>
+                <a:t>与质量控制有关</a:t>
+              </a:r>
+              <a:endParaRPr lang="en-US" sz="1200" dirty="0">
+                <a:latin typeface="SimSun-ExtB" panose="02010609060101010101" pitchFamily="49" charset="-122"/>
+                <a:ea typeface="SimSun-ExtB" panose="02010609060101010101" pitchFamily="49" charset="-122"/>
+              </a:endParaRPr>
+            </a:p>
+          </p:txBody>
+        </p:sp>
+        <p:sp>
+          <p:nvSpPr>
+            <p:cNvPr id="14" name="Left Brace 13">
+              <a:extLst>
+                <a:ext uri="{FF2B5EF4-FFF2-40B4-BE49-F238E27FC236}">
+                  <a16:creationId xmlns:a16="http://schemas.microsoft.com/office/drawing/2014/main" id="{FC945045-662D-4CA6-A919-AB7D8A14086A}"/>
+                </a:ext>
+              </a:extLst>
+            </p:cNvPr>
+            <p:cNvSpPr/>
+            <p:nvPr/>
+          </p:nvSpPr>
+          <p:spPr>
+            <a:xfrm rot="-5400000">
+              <a:off x="8866640" y="4100427"/>
+              <a:ext cx="332634" cy="1633583"/>
+            </a:xfrm>
+            <a:prstGeom prst="leftBrace">
+              <a:avLst>
+                <a:gd name="adj1" fmla="val 8333"/>
+                <a:gd name="adj2" fmla="val 50226"/>
+              </a:avLst>
+            </a:prstGeom>
+            <a:ln w="12700">
+              <a:solidFill>
+                <a:schemeClr val="tx1"/>
+              </a:solidFill>
+              <a:prstDash val="lgDash"/>
+            </a:ln>
+          </p:spPr>
+          <p:style>
+            <a:lnRef idx="1">
+              <a:schemeClr val="accent1"/>
+            </a:lnRef>
+            <a:fillRef idx="0">
+              <a:schemeClr val="accent1"/>
+            </a:fillRef>
+            <a:effectRef idx="0">
+              <a:schemeClr val="accent1"/>
+            </a:effectRef>
+            <a:fontRef idx="minor">
+              <a:schemeClr val="tx1"/>
+            </a:fontRef>
+          </p:style>
+          <p:txBody>
+            <a:bodyPr rtlCol="0" anchor="ctr"/>
+            <a:lstStyle/>
+            <a:p>
+              <a:pPr algn="ctr"/>
+              <a:endParaRPr lang="en-US"/>
+            </a:p>
+          </p:txBody>
+        </p:sp>
+        <p:sp>
+          <p:nvSpPr>
+            <p:cNvPr id="10" name="TextBox 9">
+              <a:extLst>
+                <a:ext uri="{FF2B5EF4-FFF2-40B4-BE49-F238E27FC236}">
+                  <a16:creationId xmlns:a16="http://schemas.microsoft.com/office/drawing/2014/main" id="{C6DE5F33-B339-4F7A-B1BE-B534E5FF640D}"/>
+                </a:ext>
+              </a:extLst>
+            </p:cNvPr>
+            <p:cNvSpPr txBox="1"/>
+            <p:nvPr/>
+          </p:nvSpPr>
+          <p:spPr>
+            <a:xfrm>
+              <a:off x="8585184" y="4998970"/>
+              <a:ext cx="895546" cy="276999"/>
+            </a:xfrm>
+            <a:prstGeom prst="rect">
+              <a:avLst/>
+            </a:prstGeom>
+            <a:solidFill>
+              <a:schemeClr val="accent1">
+                <a:lumMod val="20000"/>
+                <a:lumOff val="80000"/>
+              </a:schemeClr>
+            </a:solidFill>
+            <a:ln>
+              <a:noFill/>
+            </a:ln>
+          </p:spPr>
+          <p:txBody>
+            <a:bodyPr wrap="square" rtlCol="0">
+              <a:spAutoFit/>
+            </a:bodyPr>
+            <a:lstStyle/>
+            <a:p>
+              <a:pPr algn="ctr"/>
+              <a:r>
+                <a:rPr lang="zh-CN" altLang="en-US" sz="1200" dirty="0">
+                  <a:latin typeface="SimSun-ExtB" panose="02010609060101010101" pitchFamily="49" charset="-122"/>
+                  <a:ea typeface="SimSun-ExtB" panose="02010609060101010101" pitchFamily="49" charset="-122"/>
+                </a:rPr>
+                <a:t>面向应用</a:t>
+              </a:r>
+              <a:endParaRPr lang="en-US" sz="1200" dirty="0">
+                <a:latin typeface="SimSun-ExtB" panose="02010609060101010101" pitchFamily="49" charset="-122"/>
+                <a:ea typeface="SimSun-ExtB" panose="02010609060101010101" pitchFamily="49" charset="-122"/>
+              </a:endParaRPr>
+            </a:p>
+          </p:txBody>
+        </p:sp>
+      </p:grpSp>
+    </p:spTree>
+    <p:extLst>
+      <p:ext uri="{BB962C8B-B14F-4D97-AF65-F5344CB8AC3E}">
+        <p14:creationId xmlns:p14="http://schemas.microsoft.com/office/powerpoint/2010/main" val="4060321494"/>
+      </p:ext>
+    </p:extLst>
+  </p:cSld>
+  <p:clrMapOvr>
+    <a:masterClrMapping/>
+  </p:clrMapOvr>
+</p:sld>
+</file>
+
 <file path=ppt/theme/theme1.xml><?xml version="1.0" encoding="utf-8"?>
 <a:theme xmlns:a="http://schemas.openxmlformats.org/drawingml/2006/main" name="Office Theme">
   <a:themeElements>
@@ -10156,4 +17064,299 @@
     </a:ext>
   </a:extLst>
 </a:theme>
+</file>
+
+<file path=ppt/theme/theme2.xml><?xml version="1.0" encoding="utf-8"?>
+<a:theme xmlns:a="http://schemas.openxmlformats.org/drawingml/2006/main" name="Office Theme">
+  <a:themeElements>
+    <a:clrScheme name="Office">
+      <a:dk1>
+        <a:sysClr val="windowText" lastClr="000000"/>
+      </a:dk1>
+      <a:lt1>
+        <a:sysClr val="window" lastClr="FFFFFF"/>
+      </a:lt1>
+      <a:dk2>
+        <a:srgbClr val="44546A"/>
+      </a:dk2>
+      <a:lt2>
+        <a:srgbClr val="E7E6E6"/>
+      </a:lt2>
+      <a:accent1>
+        <a:srgbClr val="4472C4"/>
+      </a:accent1>
+      <a:accent2>
+        <a:srgbClr val="ED7D31"/>
+      </a:accent2>
+      <a:accent3>
+        <a:srgbClr val="A5A5A5"/>
+      </a:accent3>
+      <a:accent4>
+        <a:srgbClr val="FFC000"/>
+      </a:accent4>
+      <a:accent5>
+        <a:srgbClr val="5B9BD5"/>
+      </a:accent5>
+      <a:accent6>
+        <a:srgbClr val="70AD47"/>
+      </a:accent6>
+      <a:hlink>
+        <a:srgbClr val="0563C1"/>
+      </a:hlink>
+      <a:folHlink>
+        <a:srgbClr val="954F72"/>
+      </a:folHlink>
+    </a:clrScheme>
+    <a:fontScheme name="Office">
+      <a:majorFont>
+        <a:latin typeface="Calibri Light" panose="020F0302020204030204"/>
+        <a:ea typeface=""/>
+        <a:cs typeface=""/>
+        <a:font script="Jpan" typeface="游ゴシック Light"/>
+        <a:font script="Hang" typeface="맑은 고딕"/>
+        <a:font script="Hans" typeface="等线 Light"/>
+        <a:font script="Hant" typeface="新細明體"/>
+        <a:font script="Arab" typeface="Times New Roman"/>
+        <a:font script="Hebr" typeface="Times New Roman"/>
+        <a:font script="Thai" typeface="Angsana New"/>
+        <a:font script="Ethi" typeface="Nyala"/>
+        <a:font script="Beng" typeface="Vrinda"/>
+        <a:font script="Gujr" typeface="Shruti"/>
+        <a:font script="Khmr" typeface="MoolBoran"/>
+        <a:font script="Knda" typeface="Tunga"/>
+        <a:font script="Guru" typeface="Raavi"/>
+        <a:font script="Cans" typeface="Euphemia"/>
+        <a:font script="Cher" typeface="Plantagenet Cherokee"/>
+        <a:font script="Yiii" typeface="Microsoft Yi Baiti"/>
+        <a:font script="Tibt" typeface="Microsoft Himalaya"/>
+        <a:font script="Thaa" typeface="MV Boli"/>
+        <a:font script="Deva" typeface="Mangal"/>
+        <a:font script="Telu" typeface="Gautami"/>
+        <a:font script="Taml" typeface="Latha"/>
+        <a:font script="Syrc" typeface="Estrangelo Edessa"/>
+        <a:font script="Orya" typeface="Kalinga"/>
+        <a:font script="Mlym" typeface="Kartika"/>
+        <a:font script="Laoo" typeface="DokChampa"/>
+        <a:font script="Sinh" typeface="Iskoola Pota"/>
+        <a:font script="Mong" typeface="Mongolian Baiti"/>
+        <a:font script="Viet" typeface="Times New Roman"/>
+        <a:font script="Uigh" typeface="Microsoft Uighur"/>
+        <a:font script="Geor" typeface="Sylfaen"/>
+        <a:font script="Armn" typeface="Arial"/>
+        <a:font script="Bugi" typeface="Leelawadee UI"/>
+        <a:font script="Bopo" typeface="Microsoft JhengHei"/>
+        <a:font script="Java" typeface="Javanese Text"/>
+        <a:font script="Lisu" typeface="Segoe UI"/>
+        <a:font script="Mymr" typeface="Myanmar Text"/>
+        <a:font script="Nkoo" typeface="Ebrima"/>
+        <a:font script="Olck" typeface="Nirmala UI"/>
+        <a:font script="Osma" typeface="Ebrima"/>
+        <a:font script="Phag" typeface="Phagspa"/>
+        <a:font script="Syrn" typeface="Estrangelo Edessa"/>
+        <a:font script="Syrj" typeface="Estrangelo Edessa"/>
+        <a:font script="Syre" typeface="Estrangelo Edessa"/>
+        <a:font script="Sora" typeface="Nirmala UI"/>
+        <a:font script="Tale" typeface="Microsoft Tai Le"/>
+        <a:font script="Talu" typeface="Microsoft New Tai Lue"/>
+        <a:font script="Tfng" typeface="Ebrima"/>
+      </a:majorFont>
+      <a:minorFont>
+        <a:latin typeface="Calibri" panose="020F0502020204030204"/>
+        <a:ea typeface=""/>
+        <a:cs typeface=""/>
+        <a:font script="Jpan" typeface="游ゴシック"/>
+        <a:font script="Hang" typeface="맑은 고딕"/>
+        <a:font script="Hans" typeface="等线"/>
+        <a:font script="Hant" typeface="新細明體"/>
+        <a:font script="Arab" typeface="Arial"/>
+        <a:font script="Hebr" typeface="Arial"/>
+        <a:font script="Thai" typeface="Cordia New"/>
+        <a:font script="Ethi" typeface="Nyala"/>
+        <a:font script="Beng" typeface="Vrinda"/>
+        <a:font script="Gujr" typeface="Shruti"/>
+        <a:font script="Khmr" typeface="DaunPenh"/>
+        <a:font script="Knda" typeface="Tunga"/>
+        <a:font script="Guru" typeface="Raavi"/>
+        <a:font script="Cans" typeface="Euphemia"/>
+        <a:font script="Cher" typeface="Plantagenet Cherokee"/>
+        <a:font script="Yiii" typeface="Microsoft Yi Baiti"/>
+        <a:font script="Tibt" typeface="Microsoft Himalaya"/>
+        <a:font script="Thaa" typeface="MV Boli"/>
+        <a:font script="Deva" typeface="Mangal"/>
+        <a:font script="Telu" typeface="Gautami"/>
+        <a:font script="Taml" typeface="Latha"/>
+        <a:font script="Syrc" typeface="Estrangelo Edessa"/>
+        <a:font script="Orya" typeface="Kalinga"/>
+        <a:font script="Mlym" typeface="Kartika"/>
+        <a:font script="Laoo" typeface="DokChampa"/>
+        <a:font script="Sinh" typeface="Iskoola Pota"/>
+        <a:font script="Mong" typeface="Mongolian Baiti"/>
+        <a:font script="Viet" typeface="Arial"/>
+        <a:font script="Uigh" typeface="Microsoft Uighur"/>
+        <a:font script="Geor" typeface="Sylfaen"/>
+        <a:font script="Armn" typeface="Arial"/>
+        <a:font script="Bugi" typeface="Leelawadee UI"/>
+        <a:font script="Bopo" typeface="Microsoft JhengHei"/>
+        <a:font script="Java" typeface="Javanese Text"/>
+        <a:font script="Lisu" typeface="Segoe UI"/>
+        <a:font script="Mymr" typeface="Myanmar Text"/>
+        <a:font script="Nkoo" typeface="Ebrima"/>
+        <a:font script="Olck" typeface="Nirmala UI"/>
+        <a:font script="Osma" typeface="Ebrima"/>
+        <a:font script="Phag" typeface="Phagspa"/>
+        <a:font script="Syrn" typeface="Estrangelo Edessa"/>
+        <a:font script="Syrj" typeface="Estrangelo Edessa"/>
+        <a:font script="Syre" typeface="Estrangelo Edessa"/>
+        <a:font script="Sora" typeface="Nirmala UI"/>
+        <a:font script="Tale" typeface="Microsoft Tai Le"/>
+        <a:font script="Talu" typeface="Microsoft New Tai Lue"/>
+        <a:font script="Tfng" typeface="Ebrima"/>
+      </a:minorFont>
+    </a:fontScheme>
+    <a:fmtScheme name="Office">
+      <a:fillStyleLst>
+        <a:solidFill>
+          <a:schemeClr val="phClr"/>
+        </a:solidFill>
+        <a:gradFill rotWithShape="1">
+          <a:gsLst>
+            <a:gs pos="0">
+              <a:schemeClr val="phClr">
+                <a:lumMod val="110000"/>
+                <a:satMod val="105000"/>
+                <a:tint val="67000"/>
+              </a:schemeClr>
+            </a:gs>
+            <a:gs pos="50000">
+              <a:schemeClr val="phClr">
+                <a:lumMod val="105000"/>
+                <a:satMod val="103000"/>
+                <a:tint val="73000"/>
+              </a:schemeClr>
+            </a:gs>
+            <a:gs pos="100000">
+              <a:schemeClr val="phClr">
+                <a:lumMod val="105000"/>
+                <a:satMod val="109000"/>
+                <a:tint val="81000"/>
+              </a:schemeClr>
+            </a:gs>
+          </a:gsLst>
+          <a:lin ang="5400000" scaled="0"/>
+        </a:gradFill>
+        <a:gradFill rotWithShape="1">
+          <a:gsLst>
+            <a:gs pos="0">
+              <a:schemeClr val="phClr">
+                <a:satMod val="103000"/>
+                <a:lumMod val="102000"/>
+                <a:tint val="94000"/>
+              </a:schemeClr>
+            </a:gs>
+            <a:gs pos="50000">
+              <a:schemeClr val="phClr">
+                <a:satMod val="110000"/>
+                <a:lumMod val="100000"/>
+                <a:shade val="100000"/>
+              </a:schemeClr>
+            </a:gs>
+            <a:gs pos="100000">
+              <a:schemeClr val="phClr">
+                <a:lumMod val="99000"/>
+                <a:satMod val="120000"/>
+                <a:shade val="78000"/>
+              </a:schemeClr>
+            </a:gs>
+          </a:gsLst>
+          <a:lin ang="5400000" scaled="0"/>
+        </a:gradFill>
+      </a:fillStyleLst>
+      <a:lnStyleLst>
+        <a:ln w="6350" cap="flat" cmpd="sng" algn="ctr">
+          <a:solidFill>
+            <a:schemeClr val="phClr"/>
+          </a:solidFill>
+          <a:prstDash val="solid"/>
+          <a:miter lim="800000"/>
+        </a:ln>
+        <a:ln w="12700" cap="flat" cmpd="sng" algn="ctr">
+          <a:solidFill>
+            <a:schemeClr val="phClr"/>
+          </a:solidFill>
+          <a:prstDash val="solid"/>
+          <a:miter lim="800000"/>
+        </a:ln>
+        <a:ln w="19050" cap="flat" cmpd="sng" algn="ctr">
+          <a:solidFill>
+            <a:schemeClr val="phClr"/>
+          </a:solidFill>
+          <a:prstDash val="solid"/>
+          <a:miter lim="800000"/>
+        </a:ln>
+      </a:lnStyleLst>
+      <a:effectStyleLst>
+        <a:effectStyle>
+          <a:effectLst/>
+        </a:effectStyle>
+        <a:effectStyle>
+          <a:effectLst/>
+        </a:effectStyle>
+        <a:effectStyle>
+          <a:effectLst>
+            <a:outerShdw blurRad="57150" dist="19050" dir="5400000" algn="ctr" rotWithShape="0">
+              <a:srgbClr val="000000">
+                <a:alpha val="63000"/>
+              </a:srgbClr>
+            </a:outerShdw>
+          </a:effectLst>
+        </a:effectStyle>
+      </a:effectStyleLst>
+      <a:bgFillStyleLst>
+        <a:solidFill>
+          <a:schemeClr val="phClr"/>
+        </a:solidFill>
+        <a:solidFill>
+          <a:schemeClr val="phClr">
+            <a:tint val="95000"/>
+            <a:satMod val="170000"/>
+          </a:schemeClr>
+        </a:solidFill>
+        <a:gradFill rotWithShape="1">
+          <a:gsLst>
+            <a:gs pos="0">
+              <a:schemeClr val="phClr">
+                <a:tint val="93000"/>
+                <a:satMod val="150000"/>
+                <a:shade val="98000"/>
+                <a:lumMod val="102000"/>
+              </a:schemeClr>
+            </a:gs>
+            <a:gs pos="50000">
+              <a:schemeClr val="phClr">
+                <a:tint val="98000"/>
+                <a:satMod val="130000"/>
+                <a:shade val="90000"/>
+                <a:lumMod val="103000"/>
+              </a:schemeClr>
+            </a:gs>
+            <a:gs pos="100000">
+              <a:schemeClr val="phClr">
+                <a:shade val="63000"/>
+                <a:satMod val="120000"/>
+              </a:schemeClr>
+            </a:gs>
+          </a:gsLst>
+          <a:lin ang="5400000" scaled="0"/>
+        </a:gradFill>
+      </a:bgFillStyleLst>
+    </a:fmtScheme>
+  </a:themeElements>
+  <a:objectDefaults/>
+  <a:extraClrSchemeLst/>
+  <a:extLst>
+    <a:ext uri="{05A4C25C-085E-4340-85A3-A5531E510DB2}">
+      <thm15:themeFamily xmlns:thm15="http://schemas.microsoft.com/office/thememl/2012/main" name="Office Theme" id="{62F939B6-93AF-4DB8-9C6B-D6C7DFDC589F}" vid="{4A3C46E8-61CC-4603-A589-7422A47A8E4A}"/>
+    </a:ext>
+  </a:extLst>
+</a:theme>
 </file>